--- a/book/some_content/HR/Hiring/PhDPostDocs/Appendices/OverviewImage.pptx
+++ b/book/some_content/HR/Hiring/PhDPostDocs/Appendices/OverviewImage.pptx
@@ -10,6 +10,7 @@
     <p:sldId id="258" r:id="rId7"/>
     <p:sldId id="259" r:id="rId8"/>
     <p:sldId id="260" r:id="rId9"/>
+    <p:sldId id="264" r:id="rId10"/>
   </p:sldIdLst>
   <p:sldSz cx="12192000" cy="6858000"/>
   <p:notesSz cx="6858000" cy="9144000"/>
@@ -271,7 +272,7 @@
           <a:p>
             <a:fld id="{D8565887-CB67-44B0-BD9C-15A5FE5E897A}" type="datetimeFigureOut">
               <a:rPr lang="en-NL" smtClean="0"/>
-              <a:t>18/11/2024</a:t>
+              <a:t>28/11/2024</a:t>
             </a:fld>
             <a:endParaRPr lang="en-NL"/>
           </a:p>
@@ -471,7 +472,7 @@
           <a:p>
             <a:fld id="{D8565887-CB67-44B0-BD9C-15A5FE5E897A}" type="datetimeFigureOut">
               <a:rPr lang="en-NL" smtClean="0"/>
-              <a:t>18/11/2024</a:t>
+              <a:t>28/11/2024</a:t>
             </a:fld>
             <a:endParaRPr lang="en-NL"/>
           </a:p>
@@ -681,7 +682,7 @@
           <a:p>
             <a:fld id="{D8565887-CB67-44B0-BD9C-15A5FE5E897A}" type="datetimeFigureOut">
               <a:rPr lang="en-NL" smtClean="0"/>
-              <a:t>18/11/2024</a:t>
+              <a:t>28/11/2024</a:t>
             </a:fld>
             <a:endParaRPr lang="en-NL"/>
           </a:p>
@@ -881,7 +882,7 @@
           <a:p>
             <a:fld id="{D8565887-CB67-44B0-BD9C-15A5FE5E897A}" type="datetimeFigureOut">
               <a:rPr lang="en-NL" smtClean="0"/>
-              <a:t>18/11/2024</a:t>
+              <a:t>28/11/2024</a:t>
             </a:fld>
             <a:endParaRPr lang="en-NL"/>
           </a:p>
@@ -1157,7 +1158,7 @@
           <a:p>
             <a:fld id="{D8565887-CB67-44B0-BD9C-15A5FE5E897A}" type="datetimeFigureOut">
               <a:rPr lang="en-NL" smtClean="0"/>
-              <a:t>18/11/2024</a:t>
+              <a:t>28/11/2024</a:t>
             </a:fld>
             <a:endParaRPr lang="en-NL"/>
           </a:p>
@@ -1425,7 +1426,7 @@
           <a:p>
             <a:fld id="{D8565887-CB67-44B0-BD9C-15A5FE5E897A}" type="datetimeFigureOut">
               <a:rPr lang="en-NL" smtClean="0"/>
-              <a:t>18/11/2024</a:t>
+              <a:t>28/11/2024</a:t>
             </a:fld>
             <a:endParaRPr lang="en-NL"/>
           </a:p>
@@ -1840,7 +1841,7 @@
           <a:p>
             <a:fld id="{D8565887-CB67-44B0-BD9C-15A5FE5E897A}" type="datetimeFigureOut">
               <a:rPr lang="en-NL" smtClean="0"/>
-              <a:t>18/11/2024</a:t>
+              <a:t>28/11/2024</a:t>
             </a:fld>
             <a:endParaRPr lang="en-NL"/>
           </a:p>
@@ -1982,7 +1983,7 @@
           <a:p>
             <a:fld id="{D8565887-CB67-44B0-BD9C-15A5FE5E897A}" type="datetimeFigureOut">
               <a:rPr lang="en-NL" smtClean="0"/>
-              <a:t>18/11/2024</a:t>
+              <a:t>28/11/2024</a:t>
             </a:fld>
             <a:endParaRPr lang="en-NL"/>
           </a:p>
@@ -2095,7 +2096,7 @@
           <a:p>
             <a:fld id="{D8565887-CB67-44B0-BD9C-15A5FE5E897A}" type="datetimeFigureOut">
               <a:rPr lang="en-NL" smtClean="0"/>
-              <a:t>18/11/2024</a:t>
+              <a:t>28/11/2024</a:t>
             </a:fld>
             <a:endParaRPr lang="en-NL"/>
           </a:p>
@@ -2408,7 +2409,7 @@
           <a:p>
             <a:fld id="{D8565887-CB67-44B0-BD9C-15A5FE5E897A}" type="datetimeFigureOut">
               <a:rPr lang="en-NL" smtClean="0"/>
-              <a:t>18/11/2024</a:t>
+              <a:t>28/11/2024</a:t>
             </a:fld>
             <a:endParaRPr lang="en-NL"/>
           </a:p>
@@ -2697,7 +2698,7 @@
           <a:p>
             <a:fld id="{D8565887-CB67-44B0-BD9C-15A5FE5E897A}" type="datetimeFigureOut">
               <a:rPr lang="en-NL" smtClean="0"/>
-              <a:t>18/11/2024</a:t>
+              <a:t>28/11/2024</a:t>
             </a:fld>
             <a:endParaRPr lang="en-NL"/>
           </a:p>
@@ -2940,7 +2941,7 @@
           <a:p>
             <a:fld id="{D8565887-CB67-44B0-BD9C-15A5FE5E897A}" type="datetimeFigureOut">
               <a:rPr lang="en-NL" smtClean="0"/>
-              <a:t>18/11/2024</a:t>
+              <a:t>28/11/2024</a:t>
             </a:fld>
             <a:endParaRPr lang="en-NL"/>
           </a:p>
@@ -11255,6 +11256,5524 @@
     <p:extLst>
       <p:ext uri="{BB962C8B-B14F-4D97-AF65-F5344CB8AC3E}">
         <p14:creationId xmlns:p14="http://schemas.microsoft.com/office/powerpoint/2010/main" val="2909049899"/>
+      </p:ext>
+    </p:extLst>
+  </p:cSld>
+  <p:clrMapOvr>
+    <a:masterClrMapping/>
+  </p:clrMapOvr>
+</p:sld>
+</file>
+
+<file path=ppt/slides/slide6.xml><?xml version="1.0" encoding="utf-8"?>
+<p:sld xmlns:a="http://schemas.openxmlformats.org/drawingml/2006/main" xmlns:r="http://schemas.openxmlformats.org/officeDocument/2006/relationships" xmlns:p="http://schemas.openxmlformats.org/presentationml/2006/main">
+  <p:cSld>
+    <p:spTree>
+      <p:nvGrpSpPr>
+        <p:cNvPr id="1" name="">
+          <a:extLst>
+            <a:ext uri="{FF2B5EF4-FFF2-40B4-BE49-F238E27FC236}">
+              <a16:creationId xmlns:a16="http://schemas.microsoft.com/office/drawing/2014/main" id="{D97A9B0A-EE89-222B-0B52-FFCD06EBA611}"/>
+            </a:ext>
+          </a:extLst>
+        </p:cNvPr>
+        <p:cNvGrpSpPr/>
+        <p:nvPr/>
+      </p:nvGrpSpPr>
+      <p:grpSpPr>
+        <a:xfrm>
+          <a:off x="0" y="0"/>
+          <a:ext cx="0" cy="0"/>
+          <a:chOff x="0" y="0"/>
+          <a:chExt cx="0" cy="0"/>
+        </a:xfrm>
+      </p:grpSpPr>
+      <p:graphicFrame>
+        <p:nvGraphicFramePr>
+          <p:cNvPr id="2" name="Table 1">
+            <a:extLst>
+              <a:ext uri="{FF2B5EF4-FFF2-40B4-BE49-F238E27FC236}">
+                <a16:creationId xmlns:a16="http://schemas.microsoft.com/office/drawing/2014/main" id="{7F396365-7F75-79E0-9B68-3C7551A15DE5}"/>
+              </a:ext>
+            </a:extLst>
+          </p:cNvPr>
+          <p:cNvGraphicFramePr>
+            <a:graphicFrameLocks noGrp="1"/>
+          </p:cNvGraphicFramePr>
+          <p:nvPr>
+            <p:extLst>
+              <p:ext uri="{D42A27DB-BD31-4B8C-83A1-F6EECF244321}">
+                <p14:modId xmlns:p14="http://schemas.microsoft.com/office/powerpoint/2010/main" val="743318368"/>
+              </p:ext>
+            </p:extLst>
+          </p:nvPr>
+        </p:nvGraphicFramePr>
+        <p:xfrm>
+          <a:off x="239208" y="1214"/>
+          <a:ext cx="11713583" cy="6384494"/>
+        </p:xfrm>
+        <a:graphic>
+          <a:graphicData uri="http://schemas.openxmlformats.org/drawingml/2006/table">
+            <a:tbl>
+              <a:tblPr firstRow="1" bandRow="1"/>
+              <a:tblGrid>
+                <a:gridCol w="1786362">
+                  <a:extLst>
+                    <a:ext uri="{9D8B030D-6E8A-4147-A177-3AD203B41FA5}">
+                      <a16:colId xmlns:a16="http://schemas.microsoft.com/office/drawing/2014/main" val="2272131073"/>
+                    </a:ext>
+                  </a:extLst>
+                </a:gridCol>
+                <a:gridCol w="3206187">
+                  <a:extLst>
+                    <a:ext uri="{9D8B030D-6E8A-4147-A177-3AD203B41FA5}">
+                      <a16:colId xmlns:a16="http://schemas.microsoft.com/office/drawing/2014/main" val="2891580023"/>
+                    </a:ext>
+                  </a:extLst>
+                </a:gridCol>
+                <a:gridCol w="1446835">
+                  <a:extLst>
+                    <a:ext uri="{9D8B030D-6E8A-4147-A177-3AD203B41FA5}">
+                      <a16:colId xmlns:a16="http://schemas.microsoft.com/office/drawing/2014/main" val="3528329473"/>
+                    </a:ext>
+                  </a:extLst>
+                </a:gridCol>
+                <a:gridCol w="2558005">
+                  <a:extLst>
+                    <a:ext uri="{9D8B030D-6E8A-4147-A177-3AD203B41FA5}">
+                      <a16:colId xmlns:a16="http://schemas.microsoft.com/office/drawing/2014/main" val="4087161970"/>
+                    </a:ext>
+                  </a:extLst>
+                </a:gridCol>
+                <a:gridCol w="2716194">
+                  <a:extLst>
+                    <a:ext uri="{9D8B030D-6E8A-4147-A177-3AD203B41FA5}">
+                      <a16:colId xmlns:a16="http://schemas.microsoft.com/office/drawing/2014/main" val="1205188511"/>
+                    </a:ext>
+                  </a:extLst>
+                </a:gridCol>
+              </a:tblGrid>
+              <a:tr h="459467">
+                <a:tc>
+                  <a:txBody>
+                    <a:bodyPr/>
+                    <a:lstStyle/>
+                    <a:p>
+                      <a:pPr algn="ctr"/>
+                      <a:r>
+                        <a:rPr lang="en-GB" sz="1000" i="1" dirty="0">
+                          <a:solidFill>
+                            <a:schemeClr val="tx1">
+                              <a:lumMod val="50000"/>
+                              <a:lumOff val="50000"/>
+                            </a:schemeClr>
+                          </a:solidFill>
+                        </a:rPr>
+                        <a:t>PHASE</a:t>
+                      </a:r>
+                      <a:endParaRPr lang="en-NL" sz="1000" i="1" dirty="0">
+                        <a:solidFill>
+                          <a:schemeClr val="tx1">
+                            <a:lumMod val="50000"/>
+                            <a:lumOff val="50000"/>
+                          </a:schemeClr>
+                        </a:solidFill>
+                      </a:endParaRPr>
+                    </a:p>
+                  </a:txBody>
+                  <a:tcPr anchor="b">
+                    <a:lnL w="12700" cmpd="sng">
+                      <a:noFill/>
+                      <a:prstDash val="solid"/>
+                    </a:lnL>
+                    <a:lnR w="12700" cmpd="sng">
+                      <a:noFill/>
+                      <a:prstDash val="solid"/>
+                    </a:lnR>
+                    <a:lnT w="12700" cmpd="sng">
+                      <a:noFill/>
+                      <a:prstDash val="solid"/>
+                    </a:lnT>
+                    <a:lnB w="12700" cap="flat" cmpd="sng" algn="ctr">
+                      <a:solidFill>
+                        <a:schemeClr val="bg1"/>
+                      </a:solidFill>
+                      <a:prstDash val="solid"/>
+                      <a:round/>
+                      <a:headEnd type="none" w="med" len="med"/>
+                      <a:tailEnd type="none" w="med" len="med"/>
+                    </a:lnB>
+                    <a:lnTlToBr w="12700" cmpd="sng">
+                      <a:noFill/>
+                      <a:prstDash val="solid"/>
+                    </a:lnTlToBr>
+                    <a:lnBlToTr w="12700" cmpd="sng">
+                      <a:noFill/>
+                      <a:prstDash val="solid"/>
+                    </a:lnBlToTr>
+                    <a:solidFill>
+                      <a:schemeClr val="bg1"/>
+                    </a:solidFill>
+                  </a:tcPr>
+                </a:tc>
+                <a:tc>
+                  <a:txBody>
+                    <a:bodyPr/>
+                    <a:lstStyle/>
+                    <a:p>
+                      <a:pPr algn="ctr"/>
+                      <a:r>
+                        <a:rPr lang="en-GB" sz="1000" i="1" dirty="0">
+                          <a:solidFill>
+                            <a:schemeClr val="tx1">
+                              <a:lumMod val="50000"/>
+                              <a:lumOff val="50000"/>
+                            </a:schemeClr>
+                          </a:solidFill>
+                        </a:rPr>
+                        <a:t>STEP</a:t>
+                      </a:r>
+                      <a:endParaRPr lang="en-NL" sz="1000" i="1" dirty="0">
+                        <a:solidFill>
+                          <a:schemeClr val="tx1">
+                            <a:lumMod val="50000"/>
+                            <a:lumOff val="50000"/>
+                          </a:schemeClr>
+                        </a:solidFill>
+                      </a:endParaRPr>
+                    </a:p>
+                  </a:txBody>
+                  <a:tcPr anchor="b">
+                    <a:lnL w="12700" cmpd="sng">
+                      <a:noFill/>
+                      <a:prstDash val="solid"/>
+                    </a:lnL>
+                    <a:lnR w="12700" cmpd="sng">
+                      <a:noFill/>
+                      <a:prstDash val="solid"/>
+                    </a:lnR>
+                    <a:lnT w="12700" cmpd="sng">
+                      <a:noFill/>
+                      <a:prstDash val="solid"/>
+                    </a:lnT>
+                    <a:lnB w="12700" cap="flat" cmpd="sng" algn="ctr">
+                      <a:solidFill>
+                        <a:schemeClr val="bg1"/>
+                      </a:solidFill>
+                      <a:prstDash val="solid"/>
+                      <a:round/>
+                      <a:headEnd type="none" w="med" len="med"/>
+                      <a:tailEnd type="none" w="med" len="med"/>
+                    </a:lnB>
+                    <a:lnTlToBr w="12700" cmpd="sng">
+                      <a:noFill/>
+                      <a:prstDash val="solid"/>
+                    </a:lnTlToBr>
+                    <a:lnBlToTr w="12700" cmpd="sng">
+                      <a:noFill/>
+                      <a:prstDash val="solid"/>
+                    </a:lnBlToTr>
+                    <a:solidFill>
+                      <a:schemeClr val="bg1"/>
+                    </a:solidFill>
+                  </a:tcPr>
+                </a:tc>
+                <a:tc>
+                  <a:txBody>
+                    <a:bodyPr/>
+                    <a:lstStyle/>
+                    <a:p>
+                      <a:pPr algn="ctr"/>
+                      <a:r>
+                        <a:rPr lang="en-GB" sz="1000" i="1" dirty="0">
+                          <a:solidFill>
+                            <a:schemeClr val="tx1">
+                              <a:lumMod val="50000"/>
+                              <a:lumOff val="50000"/>
+                            </a:schemeClr>
+                          </a:solidFill>
+                        </a:rPr>
+                        <a:t>IN CHARGE</a:t>
+                      </a:r>
+                      <a:endParaRPr lang="en-NL" sz="1000" i="1" dirty="0">
+                        <a:solidFill>
+                          <a:schemeClr val="tx1">
+                            <a:lumMod val="50000"/>
+                            <a:lumOff val="50000"/>
+                          </a:schemeClr>
+                        </a:solidFill>
+                      </a:endParaRPr>
+                    </a:p>
+                  </a:txBody>
+                  <a:tcPr anchor="b">
+                    <a:lnL w="12700" cmpd="sng">
+                      <a:noFill/>
+                      <a:prstDash val="solid"/>
+                    </a:lnL>
+                    <a:lnR w="12700" cmpd="sng">
+                      <a:noFill/>
+                      <a:prstDash val="solid"/>
+                    </a:lnR>
+                    <a:lnT w="12700" cmpd="sng">
+                      <a:noFill/>
+                      <a:prstDash val="solid"/>
+                    </a:lnT>
+                    <a:lnB w="12700" cap="flat" cmpd="sng" algn="ctr">
+                      <a:solidFill>
+                        <a:schemeClr val="bg1"/>
+                      </a:solidFill>
+                      <a:prstDash val="solid"/>
+                      <a:round/>
+                      <a:headEnd type="none" w="med" len="med"/>
+                      <a:tailEnd type="none" w="med" len="med"/>
+                    </a:lnB>
+                    <a:lnTlToBr w="12700" cmpd="sng">
+                      <a:noFill/>
+                      <a:prstDash val="solid"/>
+                    </a:lnTlToBr>
+                    <a:lnBlToTr w="12700" cmpd="sng">
+                      <a:noFill/>
+                      <a:prstDash val="solid"/>
+                    </a:lnBlToTr>
+                    <a:solidFill>
+                      <a:schemeClr val="bg1"/>
+                    </a:solidFill>
+                  </a:tcPr>
+                </a:tc>
+                <a:tc>
+                  <a:txBody>
+                    <a:bodyPr/>
+                    <a:lstStyle/>
+                    <a:p>
+                      <a:pPr algn="ctr"/>
+                      <a:r>
+                        <a:rPr lang="en-GB" sz="1000" i="1" dirty="0">
+                          <a:solidFill>
+                            <a:schemeClr val="tx1">
+                              <a:lumMod val="50000"/>
+                              <a:lumOff val="50000"/>
+                            </a:schemeClr>
+                          </a:solidFill>
+                        </a:rPr>
+                        <a:t>EXECUTION</a:t>
+                      </a:r>
+                      <a:endParaRPr lang="en-NL" sz="1000" i="1" dirty="0">
+                        <a:solidFill>
+                          <a:schemeClr val="tx1">
+                            <a:lumMod val="50000"/>
+                            <a:lumOff val="50000"/>
+                          </a:schemeClr>
+                        </a:solidFill>
+                      </a:endParaRPr>
+                    </a:p>
+                  </a:txBody>
+                  <a:tcPr anchor="b">
+                    <a:lnL w="12700" cmpd="sng">
+                      <a:noFill/>
+                      <a:prstDash val="solid"/>
+                    </a:lnL>
+                    <a:lnR w="12700" cmpd="sng">
+                      <a:noFill/>
+                      <a:prstDash val="solid"/>
+                    </a:lnR>
+                    <a:lnT w="12700" cmpd="sng">
+                      <a:noFill/>
+                      <a:prstDash val="solid"/>
+                    </a:lnT>
+                    <a:lnB w="12700" cap="flat" cmpd="sng" algn="ctr">
+                      <a:solidFill>
+                        <a:schemeClr val="bg1"/>
+                      </a:solidFill>
+                      <a:prstDash val="solid"/>
+                      <a:round/>
+                      <a:headEnd type="none" w="med" len="med"/>
+                      <a:tailEnd type="none" w="med" len="med"/>
+                    </a:lnB>
+                    <a:lnTlToBr w="12700" cmpd="sng">
+                      <a:noFill/>
+                      <a:prstDash val="solid"/>
+                    </a:lnTlToBr>
+                    <a:lnBlToTr w="12700" cmpd="sng">
+                      <a:noFill/>
+                      <a:prstDash val="solid"/>
+                    </a:lnBlToTr>
+                    <a:solidFill>
+                      <a:schemeClr val="bg1"/>
+                    </a:solidFill>
+                  </a:tcPr>
+                </a:tc>
+                <a:tc>
+                  <a:txBody>
+                    <a:bodyPr/>
+                    <a:lstStyle/>
+                    <a:p>
+                      <a:pPr algn="ctr"/>
+                      <a:r>
+                        <a:rPr lang="en-GB" sz="1000" i="1" dirty="0">
+                          <a:solidFill>
+                            <a:schemeClr val="tx1">
+                              <a:lumMod val="50000"/>
+                              <a:lumOff val="50000"/>
+                            </a:schemeClr>
+                          </a:solidFill>
+                        </a:rPr>
+                        <a:t>COMMENTS</a:t>
+                      </a:r>
+                      <a:endParaRPr lang="en-NL" sz="1000" i="1" dirty="0">
+                        <a:solidFill>
+                          <a:schemeClr val="tx1">
+                            <a:lumMod val="50000"/>
+                            <a:lumOff val="50000"/>
+                          </a:schemeClr>
+                        </a:solidFill>
+                      </a:endParaRPr>
+                    </a:p>
+                  </a:txBody>
+                  <a:tcPr anchor="b">
+                    <a:lnL w="12700" cmpd="sng">
+                      <a:noFill/>
+                      <a:prstDash val="solid"/>
+                    </a:lnL>
+                    <a:lnR w="12700" cmpd="sng">
+                      <a:noFill/>
+                      <a:prstDash val="solid"/>
+                    </a:lnR>
+                    <a:lnT w="12700" cmpd="sng">
+                      <a:noFill/>
+                      <a:prstDash val="solid"/>
+                    </a:lnT>
+                    <a:lnB w="12700" cap="flat" cmpd="sng" algn="ctr">
+                      <a:solidFill>
+                        <a:schemeClr val="bg1"/>
+                      </a:solidFill>
+                      <a:prstDash val="solid"/>
+                      <a:round/>
+                      <a:headEnd type="none" w="med" len="med"/>
+                      <a:tailEnd type="none" w="med" len="med"/>
+                    </a:lnB>
+                    <a:lnTlToBr w="12700" cmpd="sng">
+                      <a:noFill/>
+                      <a:prstDash val="solid"/>
+                    </a:lnTlToBr>
+                    <a:lnBlToTr w="12700" cmpd="sng">
+                      <a:noFill/>
+                      <a:prstDash val="solid"/>
+                    </a:lnBlToTr>
+                    <a:solidFill>
+                      <a:schemeClr val="bg1"/>
+                    </a:solidFill>
+                  </a:tcPr>
+                </a:tc>
+                <a:extLst>
+                  <a:ext uri="{0D108BD9-81ED-4DB2-BD59-A6C34878D82A}">
+                    <a16:rowId xmlns:a16="http://schemas.microsoft.com/office/drawing/2014/main" val="1949513484"/>
+                  </a:ext>
+                </a:extLst>
+              </a:tr>
+              <a:tr h="793052">
+                <a:tc rowSpan="3">
+                  <a:txBody>
+                    <a:bodyPr/>
+                    <a:lstStyle/>
+                    <a:p>
+                      <a:pPr algn="ctr"/>
+                      <a:r>
+                        <a:rPr lang="en-GB" sz="1600" dirty="0">
+                          <a:solidFill>
+                            <a:schemeClr val="bg1"/>
+                          </a:solidFill>
+                        </a:rPr>
+                        <a:t>PREPARATION</a:t>
+                      </a:r>
+                      <a:endParaRPr lang="en-NL" sz="1600" dirty="0">
+                        <a:solidFill>
+                          <a:schemeClr val="bg1"/>
+                        </a:solidFill>
+                      </a:endParaRPr>
+                    </a:p>
+                  </a:txBody>
+                  <a:tcPr anchor="ctr">
+                    <a:lnL w="12700" cap="flat" cmpd="sng" algn="ctr">
+                      <a:solidFill>
+                        <a:schemeClr val="bg1"/>
+                      </a:solidFill>
+                      <a:prstDash val="solid"/>
+                      <a:round/>
+                      <a:headEnd type="none" w="med" len="med"/>
+                      <a:tailEnd type="none" w="med" len="med"/>
+                    </a:lnL>
+                    <a:lnR w="12700" cap="flat" cmpd="sng" algn="ctr">
+                      <a:solidFill>
+                        <a:schemeClr val="bg1"/>
+                      </a:solidFill>
+                      <a:prstDash val="solid"/>
+                      <a:round/>
+                      <a:headEnd type="none" w="med" len="med"/>
+                      <a:tailEnd type="none" w="med" len="med"/>
+                    </a:lnR>
+                    <a:lnT w="12700" cap="flat" cmpd="sng" algn="ctr">
+                      <a:solidFill>
+                        <a:schemeClr val="bg1"/>
+                      </a:solidFill>
+                      <a:prstDash val="solid"/>
+                      <a:round/>
+                      <a:headEnd type="none" w="med" len="med"/>
+                      <a:tailEnd type="none" w="med" len="med"/>
+                    </a:lnT>
+                    <a:lnB w="12700" cap="flat" cmpd="sng" algn="ctr">
+                      <a:solidFill>
+                        <a:schemeClr val="bg1"/>
+                      </a:solidFill>
+                      <a:prstDash val="solid"/>
+                      <a:round/>
+                      <a:headEnd type="none" w="med" len="med"/>
+                      <a:tailEnd type="none" w="med" len="med"/>
+                    </a:lnB>
+                    <a:lnTlToBr w="12700" cmpd="sng">
+                      <a:noFill/>
+                      <a:prstDash val="solid"/>
+                    </a:lnTlToBr>
+                    <a:lnBlToTr w="12700" cmpd="sng">
+                      <a:noFill/>
+                      <a:prstDash val="solid"/>
+                    </a:lnBlToTr>
+                    <a:solidFill>
+                      <a:srgbClr val="FFB81C"/>
+                    </a:solidFill>
+                  </a:tcPr>
+                </a:tc>
+                <a:tc>
+                  <a:txBody>
+                    <a:bodyPr/>
+                    <a:lstStyle/>
+                    <a:p>
+                      <a:pPr marL="0" marR="0" lvl="0" indent="0" algn="ctr" defTabSz="914400" rtl="0" eaLnBrk="1" fontAlgn="auto" latinLnBrk="0" hangingPunct="1">
+                        <a:lnSpc>
+                          <a:spcPct val="100000"/>
+                        </a:lnSpc>
+                        <a:spcBef>
+                          <a:spcPts val="0"/>
+                        </a:spcBef>
+                        <a:spcAft>
+                          <a:spcPts val="0"/>
+                        </a:spcAft>
+                        <a:buClrTx/>
+                        <a:buSzTx/>
+                        <a:buFont typeface="Arial" panose="020B0604020202020204" pitchFamily="34" charset="0"/>
+                        <a:buNone/>
+                        <a:tabLst/>
+                        <a:defRPr/>
+                      </a:pPr>
+                      <a:r>
+                        <a:rPr kumimoji="0" lang="en-GB" sz="1400" b="0" i="0" u="none" strike="noStrike" kern="1200" cap="none" spc="0" normalizeH="0" baseline="0" noProof="0" dirty="0">
+                          <a:ln>
+                            <a:noFill/>
+                          </a:ln>
+                          <a:solidFill>
+                            <a:schemeClr val="tx1">
+                              <a:lumMod val="75000"/>
+                              <a:lumOff val="25000"/>
+                            </a:schemeClr>
+                          </a:solidFill>
+                          <a:effectLst/>
+                          <a:uLnTx/>
+                          <a:uFillTx/>
+                          <a:latin typeface="Aptos" panose="02110004020202020204"/>
+                          <a:ea typeface="+mn-ea"/>
+                          <a:cs typeface="+mn-cs"/>
+                        </a:rPr>
+                        <a:t>Get financial and departmental approval</a:t>
+                      </a:r>
+                    </a:p>
+                  </a:txBody>
+                  <a:tcPr anchor="ctr">
+                    <a:lnL w="12700" cap="flat" cmpd="sng" algn="ctr">
+                      <a:solidFill>
+                        <a:schemeClr val="bg1"/>
+                      </a:solidFill>
+                      <a:prstDash val="solid"/>
+                      <a:round/>
+                      <a:headEnd type="none" w="med" len="med"/>
+                      <a:tailEnd type="none" w="med" len="med"/>
+                    </a:lnL>
+                    <a:lnR w="12700" cap="flat" cmpd="sng" algn="ctr">
+                      <a:solidFill>
+                        <a:schemeClr val="bg1"/>
+                      </a:solidFill>
+                      <a:prstDash val="solid"/>
+                      <a:round/>
+                      <a:headEnd type="none" w="med" len="med"/>
+                      <a:tailEnd type="none" w="med" len="med"/>
+                    </a:lnR>
+                    <a:lnT w="12700" cap="flat" cmpd="sng" algn="ctr">
+                      <a:solidFill>
+                        <a:schemeClr val="bg1"/>
+                      </a:solidFill>
+                      <a:prstDash val="solid"/>
+                      <a:round/>
+                      <a:headEnd type="none" w="med" len="med"/>
+                      <a:tailEnd type="none" w="med" len="med"/>
+                    </a:lnT>
+                    <a:lnB w="12700" cap="flat" cmpd="sng" algn="ctr">
+                      <a:solidFill>
+                        <a:schemeClr val="bg1"/>
+                      </a:solidFill>
+                      <a:prstDash val="solid"/>
+                      <a:round/>
+                      <a:headEnd type="none" w="med" len="med"/>
+                      <a:tailEnd type="none" w="med" len="med"/>
+                    </a:lnB>
+                    <a:lnTlToBr w="12700" cmpd="sng">
+                      <a:noFill/>
+                      <a:prstDash val="solid"/>
+                    </a:lnTlToBr>
+                    <a:lnBlToTr w="12700" cmpd="sng">
+                      <a:noFill/>
+                      <a:prstDash val="solid"/>
+                    </a:lnBlToTr>
+                    <a:solidFill>
+                      <a:srgbClr val="FFD881"/>
+                    </a:solidFill>
+                  </a:tcPr>
+                </a:tc>
+                <a:tc>
+                  <a:txBody>
+                    <a:bodyPr/>
+                    <a:lstStyle/>
+                    <a:p>
+                      <a:endParaRPr lang="en-NL" dirty="0"/>
+                    </a:p>
+                  </a:txBody>
+                  <a:tcPr>
+                    <a:lnL w="12700" cap="flat" cmpd="sng" algn="ctr">
+                      <a:solidFill>
+                        <a:schemeClr val="bg1"/>
+                      </a:solidFill>
+                      <a:prstDash val="solid"/>
+                      <a:round/>
+                      <a:headEnd type="none" w="med" len="med"/>
+                      <a:tailEnd type="none" w="med" len="med"/>
+                    </a:lnL>
+                    <a:lnR w="12700" cap="flat" cmpd="sng" algn="ctr">
+                      <a:solidFill>
+                        <a:schemeClr val="bg1"/>
+                      </a:solidFill>
+                      <a:prstDash val="solid"/>
+                      <a:round/>
+                      <a:headEnd type="none" w="med" len="med"/>
+                      <a:tailEnd type="none" w="med" len="med"/>
+                    </a:lnR>
+                    <a:lnT w="12700" cap="flat" cmpd="sng" algn="ctr">
+                      <a:solidFill>
+                        <a:schemeClr val="bg1"/>
+                      </a:solidFill>
+                      <a:prstDash val="solid"/>
+                      <a:round/>
+                      <a:headEnd type="none" w="med" len="med"/>
+                      <a:tailEnd type="none" w="med" len="med"/>
+                    </a:lnT>
+                    <a:lnB w="12700" cap="flat" cmpd="sng" algn="ctr">
+                      <a:solidFill>
+                        <a:schemeClr val="bg1"/>
+                      </a:solidFill>
+                      <a:prstDash val="solid"/>
+                      <a:round/>
+                      <a:headEnd type="none" w="med" len="med"/>
+                      <a:tailEnd type="none" w="med" len="med"/>
+                    </a:lnB>
+                    <a:lnTlToBr w="12700" cmpd="sng">
+                      <a:noFill/>
+                      <a:prstDash val="solid"/>
+                    </a:lnTlToBr>
+                    <a:lnBlToTr w="12700" cmpd="sng">
+                      <a:noFill/>
+                      <a:prstDash val="solid"/>
+                    </a:lnBlToTr>
+                    <a:solidFill>
+                      <a:srgbClr val="FFD881"/>
+                    </a:solidFill>
+                  </a:tcPr>
+                </a:tc>
+                <a:tc>
+                  <a:txBody>
+                    <a:bodyPr/>
+                    <a:lstStyle/>
+                    <a:p>
+                      <a:r>
+                        <a:rPr lang="en-GB" sz="1200" dirty="0">
+                          <a:solidFill>
+                            <a:schemeClr val="tx1">
+                              <a:lumMod val="75000"/>
+                              <a:lumOff val="25000"/>
+                            </a:schemeClr>
+                          </a:solidFill>
+                        </a:rPr>
+                        <a:t>Contact department secretary for financial check</a:t>
+                      </a:r>
+                      <a:endParaRPr lang="en-NL" sz="1200" dirty="0">
+                        <a:solidFill>
+                          <a:schemeClr val="tx1">
+                            <a:lumMod val="75000"/>
+                            <a:lumOff val="25000"/>
+                          </a:schemeClr>
+                        </a:solidFill>
+                      </a:endParaRPr>
+                    </a:p>
+                  </a:txBody>
+                  <a:tcPr>
+                    <a:lnL w="12700" cap="flat" cmpd="sng" algn="ctr">
+                      <a:solidFill>
+                        <a:schemeClr val="bg1"/>
+                      </a:solidFill>
+                      <a:prstDash val="solid"/>
+                      <a:round/>
+                      <a:headEnd type="none" w="med" len="med"/>
+                      <a:tailEnd type="none" w="med" len="med"/>
+                    </a:lnL>
+                    <a:lnR w="12700" cap="flat" cmpd="sng" algn="ctr">
+                      <a:solidFill>
+                        <a:schemeClr val="bg1"/>
+                      </a:solidFill>
+                      <a:prstDash val="solid"/>
+                      <a:round/>
+                      <a:headEnd type="none" w="med" len="med"/>
+                      <a:tailEnd type="none" w="med" len="med"/>
+                    </a:lnR>
+                    <a:lnT w="12700" cap="flat" cmpd="sng" algn="ctr">
+                      <a:solidFill>
+                        <a:schemeClr val="bg1"/>
+                      </a:solidFill>
+                      <a:prstDash val="solid"/>
+                      <a:round/>
+                      <a:headEnd type="none" w="med" len="med"/>
+                      <a:tailEnd type="none" w="med" len="med"/>
+                    </a:lnT>
+                    <a:lnB w="12700" cap="flat" cmpd="sng" algn="ctr">
+                      <a:solidFill>
+                        <a:schemeClr val="bg1"/>
+                      </a:solidFill>
+                      <a:prstDash val="solid"/>
+                      <a:round/>
+                      <a:headEnd type="none" w="med" len="med"/>
+                      <a:tailEnd type="none" w="med" len="med"/>
+                    </a:lnB>
+                    <a:lnTlToBr w="12700" cmpd="sng">
+                      <a:noFill/>
+                      <a:prstDash val="solid"/>
+                    </a:lnTlToBr>
+                    <a:lnBlToTr w="12700" cmpd="sng">
+                      <a:noFill/>
+                      <a:prstDash val="solid"/>
+                    </a:lnBlToTr>
+                    <a:solidFill>
+                      <a:srgbClr val="FFD881"/>
+                    </a:solidFill>
+                  </a:tcPr>
+                </a:tc>
+                <a:tc>
+                  <a:txBody>
+                    <a:bodyPr/>
+                    <a:lstStyle/>
+                    <a:p>
+                      <a:endParaRPr lang="en-NL" sz="1200" dirty="0">
+                        <a:solidFill>
+                          <a:schemeClr val="tx1">
+                            <a:lumMod val="75000"/>
+                            <a:lumOff val="25000"/>
+                          </a:schemeClr>
+                        </a:solidFill>
+                      </a:endParaRPr>
+                    </a:p>
+                  </a:txBody>
+                  <a:tcPr>
+                    <a:lnL w="12700" cap="flat" cmpd="sng" algn="ctr">
+                      <a:solidFill>
+                        <a:schemeClr val="bg1"/>
+                      </a:solidFill>
+                      <a:prstDash val="solid"/>
+                      <a:round/>
+                      <a:headEnd type="none" w="med" len="med"/>
+                      <a:tailEnd type="none" w="med" len="med"/>
+                    </a:lnL>
+                    <a:lnR w="12700" cap="flat" cmpd="sng" algn="ctr">
+                      <a:solidFill>
+                        <a:schemeClr val="bg1"/>
+                      </a:solidFill>
+                      <a:prstDash val="solid"/>
+                      <a:round/>
+                      <a:headEnd type="none" w="med" len="med"/>
+                      <a:tailEnd type="none" w="med" len="med"/>
+                    </a:lnR>
+                    <a:lnT w="12700" cap="flat" cmpd="sng" algn="ctr">
+                      <a:solidFill>
+                        <a:schemeClr val="bg1"/>
+                      </a:solidFill>
+                      <a:prstDash val="solid"/>
+                      <a:round/>
+                      <a:headEnd type="none" w="med" len="med"/>
+                      <a:tailEnd type="none" w="med" len="med"/>
+                    </a:lnT>
+                    <a:lnB w="12700" cap="flat" cmpd="sng" algn="ctr">
+                      <a:solidFill>
+                        <a:schemeClr val="bg1"/>
+                      </a:solidFill>
+                      <a:prstDash val="solid"/>
+                      <a:round/>
+                      <a:headEnd type="none" w="med" len="med"/>
+                      <a:tailEnd type="none" w="med" len="med"/>
+                    </a:lnB>
+                    <a:lnTlToBr w="12700" cmpd="sng">
+                      <a:noFill/>
+                      <a:prstDash val="solid"/>
+                    </a:lnTlToBr>
+                    <a:lnBlToTr w="12700" cmpd="sng">
+                      <a:noFill/>
+                      <a:prstDash val="solid"/>
+                    </a:lnBlToTr>
+                    <a:solidFill>
+                      <a:srgbClr val="FFD881"/>
+                    </a:solidFill>
+                  </a:tcPr>
+                </a:tc>
+                <a:extLst>
+                  <a:ext uri="{0D108BD9-81ED-4DB2-BD59-A6C34878D82A}">
+                    <a16:rowId xmlns:a16="http://schemas.microsoft.com/office/drawing/2014/main" val="2822066137"/>
+                  </a:ext>
+                </a:extLst>
+              </a:tr>
+              <a:tr h="459467">
+                <a:tc vMerge="1">
+                  <a:txBody>
+                    <a:bodyPr/>
+                    <a:lstStyle/>
+                    <a:p>
+                      <a:endParaRPr lang="en-NL"/>
+                    </a:p>
+                  </a:txBody>
+                  <a:tcPr/>
+                </a:tc>
+                <a:tc>
+                  <a:txBody>
+                    <a:bodyPr/>
+                    <a:lstStyle/>
+                    <a:p>
+                      <a:pPr marL="0" marR="0" lvl="0" indent="0" algn="ctr" defTabSz="914400" rtl="0" eaLnBrk="1" fontAlgn="auto" latinLnBrk="0" hangingPunct="1">
+                        <a:lnSpc>
+                          <a:spcPct val="100000"/>
+                        </a:lnSpc>
+                        <a:spcBef>
+                          <a:spcPts val="0"/>
+                        </a:spcBef>
+                        <a:spcAft>
+                          <a:spcPts val="0"/>
+                        </a:spcAft>
+                        <a:buClrTx/>
+                        <a:buSzTx/>
+                        <a:buFont typeface="Arial" panose="020B0604020202020204" pitchFamily="34" charset="0"/>
+                        <a:buNone/>
+                        <a:tabLst/>
+                        <a:defRPr/>
+                      </a:pPr>
+                      <a:r>
+                        <a:rPr kumimoji="0" lang="en-GB" sz="1400" b="0" i="0" u="none" strike="noStrike" kern="1200" cap="none" spc="0" normalizeH="0" baseline="0" noProof="0" dirty="0">
+                          <a:ln>
+                            <a:noFill/>
+                          </a:ln>
+                          <a:solidFill>
+                            <a:schemeClr val="tx1">
+                              <a:lumMod val="75000"/>
+                              <a:lumOff val="25000"/>
+                            </a:schemeClr>
+                          </a:solidFill>
+                          <a:effectLst/>
+                          <a:uLnTx/>
+                          <a:uFillTx/>
+                          <a:latin typeface="Aptos" panose="02110004020202020204"/>
+                          <a:ea typeface="+mn-ea"/>
+                          <a:cs typeface="+mn-cs"/>
+                        </a:rPr>
+                        <a:t>Fill in vacancy format</a:t>
+                      </a:r>
+                    </a:p>
+                  </a:txBody>
+                  <a:tcPr anchor="ctr">
+                    <a:lnL w="12700" cap="flat" cmpd="sng" algn="ctr">
+                      <a:solidFill>
+                        <a:schemeClr val="bg1"/>
+                      </a:solidFill>
+                      <a:prstDash val="solid"/>
+                      <a:round/>
+                      <a:headEnd type="none" w="med" len="med"/>
+                      <a:tailEnd type="none" w="med" len="med"/>
+                    </a:lnL>
+                    <a:lnR w="12700" cap="flat" cmpd="sng" algn="ctr">
+                      <a:solidFill>
+                        <a:schemeClr val="bg1"/>
+                      </a:solidFill>
+                      <a:prstDash val="solid"/>
+                      <a:round/>
+                      <a:headEnd type="none" w="med" len="med"/>
+                      <a:tailEnd type="none" w="med" len="med"/>
+                    </a:lnR>
+                    <a:lnT w="12700" cap="flat" cmpd="sng" algn="ctr">
+                      <a:solidFill>
+                        <a:schemeClr val="bg1"/>
+                      </a:solidFill>
+                      <a:prstDash val="solid"/>
+                      <a:round/>
+                      <a:headEnd type="none" w="med" len="med"/>
+                      <a:tailEnd type="none" w="med" len="med"/>
+                    </a:lnT>
+                    <a:lnB w="12700" cap="flat" cmpd="sng" algn="ctr">
+                      <a:solidFill>
+                        <a:schemeClr val="bg1"/>
+                      </a:solidFill>
+                      <a:prstDash val="solid"/>
+                      <a:round/>
+                      <a:headEnd type="none" w="med" len="med"/>
+                      <a:tailEnd type="none" w="med" len="med"/>
+                    </a:lnB>
+                    <a:lnTlToBr w="12700" cmpd="sng">
+                      <a:noFill/>
+                      <a:prstDash val="solid"/>
+                    </a:lnTlToBr>
+                    <a:lnBlToTr w="12700" cmpd="sng">
+                      <a:noFill/>
+                      <a:prstDash val="solid"/>
+                    </a:lnBlToTr>
+                    <a:solidFill>
+                      <a:srgbClr val="FFD881"/>
+                    </a:solidFill>
+                  </a:tcPr>
+                </a:tc>
+                <a:tc>
+                  <a:txBody>
+                    <a:bodyPr/>
+                    <a:lstStyle/>
+                    <a:p>
+                      <a:endParaRPr lang="en-NL" dirty="0"/>
+                    </a:p>
+                  </a:txBody>
+                  <a:tcPr>
+                    <a:lnL w="12700" cap="flat" cmpd="sng" algn="ctr">
+                      <a:solidFill>
+                        <a:schemeClr val="bg1"/>
+                      </a:solidFill>
+                      <a:prstDash val="solid"/>
+                      <a:round/>
+                      <a:headEnd type="none" w="med" len="med"/>
+                      <a:tailEnd type="none" w="med" len="med"/>
+                    </a:lnL>
+                    <a:lnR w="12700" cap="flat" cmpd="sng" algn="ctr">
+                      <a:solidFill>
+                        <a:schemeClr val="bg1"/>
+                      </a:solidFill>
+                      <a:prstDash val="solid"/>
+                      <a:round/>
+                      <a:headEnd type="none" w="med" len="med"/>
+                      <a:tailEnd type="none" w="med" len="med"/>
+                    </a:lnR>
+                    <a:lnT w="12700" cap="flat" cmpd="sng" algn="ctr">
+                      <a:solidFill>
+                        <a:schemeClr val="bg1"/>
+                      </a:solidFill>
+                      <a:prstDash val="solid"/>
+                      <a:round/>
+                      <a:headEnd type="none" w="med" len="med"/>
+                      <a:tailEnd type="none" w="med" len="med"/>
+                    </a:lnT>
+                    <a:lnB w="12700" cap="flat" cmpd="sng" algn="ctr">
+                      <a:solidFill>
+                        <a:schemeClr val="bg1"/>
+                      </a:solidFill>
+                      <a:prstDash val="solid"/>
+                      <a:round/>
+                      <a:headEnd type="none" w="med" len="med"/>
+                      <a:tailEnd type="none" w="med" len="med"/>
+                    </a:lnB>
+                    <a:lnTlToBr w="12700" cmpd="sng">
+                      <a:noFill/>
+                      <a:prstDash val="solid"/>
+                    </a:lnTlToBr>
+                    <a:lnBlToTr w="12700" cmpd="sng">
+                      <a:noFill/>
+                      <a:prstDash val="solid"/>
+                    </a:lnBlToTr>
+                    <a:solidFill>
+                      <a:srgbClr val="FFD881"/>
+                    </a:solidFill>
+                  </a:tcPr>
+                </a:tc>
+                <a:tc>
+                  <a:txBody>
+                    <a:bodyPr/>
+                    <a:lstStyle/>
+                    <a:p>
+                      <a:r>
+                        <a:rPr lang="en-GB" sz="1200" dirty="0">
+                          <a:solidFill>
+                            <a:schemeClr val="tx1">
+                              <a:lumMod val="75000"/>
+                              <a:lumOff val="25000"/>
+                            </a:schemeClr>
+                          </a:solidFill>
+                        </a:rPr>
+                        <a:t>Download vacancy format</a:t>
+                      </a:r>
+                      <a:r>
+                        <a:rPr lang="en-GB" sz="1200" baseline="30000" dirty="0">
+                          <a:solidFill>
+                            <a:schemeClr val="tx1">
+                              <a:lumMod val="75000"/>
+                              <a:lumOff val="25000"/>
+                            </a:schemeClr>
+                          </a:solidFill>
+                        </a:rPr>
+                        <a:t>1</a:t>
+                      </a:r>
+                      <a:r>
+                        <a:rPr lang="en-GB" sz="1200" dirty="0">
+                          <a:solidFill>
+                            <a:schemeClr val="tx1">
+                              <a:lumMod val="75000"/>
+                              <a:lumOff val="25000"/>
+                            </a:schemeClr>
+                          </a:solidFill>
+                        </a:rPr>
+                        <a:t>, sent the filled in form to secr-he-citg@tudelft.nl</a:t>
+                      </a:r>
+                      <a:endParaRPr lang="en-NL" sz="1200" dirty="0">
+                        <a:solidFill>
+                          <a:schemeClr val="tx1">
+                            <a:lumMod val="75000"/>
+                            <a:lumOff val="25000"/>
+                          </a:schemeClr>
+                        </a:solidFill>
+                      </a:endParaRPr>
+                    </a:p>
+                  </a:txBody>
+                  <a:tcPr>
+                    <a:lnL w="12700" cap="flat" cmpd="sng" algn="ctr">
+                      <a:solidFill>
+                        <a:schemeClr val="bg1"/>
+                      </a:solidFill>
+                      <a:prstDash val="solid"/>
+                      <a:round/>
+                      <a:headEnd type="none" w="med" len="med"/>
+                      <a:tailEnd type="none" w="med" len="med"/>
+                    </a:lnL>
+                    <a:lnR w="12700" cap="flat" cmpd="sng" algn="ctr">
+                      <a:solidFill>
+                        <a:schemeClr val="bg1"/>
+                      </a:solidFill>
+                      <a:prstDash val="solid"/>
+                      <a:round/>
+                      <a:headEnd type="none" w="med" len="med"/>
+                      <a:tailEnd type="none" w="med" len="med"/>
+                    </a:lnR>
+                    <a:lnT w="12700" cap="flat" cmpd="sng" algn="ctr">
+                      <a:solidFill>
+                        <a:schemeClr val="bg1"/>
+                      </a:solidFill>
+                      <a:prstDash val="solid"/>
+                      <a:round/>
+                      <a:headEnd type="none" w="med" len="med"/>
+                      <a:tailEnd type="none" w="med" len="med"/>
+                    </a:lnT>
+                    <a:lnB w="12700" cap="flat" cmpd="sng" algn="ctr">
+                      <a:solidFill>
+                        <a:schemeClr val="bg1"/>
+                      </a:solidFill>
+                      <a:prstDash val="solid"/>
+                      <a:round/>
+                      <a:headEnd type="none" w="med" len="med"/>
+                      <a:tailEnd type="none" w="med" len="med"/>
+                    </a:lnB>
+                    <a:lnTlToBr w="12700" cmpd="sng">
+                      <a:noFill/>
+                      <a:prstDash val="solid"/>
+                    </a:lnTlToBr>
+                    <a:lnBlToTr w="12700" cmpd="sng">
+                      <a:noFill/>
+                      <a:prstDash val="solid"/>
+                    </a:lnBlToTr>
+                    <a:solidFill>
+                      <a:srgbClr val="FFD881"/>
+                    </a:solidFill>
+                  </a:tcPr>
+                </a:tc>
+                <a:tc>
+                  <a:txBody>
+                    <a:bodyPr/>
+                    <a:lstStyle/>
+                    <a:p>
+                      <a:r>
+                        <a:rPr lang="en-GB" sz="1200" dirty="0">
+                          <a:solidFill>
+                            <a:schemeClr val="tx1">
+                              <a:lumMod val="75000"/>
+                              <a:lumOff val="25000"/>
+                            </a:schemeClr>
+                          </a:solidFill>
+                        </a:rPr>
+                        <a:t>Selection committee consists of at least 2 TU Delft staff members, one being from another section than your own</a:t>
+                      </a:r>
+                    </a:p>
+                    <a:p>
+                      <a:r>
+                        <a:rPr lang="en-GB" sz="1200" dirty="0">
+                          <a:solidFill>
+                            <a:schemeClr val="tx1">
+                              <a:lumMod val="75000"/>
+                              <a:lumOff val="25000"/>
+                            </a:schemeClr>
+                          </a:solidFill>
+                        </a:rPr>
+                        <a:t>The Talent Acquisition Specialist can give tips and advice on recruitment approach</a:t>
+                      </a:r>
+                      <a:endParaRPr lang="en-NL" sz="1200" dirty="0">
+                        <a:solidFill>
+                          <a:schemeClr val="tx1">
+                            <a:lumMod val="75000"/>
+                            <a:lumOff val="25000"/>
+                          </a:schemeClr>
+                        </a:solidFill>
+                      </a:endParaRPr>
+                    </a:p>
+                  </a:txBody>
+                  <a:tcPr>
+                    <a:lnL w="12700" cap="flat" cmpd="sng" algn="ctr">
+                      <a:solidFill>
+                        <a:schemeClr val="bg1"/>
+                      </a:solidFill>
+                      <a:prstDash val="solid"/>
+                      <a:round/>
+                      <a:headEnd type="none" w="med" len="med"/>
+                      <a:tailEnd type="none" w="med" len="med"/>
+                    </a:lnL>
+                    <a:lnR w="12700" cap="flat" cmpd="sng" algn="ctr">
+                      <a:solidFill>
+                        <a:schemeClr val="bg1"/>
+                      </a:solidFill>
+                      <a:prstDash val="solid"/>
+                      <a:round/>
+                      <a:headEnd type="none" w="med" len="med"/>
+                      <a:tailEnd type="none" w="med" len="med"/>
+                    </a:lnR>
+                    <a:lnT w="12700" cap="flat" cmpd="sng" algn="ctr">
+                      <a:solidFill>
+                        <a:schemeClr val="bg1"/>
+                      </a:solidFill>
+                      <a:prstDash val="solid"/>
+                      <a:round/>
+                      <a:headEnd type="none" w="med" len="med"/>
+                      <a:tailEnd type="none" w="med" len="med"/>
+                    </a:lnT>
+                    <a:lnB w="12700" cap="flat" cmpd="sng" algn="ctr">
+                      <a:solidFill>
+                        <a:schemeClr val="bg1"/>
+                      </a:solidFill>
+                      <a:prstDash val="solid"/>
+                      <a:round/>
+                      <a:headEnd type="none" w="med" len="med"/>
+                      <a:tailEnd type="none" w="med" len="med"/>
+                    </a:lnB>
+                    <a:lnTlToBr w="12700" cmpd="sng">
+                      <a:noFill/>
+                      <a:prstDash val="solid"/>
+                    </a:lnTlToBr>
+                    <a:lnBlToTr w="12700" cmpd="sng">
+                      <a:noFill/>
+                      <a:prstDash val="solid"/>
+                    </a:lnBlToTr>
+                    <a:solidFill>
+                      <a:srgbClr val="FFD881"/>
+                    </a:solidFill>
+                  </a:tcPr>
+                </a:tc>
+                <a:extLst>
+                  <a:ext uri="{0D108BD9-81ED-4DB2-BD59-A6C34878D82A}">
+                    <a16:rowId xmlns:a16="http://schemas.microsoft.com/office/drawing/2014/main" val="2737128494"/>
+                  </a:ext>
+                </a:extLst>
+              </a:tr>
+              <a:tr h="459467">
+                <a:tc vMerge="1">
+                  <a:txBody>
+                    <a:bodyPr/>
+                    <a:lstStyle/>
+                    <a:p>
+                      <a:endParaRPr lang="en-NL" dirty="0"/>
+                    </a:p>
+                  </a:txBody>
+                  <a:tcPr/>
+                </a:tc>
+                <a:tc>
+                  <a:txBody>
+                    <a:bodyPr/>
+                    <a:lstStyle/>
+                    <a:p>
+                      <a:pPr marL="0" marR="0" lvl="0" indent="0" algn="ctr" defTabSz="914400" rtl="0" eaLnBrk="1" fontAlgn="auto" latinLnBrk="0" hangingPunct="1">
+                        <a:lnSpc>
+                          <a:spcPct val="100000"/>
+                        </a:lnSpc>
+                        <a:spcBef>
+                          <a:spcPts val="0"/>
+                        </a:spcBef>
+                        <a:spcAft>
+                          <a:spcPts val="0"/>
+                        </a:spcAft>
+                        <a:buClrTx/>
+                        <a:buSzTx/>
+                        <a:buFont typeface="Arial" panose="020B0604020202020204" pitchFamily="34" charset="0"/>
+                        <a:buNone/>
+                        <a:tabLst/>
+                        <a:defRPr/>
+                      </a:pPr>
+                      <a:r>
+                        <a:rPr kumimoji="0" lang="en-GB" sz="1400" b="0" i="0" u="none" strike="noStrike" kern="1200" cap="none" spc="0" normalizeH="0" baseline="0" noProof="0" dirty="0">
+                          <a:ln>
+                            <a:noFill/>
+                          </a:ln>
+                          <a:solidFill>
+                            <a:schemeClr val="tx1">
+                              <a:lumMod val="75000"/>
+                              <a:lumOff val="25000"/>
+                            </a:schemeClr>
+                          </a:solidFill>
+                          <a:effectLst/>
+                          <a:uLnTx/>
+                          <a:uFillTx/>
+                          <a:latin typeface="Aptos" panose="02110004020202020204"/>
+                          <a:ea typeface="+mn-ea"/>
+                          <a:cs typeface="+mn-cs"/>
+                        </a:rPr>
+                        <a:t>Publish the vacancy</a:t>
+                      </a:r>
+                    </a:p>
+                  </a:txBody>
+                  <a:tcPr anchor="ctr">
+                    <a:lnL w="12700" cap="flat" cmpd="sng" algn="ctr">
+                      <a:solidFill>
+                        <a:schemeClr val="bg1"/>
+                      </a:solidFill>
+                      <a:prstDash val="solid"/>
+                      <a:round/>
+                      <a:headEnd type="none" w="med" len="med"/>
+                      <a:tailEnd type="none" w="med" len="med"/>
+                    </a:lnL>
+                    <a:lnR w="12700" cap="flat" cmpd="sng" algn="ctr">
+                      <a:solidFill>
+                        <a:schemeClr val="bg1"/>
+                      </a:solidFill>
+                      <a:prstDash val="solid"/>
+                      <a:round/>
+                      <a:headEnd type="none" w="med" len="med"/>
+                      <a:tailEnd type="none" w="med" len="med"/>
+                    </a:lnR>
+                    <a:lnT w="12700" cap="flat" cmpd="sng" algn="ctr">
+                      <a:solidFill>
+                        <a:schemeClr val="bg1"/>
+                      </a:solidFill>
+                      <a:prstDash val="solid"/>
+                      <a:round/>
+                      <a:headEnd type="none" w="med" len="med"/>
+                      <a:tailEnd type="none" w="med" len="med"/>
+                    </a:lnT>
+                    <a:lnB w="12700" cap="flat" cmpd="sng" algn="ctr">
+                      <a:solidFill>
+                        <a:schemeClr val="bg1"/>
+                      </a:solidFill>
+                      <a:prstDash val="solid"/>
+                      <a:round/>
+                      <a:headEnd type="none" w="med" len="med"/>
+                      <a:tailEnd type="none" w="med" len="med"/>
+                    </a:lnB>
+                    <a:lnTlToBr w="12700" cmpd="sng">
+                      <a:noFill/>
+                      <a:prstDash val="solid"/>
+                    </a:lnTlToBr>
+                    <a:lnBlToTr w="12700" cmpd="sng">
+                      <a:noFill/>
+                      <a:prstDash val="solid"/>
+                    </a:lnBlToTr>
+                    <a:solidFill>
+                      <a:srgbClr val="FFD881"/>
+                    </a:solidFill>
+                  </a:tcPr>
+                </a:tc>
+                <a:tc>
+                  <a:txBody>
+                    <a:bodyPr/>
+                    <a:lstStyle/>
+                    <a:p>
+                      <a:endParaRPr lang="en-NL" dirty="0"/>
+                    </a:p>
+                  </a:txBody>
+                  <a:tcPr>
+                    <a:lnL w="12700" cap="flat" cmpd="sng" algn="ctr">
+                      <a:solidFill>
+                        <a:schemeClr val="bg1"/>
+                      </a:solidFill>
+                      <a:prstDash val="solid"/>
+                      <a:round/>
+                      <a:headEnd type="none" w="med" len="med"/>
+                      <a:tailEnd type="none" w="med" len="med"/>
+                    </a:lnL>
+                    <a:lnR w="12700" cap="flat" cmpd="sng" algn="ctr">
+                      <a:solidFill>
+                        <a:schemeClr val="bg1"/>
+                      </a:solidFill>
+                      <a:prstDash val="solid"/>
+                      <a:round/>
+                      <a:headEnd type="none" w="med" len="med"/>
+                      <a:tailEnd type="none" w="med" len="med"/>
+                    </a:lnR>
+                    <a:lnT w="12700" cap="flat" cmpd="sng" algn="ctr">
+                      <a:solidFill>
+                        <a:schemeClr val="bg1"/>
+                      </a:solidFill>
+                      <a:prstDash val="solid"/>
+                      <a:round/>
+                      <a:headEnd type="none" w="med" len="med"/>
+                      <a:tailEnd type="none" w="med" len="med"/>
+                    </a:lnT>
+                    <a:lnB w="12700" cap="flat" cmpd="sng" algn="ctr">
+                      <a:solidFill>
+                        <a:schemeClr val="bg1"/>
+                      </a:solidFill>
+                      <a:prstDash val="solid"/>
+                      <a:round/>
+                      <a:headEnd type="none" w="med" len="med"/>
+                      <a:tailEnd type="none" w="med" len="med"/>
+                    </a:lnB>
+                    <a:lnTlToBr w="12700" cmpd="sng">
+                      <a:noFill/>
+                      <a:prstDash val="solid"/>
+                    </a:lnTlToBr>
+                    <a:lnBlToTr w="12700" cmpd="sng">
+                      <a:noFill/>
+                      <a:prstDash val="solid"/>
+                    </a:lnBlToTr>
+                    <a:solidFill>
+                      <a:srgbClr val="FFD881"/>
+                    </a:solidFill>
+                  </a:tcPr>
+                </a:tc>
+                <a:tc>
+                  <a:txBody>
+                    <a:bodyPr/>
+                    <a:lstStyle/>
+                    <a:p>
+                      <a:r>
+                        <a:rPr lang="en-GB" sz="1200" dirty="0">
+                          <a:solidFill>
+                            <a:schemeClr val="tx1">
+                              <a:lumMod val="75000"/>
+                              <a:lumOff val="25000"/>
+                            </a:schemeClr>
+                          </a:solidFill>
+                        </a:rPr>
+                        <a:t>Department secretary checks the format after which the vacancy is published by recruitment</a:t>
+                      </a:r>
+                      <a:endParaRPr lang="en-NL" sz="1200" dirty="0">
+                        <a:solidFill>
+                          <a:schemeClr val="tx1">
+                            <a:lumMod val="75000"/>
+                            <a:lumOff val="25000"/>
+                          </a:schemeClr>
+                        </a:solidFill>
+                      </a:endParaRPr>
+                    </a:p>
+                  </a:txBody>
+                  <a:tcPr>
+                    <a:lnL w="12700" cap="flat" cmpd="sng" algn="ctr">
+                      <a:solidFill>
+                        <a:schemeClr val="bg1"/>
+                      </a:solidFill>
+                      <a:prstDash val="solid"/>
+                      <a:round/>
+                      <a:headEnd type="none" w="med" len="med"/>
+                      <a:tailEnd type="none" w="med" len="med"/>
+                    </a:lnL>
+                    <a:lnR w="12700" cap="flat" cmpd="sng" algn="ctr">
+                      <a:solidFill>
+                        <a:schemeClr val="bg1"/>
+                      </a:solidFill>
+                      <a:prstDash val="solid"/>
+                      <a:round/>
+                      <a:headEnd type="none" w="med" len="med"/>
+                      <a:tailEnd type="none" w="med" len="med"/>
+                    </a:lnR>
+                    <a:lnT w="12700" cap="flat" cmpd="sng" algn="ctr">
+                      <a:solidFill>
+                        <a:schemeClr val="bg1"/>
+                      </a:solidFill>
+                      <a:prstDash val="solid"/>
+                      <a:round/>
+                      <a:headEnd type="none" w="med" len="med"/>
+                      <a:tailEnd type="none" w="med" len="med"/>
+                    </a:lnT>
+                    <a:lnB w="12700" cap="flat" cmpd="sng" algn="ctr">
+                      <a:solidFill>
+                        <a:schemeClr val="bg1"/>
+                      </a:solidFill>
+                      <a:prstDash val="solid"/>
+                      <a:round/>
+                      <a:headEnd type="none" w="med" len="med"/>
+                      <a:tailEnd type="none" w="med" len="med"/>
+                    </a:lnB>
+                    <a:lnTlToBr w="12700" cmpd="sng">
+                      <a:noFill/>
+                      <a:prstDash val="solid"/>
+                    </a:lnTlToBr>
+                    <a:lnBlToTr w="12700" cmpd="sng">
+                      <a:noFill/>
+                      <a:prstDash val="solid"/>
+                    </a:lnBlToTr>
+                    <a:solidFill>
+                      <a:srgbClr val="FFD881"/>
+                    </a:solidFill>
+                  </a:tcPr>
+                </a:tc>
+                <a:tc>
+                  <a:txBody>
+                    <a:bodyPr/>
+                    <a:lstStyle/>
+                    <a:p>
+                      <a:endParaRPr lang="en-NL" sz="1200" dirty="0">
+                        <a:solidFill>
+                          <a:schemeClr val="tx1">
+                            <a:lumMod val="75000"/>
+                            <a:lumOff val="25000"/>
+                          </a:schemeClr>
+                        </a:solidFill>
+                      </a:endParaRPr>
+                    </a:p>
+                  </a:txBody>
+                  <a:tcPr>
+                    <a:lnL w="12700" cap="flat" cmpd="sng" algn="ctr">
+                      <a:solidFill>
+                        <a:schemeClr val="bg1"/>
+                      </a:solidFill>
+                      <a:prstDash val="solid"/>
+                      <a:round/>
+                      <a:headEnd type="none" w="med" len="med"/>
+                      <a:tailEnd type="none" w="med" len="med"/>
+                    </a:lnL>
+                    <a:lnR w="12700" cap="flat" cmpd="sng" algn="ctr">
+                      <a:solidFill>
+                        <a:schemeClr val="bg1"/>
+                      </a:solidFill>
+                      <a:prstDash val="solid"/>
+                      <a:round/>
+                      <a:headEnd type="none" w="med" len="med"/>
+                      <a:tailEnd type="none" w="med" len="med"/>
+                    </a:lnR>
+                    <a:lnT w="12700" cap="flat" cmpd="sng" algn="ctr">
+                      <a:solidFill>
+                        <a:schemeClr val="bg1"/>
+                      </a:solidFill>
+                      <a:prstDash val="solid"/>
+                      <a:round/>
+                      <a:headEnd type="none" w="med" len="med"/>
+                      <a:tailEnd type="none" w="med" len="med"/>
+                    </a:lnT>
+                    <a:lnB w="12700" cap="flat" cmpd="sng" algn="ctr">
+                      <a:solidFill>
+                        <a:schemeClr val="bg1"/>
+                      </a:solidFill>
+                      <a:prstDash val="solid"/>
+                      <a:round/>
+                      <a:headEnd type="none" w="med" len="med"/>
+                      <a:tailEnd type="none" w="med" len="med"/>
+                    </a:lnB>
+                    <a:lnTlToBr w="12700" cmpd="sng">
+                      <a:noFill/>
+                      <a:prstDash val="solid"/>
+                    </a:lnTlToBr>
+                    <a:lnBlToTr w="12700" cmpd="sng">
+                      <a:noFill/>
+                      <a:prstDash val="solid"/>
+                    </a:lnBlToTr>
+                    <a:solidFill>
+                      <a:srgbClr val="FFD881"/>
+                    </a:solidFill>
+                  </a:tcPr>
+                </a:tc>
+                <a:extLst>
+                  <a:ext uri="{0D108BD9-81ED-4DB2-BD59-A6C34878D82A}">
+                    <a16:rowId xmlns:a16="http://schemas.microsoft.com/office/drawing/2014/main" val="1535918525"/>
+                  </a:ext>
+                </a:extLst>
+              </a:tr>
+              <a:tr h="459467">
+                <a:tc>
+                  <a:txBody>
+                    <a:bodyPr/>
+                    <a:lstStyle/>
+                    <a:p>
+                      <a:pPr algn="ctr"/>
+                      <a:r>
+                        <a:rPr lang="en-GB" sz="1600" dirty="0">
+                          <a:solidFill>
+                            <a:schemeClr val="bg1"/>
+                          </a:solidFill>
+                        </a:rPr>
+                        <a:t>RECRUITMENT</a:t>
+                      </a:r>
+                      <a:endParaRPr lang="en-NL" sz="1600" dirty="0">
+                        <a:solidFill>
+                          <a:schemeClr val="bg1"/>
+                        </a:solidFill>
+                      </a:endParaRPr>
+                    </a:p>
+                  </a:txBody>
+                  <a:tcPr anchor="ctr">
+                    <a:lnL w="12700" cap="flat" cmpd="sng" algn="ctr">
+                      <a:solidFill>
+                        <a:schemeClr val="bg1"/>
+                      </a:solidFill>
+                      <a:prstDash val="solid"/>
+                      <a:round/>
+                      <a:headEnd type="none" w="med" len="med"/>
+                      <a:tailEnd type="none" w="med" len="med"/>
+                    </a:lnL>
+                    <a:lnR w="12700" cap="flat" cmpd="sng" algn="ctr">
+                      <a:solidFill>
+                        <a:schemeClr val="bg1"/>
+                      </a:solidFill>
+                      <a:prstDash val="solid"/>
+                      <a:round/>
+                      <a:headEnd type="none" w="med" len="med"/>
+                      <a:tailEnd type="none" w="med" len="med"/>
+                    </a:lnR>
+                    <a:lnT w="12700" cap="flat" cmpd="sng" algn="ctr">
+                      <a:solidFill>
+                        <a:schemeClr val="bg1"/>
+                      </a:solidFill>
+                      <a:prstDash val="solid"/>
+                      <a:round/>
+                      <a:headEnd type="none" w="med" len="med"/>
+                      <a:tailEnd type="none" w="med" len="med"/>
+                    </a:lnT>
+                    <a:lnB w="12700" cap="flat" cmpd="sng" algn="ctr">
+                      <a:solidFill>
+                        <a:schemeClr val="bg1"/>
+                      </a:solidFill>
+                      <a:prstDash val="solid"/>
+                      <a:round/>
+                      <a:headEnd type="none" w="med" len="med"/>
+                      <a:tailEnd type="none" w="med" len="med"/>
+                    </a:lnB>
+                    <a:lnTlToBr w="12700" cmpd="sng">
+                      <a:noFill/>
+                      <a:prstDash val="solid"/>
+                    </a:lnTlToBr>
+                    <a:lnBlToTr w="12700" cmpd="sng">
+                      <a:noFill/>
+                      <a:prstDash val="solid"/>
+                    </a:lnBlToTr>
+                    <a:solidFill>
+                      <a:srgbClr val="ED6842"/>
+                    </a:solidFill>
+                  </a:tcPr>
+                </a:tc>
+                <a:tc>
+                  <a:txBody>
+                    <a:bodyPr/>
+                    <a:lstStyle/>
+                    <a:p>
+                      <a:pPr algn="ctr"/>
+                      <a:r>
+                        <a:rPr lang="en-GB" sz="1400" dirty="0">
+                          <a:solidFill>
+                            <a:schemeClr val="tx1">
+                              <a:lumMod val="75000"/>
+                              <a:lumOff val="25000"/>
+                            </a:schemeClr>
+                          </a:solidFill>
+                        </a:rPr>
+                        <a:t>Use your network</a:t>
+                      </a:r>
+                      <a:endParaRPr lang="en-NL" sz="1400" dirty="0">
+                        <a:solidFill>
+                          <a:schemeClr val="tx1">
+                            <a:lumMod val="75000"/>
+                            <a:lumOff val="25000"/>
+                          </a:schemeClr>
+                        </a:solidFill>
+                      </a:endParaRPr>
+                    </a:p>
+                  </a:txBody>
+                  <a:tcPr anchor="ctr">
+                    <a:lnL w="12700" cap="flat" cmpd="sng" algn="ctr">
+                      <a:solidFill>
+                        <a:schemeClr val="bg1"/>
+                      </a:solidFill>
+                      <a:prstDash val="solid"/>
+                      <a:round/>
+                      <a:headEnd type="none" w="med" len="med"/>
+                      <a:tailEnd type="none" w="med" len="med"/>
+                    </a:lnL>
+                    <a:lnR w="12700" cap="flat" cmpd="sng" algn="ctr">
+                      <a:solidFill>
+                        <a:schemeClr val="bg1"/>
+                      </a:solidFill>
+                      <a:prstDash val="solid"/>
+                      <a:round/>
+                      <a:headEnd type="none" w="med" len="med"/>
+                      <a:tailEnd type="none" w="med" len="med"/>
+                    </a:lnR>
+                    <a:lnT w="12700" cap="flat" cmpd="sng" algn="ctr">
+                      <a:solidFill>
+                        <a:schemeClr val="bg1"/>
+                      </a:solidFill>
+                      <a:prstDash val="solid"/>
+                      <a:round/>
+                      <a:headEnd type="none" w="med" len="med"/>
+                      <a:tailEnd type="none" w="med" len="med"/>
+                    </a:lnT>
+                    <a:lnB w="12700" cap="flat" cmpd="sng" algn="ctr">
+                      <a:solidFill>
+                        <a:schemeClr val="bg1"/>
+                      </a:solidFill>
+                      <a:prstDash val="solid"/>
+                      <a:round/>
+                      <a:headEnd type="none" w="med" len="med"/>
+                      <a:tailEnd type="none" w="med" len="med"/>
+                    </a:lnB>
+                    <a:lnTlToBr w="12700" cmpd="sng">
+                      <a:noFill/>
+                      <a:prstDash val="solid"/>
+                    </a:lnTlToBr>
+                    <a:lnBlToTr w="12700" cmpd="sng">
+                      <a:noFill/>
+                      <a:prstDash val="solid"/>
+                    </a:lnBlToTr>
+                    <a:solidFill>
+                      <a:srgbClr val="EDA893"/>
+                    </a:solidFill>
+                  </a:tcPr>
+                </a:tc>
+                <a:tc>
+                  <a:txBody>
+                    <a:bodyPr/>
+                    <a:lstStyle/>
+                    <a:p>
+                      <a:endParaRPr lang="en-NL" dirty="0"/>
+                    </a:p>
+                  </a:txBody>
+                  <a:tcPr>
+                    <a:lnL w="12700" cap="flat" cmpd="sng" algn="ctr">
+                      <a:solidFill>
+                        <a:schemeClr val="bg1"/>
+                      </a:solidFill>
+                      <a:prstDash val="solid"/>
+                      <a:round/>
+                      <a:headEnd type="none" w="med" len="med"/>
+                      <a:tailEnd type="none" w="med" len="med"/>
+                    </a:lnL>
+                    <a:lnR w="12700" cap="flat" cmpd="sng" algn="ctr">
+                      <a:solidFill>
+                        <a:schemeClr val="bg1"/>
+                      </a:solidFill>
+                      <a:prstDash val="solid"/>
+                      <a:round/>
+                      <a:headEnd type="none" w="med" len="med"/>
+                      <a:tailEnd type="none" w="med" len="med"/>
+                    </a:lnR>
+                    <a:lnT w="12700" cap="flat" cmpd="sng" algn="ctr">
+                      <a:solidFill>
+                        <a:schemeClr val="bg1"/>
+                      </a:solidFill>
+                      <a:prstDash val="solid"/>
+                      <a:round/>
+                      <a:headEnd type="none" w="med" len="med"/>
+                      <a:tailEnd type="none" w="med" len="med"/>
+                    </a:lnT>
+                    <a:lnB w="12700" cap="flat" cmpd="sng" algn="ctr">
+                      <a:solidFill>
+                        <a:schemeClr val="bg1"/>
+                      </a:solidFill>
+                      <a:prstDash val="solid"/>
+                      <a:round/>
+                      <a:headEnd type="none" w="med" len="med"/>
+                      <a:tailEnd type="none" w="med" len="med"/>
+                    </a:lnB>
+                    <a:lnTlToBr w="12700" cmpd="sng">
+                      <a:noFill/>
+                      <a:prstDash val="solid"/>
+                    </a:lnTlToBr>
+                    <a:lnBlToTr w="12700" cmpd="sng">
+                      <a:noFill/>
+                      <a:prstDash val="solid"/>
+                    </a:lnBlToTr>
+                    <a:solidFill>
+                      <a:srgbClr val="EDA893"/>
+                    </a:solidFill>
+                  </a:tcPr>
+                </a:tc>
+                <a:tc>
+                  <a:txBody>
+                    <a:bodyPr/>
+                    <a:lstStyle/>
+                    <a:p>
+                      <a:r>
+                        <a:rPr lang="en-GB" sz="1200" dirty="0">
+                          <a:solidFill>
+                            <a:schemeClr val="tx1">
+                              <a:lumMod val="75000"/>
+                              <a:lumOff val="25000"/>
+                            </a:schemeClr>
+                          </a:solidFill>
+                        </a:rPr>
+                        <a:t>See tips how to get more exposure in step 2.1</a:t>
+                      </a:r>
+                      <a:endParaRPr lang="en-NL" sz="1200" dirty="0">
+                        <a:solidFill>
+                          <a:schemeClr val="tx1">
+                            <a:lumMod val="75000"/>
+                            <a:lumOff val="25000"/>
+                          </a:schemeClr>
+                        </a:solidFill>
+                      </a:endParaRPr>
+                    </a:p>
+                  </a:txBody>
+                  <a:tcPr>
+                    <a:lnL w="12700" cap="flat" cmpd="sng" algn="ctr">
+                      <a:solidFill>
+                        <a:schemeClr val="bg1"/>
+                      </a:solidFill>
+                      <a:prstDash val="solid"/>
+                      <a:round/>
+                      <a:headEnd type="none" w="med" len="med"/>
+                      <a:tailEnd type="none" w="med" len="med"/>
+                    </a:lnL>
+                    <a:lnR w="12700" cap="flat" cmpd="sng" algn="ctr">
+                      <a:solidFill>
+                        <a:schemeClr val="bg1"/>
+                      </a:solidFill>
+                      <a:prstDash val="solid"/>
+                      <a:round/>
+                      <a:headEnd type="none" w="med" len="med"/>
+                      <a:tailEnd type="none" w="med" len="med"/>
+                    </a:lnR>
+                    <a:lnT w="12700" cap="flat" cmpd="sng" algn="ctr">
+                      <a:solidFill>
+                        <a:schemeClr val="bg1"/>
+                      </a:solidFill>
+                      <a:prstDash val="solid"/>
+                      <a:round/>
+                      <a:headEnd type="none" w="med" len="med"/>
+                      <a:tailEnd type="none" w="med" len="med"/>
+                    </a:lnT>
+                    <a:lnB w="12700" cap="flat" cmpd="sng" algn="ctr">
+                      <a:solidFill>
+                        <a:schemeClr val="bg1"/>
+                      </a:solidFill>
+                      <a:prstDash val="solid"/>
+                      <a:round/>
+                      <a:headEnd type="none" w="med" len="med"/>
+                      <a:tailEnd type="none" w="med" len="med"/>
+                    </a:lnB>
+                    <a:lnTlToBr w="12700" cmpd="sng">
+                      <a:noFill/>
+                      <a:prstDash val="solid"/>
+                    </a:lnTlToBr>
+                    <a:lnBlToTr w="12700" cmpd="sng">
+                      <a:noFill/>
+                      <a:prstDash val="solid"/>
+                    </a:lnBlToTr>
+                    <a:solidFill>
+                      <a:srgbClr val="EDA893"/>
+                    </a:solidFill>
+                  </a:tcPr>
+                </a:tc>
+                <a:tc>
+                  <a:txBody>
+                    <a:bodyPr/>
+                    <a:lstStyle/>
+                    <a:p>
+                      <a:endParaRPr lang="en-NL" sz="1200" dirty="0">
+                        <a:solidFill>
+                          <a:schemeClr val="tx1">
+                            <a:lumMod val="75000"/>
+                            <a:lumOff val="25000"/>
+                          </a:schemeClr>
+                        </a:solidFill>
+                      </a:endParaRPr>
+                    </a:p>
+                  </a:txBody>
+                  <a:tcPr>
+                    <a:lnL w="12700" cap="flat" cmpd="sng" algn="ctr">
+                      <a:solidFill>
+                        <a:schemeClr val="bg1"/>
+                      </a:solidFill>
+                      <a:prstDash val="solid"/>
+                      <a:round/>
+                      <a:headEnd type="none" w="med" len="med"/>
+                      <a:tailEnd type="none" w="med" len="med"/>
+                    </a:lnL>
+                    <a:lnR w="12700" cap="flat" cmpd="sng" algn="ctr">
+                      <a:solidFill>
+                        <a:schemeClr val="bg1"/>
+                      </a:solidFill>
+                      <a:prstDash val="solid"/>
+                      <a:round/>
+                      <a:headEnd type="none" w="med" len="med"/>
+                      <a:tailEnd type="none" w="med" len="med"/>
+                    </a:lnR>
+                    <a:lnT w="12700" cap="flat" cmpd="sng" algn="ctr">
+                      <a:solidFill>
+                        <a:schemeClr val="bg1"/>
+                      </a:solidFill>
+                      <a:prstDash val="solid"/>
+                      <a:round/>
+                      <a:headEnd type="none" w="med" len="med"/>
+                      <a:tailEnd type="none" w="med" len="med"/>
+                    </a:lnT>
+                    <a:lnB w="12700" cap="flat" cmpd="sng" algn="ctr">
+                      <a:solidFill>
+                        <a:schemeClr val="bg1"/>
+                      </a:solidFill>
+                      <a:prstDash val="solid"/>
+                      <a:round/>
+                      <a:headEnd type="none" w="med" len="med"/>
+                      <a:tailEnd type="none" w="med" len="med"/>
+                    </a:lnB>
+                    <a:lnTlToBr w="12700" cmpd="sng">
+                      <a:noFill/>
+                      <a:prstDash val="solid"/>
+                    </a:lnTlToBr>
+                    <a:lnBlToTr w="12700" cmpd="sng">
+                      <a:noFill/>
+                      <a:prstDash val="solid"/>
+                    </a:lnBlToTr>
+                    <a:solidFill>
+                      <a:srgbClr val="EDA893"/>
+                    </a:solidFill>
+                  </a:tcPr>
+                </a:tc>
+                <a:extLst>
+                  <a:ext uri="{0D108BD9-81ED-4DB2-BD59-A6C34878D82A}">
+                    <a16:rowId xmlns:a16="http://schemas.microsoft.com/office/drawing/2014/main" val="2412041970"/>
+                  </a:ext>
+                </a:extLst>
+              </a:tr>
+              <a:tr h="459467">
+                <a:tc rowSpan="3">
+                  <a:txBody>
+                    <a:bodyPr/>
+                    <a:lstStyle/>
+                    <a:p>
+                      <a:pPr algn="ctr"/>
+                      <a:r>
+                        <a:rPr lang="en-GB" sz="1600" dirty="0">
+                          <a:solidFill>
+                            <a:schemeClr val="bg1"/>
+                          </a:solidFill>
+                        </a:rPr>
+                        <a:t>SELECTION</a:t>
+                      </a:r>
+                      <a:endParaRPr lang="en-NL" sz="1600" dirty="0">
+                        <a:solidFill>
+                          <a:schemeClr val="bg1"/>
+                        </a:solidFill>
+                      </a:endParaRPr>
+                    </a:p>
+                  </a:txBody>
+                  <a:tcPr anchor="ctr">
+                    <a:lnL w="12700" cap="flat" cmpd="sng" algn="ctr">
+                      <a:solidFill>
+                        <a:schemeClr val="bg1"/>
+                      </a:solidFill>
+                      <a:prstDash val="solid"/>
+                      <a:round/>
+                      <a:headEnd type="none" w="med" len="med"/>
+                      <a:tailEnd type="none" w="med" len="med"/>
+                    </a:lnL>
+                    <a:lnR w="12700" cap="flat" cmpd="sng" algn="ctr">
+                      <a:solidFill>
+                        <a:schemeClr val="bg1"/>
+                      </a:solidFill>
+                      <a:prstDash val="solid"/>
+                      <a:round/>
+                      <a:headEnd type="none" w="med" len="med"/>
+                      <a:tailEnd type="none" w="med" len="med"/>
+                    </a:lnR>
+                    <a:lnT w="12700" cap="flat" cmpd="sng" algn="ctr">
+                      <a:solidFill>
+                        <a:schemeClr val="bg1"/>
+                      </a:solidFill>
+                      <a:prstDash val="solid"/>
+                      <a:round/>
+                      <a:headEnd type="none" w="med" len="med"/>
+                      <a:tailEnd type="none" w="med" len="med"/>
+                    </a:lnT>
+                    <a:lnB w="12700" cap="flat" cmpd="sng" algn="ctr">
+                      <a:solidFill>
+                        <a:schemeClr val="bg1"/>
+                      </a:solidFill>
+                      <a:prstDash val="solid"/>
+                      <a:round/>
+                      <a:headEnd type="none" w="med" len="med"/>
+                      <a:tailEnd type="none" w="med" len="med"/>
+                    </a:lnB>
+                    <a:lnTlToBr w="12700" cmpd="sng">
+                      <a:noFill/>
+                      <a:prstDash val="solid"/>
+                    </a:lnTlToBr>
+                    <a:lnBlToTr w="12700" cmpd="sng">
+                      <a:noFill/>
+                      <a:prstDash val="solid"/>
+                    </a:lnBlToTr>
+                    <a:solidFill>
+                      <a:srgbClr val="00B8C8"/>
+                    </a:solidFill>
+                  </a:tcPr>
+                </a:tc>
+                <a:tc>
+                  <a:txBody>
+                    <a:bodyPr/>
+                    <a:lstStyle/>
+                    <a:p>
+                      <a:pPr algn="ctr"/>
+                      <a:r>
+                        <a:rPr lang="en-GB" sz="1400" dirty="0">
+                          <a:solidFill>
+                            <a:schemeClr val="tx1">
+                              <a:lumMod val="75000"/>
+                              <a:lumOff val="25000"/>
+                            </a:schemeClr>
+                          </a:solidFill>
+                        </a:rPr>
+                        <a:t>Selection steps</a:t>
+                      </a:r>
+                    </a:p>
+                  </a:txBody>
+                  <a:tcPr anchor="ctr">
+                    <a:lnL w="12700" cap="flat" cmpd="sng" algn="ctr">
+                      <a:solidFill>
+                        <a:schemeClr val="bg1"/>
+                      </a:solidFill>
+                      <a:prstDash val="solid"/>
+                      <a:round/>
+                      <a:headEnd type="none" w="med" len="med"/>
+                      <a:tailEnd type="none" w="med" len="med"/>
+                    </a:lnL>
+                    <a:lnR w="12700" cap="flat" cmpd="sng" algn="ctr">
+                      <a:solidFill>
+                        <a:schemeClr val="bg1"/>
+                      </a:solidFill>
+                      <a:prstDash val="solid"/>
+                      <a:round/>
+                      <a:headEnd type="none" w="med" len="med"/>
+                      <a:tailEnd type="none" w="med" len="med"/>
+                    </a:lnR>
+                    <a:lnT w="12700" cap="flat" cmpd="sng" algn="ctr">
+                      <a:solidFill>
+                        <a:schemeClr val="bg1"/>
+                      </a:solidFill>
+                      <a:prstDash val="solid"/>
+                      <a:round/>
+                      <a:headEnd type="none" w="med" len="med"/>
+                      <a:tailEnd type="none" w="med" len="med"/>
+                    </a:lnT>
+                    <a:lnB w="12700" cap="flat" cmpd="sng" algn="ctr">
+                      <a:solidFill>
+                        <a:schemeClr val="bg1"/>
+                      </a:solidFill>
+                      <a:prstDash val="solid"/>
+                      <a:round/>
+                      <a:headEnd type="none" w="med" len="med"/>
+                      <a:tailEnd type="none" w="med" len="med"/>
+                    </a:lnB>
+                    <a:lnTlToBr w="12700" cmpd="sng">
+                      <a:noFill/>
+                      <a:prstDash val="solid"/>
+                    </a:lnTlToBr>
+                    <a:lnBlToTr w="12700" cmpd="sng">
+                      <a:noFill/>
+                      <a:prstDash val="solid"/>
+                    </a:lnBlToTr>
+                    <a:solidFill>
+                      <a:srgbClr val="B6E4F4"/>
+                    </a:solidFill>
+                  </a:tcPr>
+                </a:tc>
+                <a:tc>
+                  <a:txBody>
+                    <a:bodyPr/>
+                    <a:lstStyle/>
+                    <a:p>
+                      <a:endParaRPr lang="en-NL" dirty="0"/>
+                    </a:p>
+                  </a:txBody>
+                  <a:tcPr>
+                    <a:lnL w="12700" cap="flat" cmpd="sng" algn="ctr">
+                      <a:solidFill>
+                        <a:schemeClr val="bg1"/>
+                      </a:solidFill>
+                      <a:prstDash val="solid"/>
+                      <a:round/>
+                      <a:headEnd type="none" w="med" len="med"/>
+                      <a:tailEnd type="none" w="med" len="med"/>
+                    </a:lnL>
+                    <a:lnR w="12700" cap="flat" cmpd="sng" algn="ctr">
+                      <a:solidFill>
+                        <a:schemeClr val="bg1"/>
+                      </a:solidFill>
+                      <a:prstDash val="solid"/>
+                      <a:round/>
+                      <a:headEnd type="none" w="med" len="med"/>
+                      <a:tailEnd type="none" w="med" len="med"/>
+                    </a:lnR>
+                    <a:lnT w="12700" cap="flat" cmpd="sng" algn="ctr">
+                      <a:solidFill>
+                        <a:schemeClr val="bg1"/>
+                      </a:solidFill>
+                      <a:prstDash val="solid"/>
+                      <a:round/>
+                      <a:headEnd type="none" w="med" len="med"/>
+                      <a:tailEnd type="none" w="med" len="med"/>
+                    </a:lnT>
+                    <a:lnB w="12700" cap="flat" cmpd="sng" algn="ctr">
+                      <a:solidFill>
+                        <a:schemeClr val="bg1"/>
+                      </a:solidFill>
+                      <a:prstDash val="solid"/>
+                      <a:round/>
+                      <a:headEnd type="none" w="med" len="med"/>
+                      <a:tailEnd type="none" w="med" len="med"/>
+                    </a:lnB>
+                    <a:lnTlToBr w="12700" cmpd="sng">
+                      <a:noFill/>
+                      <a:prstDash val="solid"/>
+                    </a:lnTlToBr>
+                    <a:lnBlToTr w="12700" cmpd="sng">
+                      <a:noFill/>
+                      <a:prstDash val="solid"/>
+                    </a:lnBlToTr>
+                    <a:solidFill>
+                      <a:srgbClr val="B6E4F4"/>
+                    </a:solidFill>
+                  </a:tcPr>
+                </a:tc>
+                <a:tc>
+                  <a:txBody>
+                    <a:bodyPr/>
+                    <a:lstStyle/>
+                    <a:p>
+                      <a:r>
+                        <a:rPr lang="en-GB" sz="1200" dirty="0">
+                          <a:solidFill>
+                            <a:schemeClr val="tx1">
+                              <a:lumMod val="75000"/>
+                              <a:lumOff val="25000"/>
+                            </a:schemeClr>
+                          </a:solidFill>
+                        </a:rPr>
+                        <a:t>See selection guide chapter 3</a:t>
+                      </a:r>
+                      <a:r>
+                        <a:rPr lang="en-GB" sz="1200" baseline="30000" dirty="0">
+                          <a:solidFill>
+                            <a:schemeClr val="tx1">
+                              <a:lumMod val="75000"/>
+                              <a:lumOff val="25000"/>
+                            </a:schemeClr>
+                          </a:solidFill>
+                        </a:rPr>
+                        <a:t>2</a:t>
+                      </a:r>
+                      <a:r>
+                        <a:rPr lang="en-GB" sz="1200" dirty="0">
+                          <a:solidFill>
+                            <a:schemeClr val="tx1">
+                              <a:lumMod val="75000"/>
+                              <a:lumOff val="25000"/>
+                            </a:schemeClr>
+                          </a:solidFill>
+                        </a:rPr>
+                        <a:t> and the important notes in step 3.1</a:t>
+                      </a:r>
+                      <a:endParaRPr lang="en-NL" sz="1200" dirty="0">
+                        <a:solidFill>
+                          <a:schemeClr val="tx1">
+                            <a:lumMod val="75000"/>
+                            <a:lumOff val="25000"/>
+                          </a:schemeClr>
+                        </a:solidFill>
+                      </a:endParaRPr>
+                    </a:p>
+                  </a:txBody>
+                  <a:tcPr>
+                    <a:lnL w="12700" cap="flat" cmpd="sng" algn="ctr">
+                      <a:solidFill>
+                        <a:schemeClr val="bg1"/>
+                      </a:solidFill>
+                      <a:prstDash val="solid"/>
+                      <a:round/>
+                      <a:headEnd type="none" w="med" len="med"/>
+                      <a:tailEnd type="none" w="med" len="med"/>
+                    </a:lnL>
+                    <a:lnR w="12700" cap="flat" cmpd="sng" algn="ctr">
+                      <a:solidFill>
+                        <a:schemeClr val="bg1"/>
+                      </a:solidFill>
+                      <a:prstDash val="solid"/>
+                      <a:round/>
+                      <a:headEnd type="none" w="med" len="med"/>
+                      <a:tailEnd type="none" w="med" len="med"/>
+                    </a:lnR>
+                    <a:lnT w="12700" cap="flat" cmpd="sng" algn="ctr">
+                      <a:solidFill>
+                        <a:schemeClr val="bg1"/>
+                      </a:solidFill>
+                      <a:prstDash val="solid"/>
+                      <a:round/>
+                      <a:headEnd type="none" w="med" len="med"/>
+                      <a:tailEnd type="none" w="med" len="med"/>
+                    </a:lnT>
+                    <a:lnB w="12700" cap="flat" cmpd="sng" algn="ctr">
+                      <a:solidFill>
+                        <a:schemeClr val="bg1"/>
+                      </a:solidFill>
+                      <a:prstDash val="solid"/>
+                      <a:round/>
+                      <a:headEnd type="none" w="med" len="med"/>
+                      <a:tailEnd type="none" w="med" len="med"/>
+                    </a:lnB>
+                    <a:lnTlToBr w="12700" cmpd="sng">
+                      <a:noFill/>
+                      <a:prstDash val="solid"/>
+                    </a:lnTlToBr>
+                    <a:lnBlToTr w="12700" cmpd="sng">
+                      <a:noFill/>
+                      <a:prstDash val="solid"/>
+                    </a:lnBlToTr>
+                    <a:solidFill>
+                      <a:srgbClr val="B6E4F4"/>
+                    </a:solidFill>
+                  </a:tcPr>
+                </a:tc>
+                <a:tc>
+                  <a:txBody>
+                    <a:bodyPr/>
+                    <a:lstStyle/>
+                    <a:p>
+                      <a:r>
+                        <a:rPr lang="en-GB" sz="1200" dirty="0">
+                          <a:solidFill>
+                            <a:schemeClr val="tx1">
+                              <a:lumMod val="75000"/>
+                              <a:lumOff val="25000"/>
+                            </a:schemeClr>
+                          </a:solidFill>
+                        </a:rPr>
+                        <a:t>Management assistants can help with planning of the interviews</a:t>
+                      </a:r>
+                      <a:endParaRPr lang="en-NL" sz="1200" dirty="0">
+                        <a:solidFill>
+                          <a:schemeClr val="tx1">
+                            <a:lumMod val="75000"/>
+                            <a:lumOff val="25000"/>
+                          </a:schemeClr>
+                        </a:solidFill>
+                      </a:endParaRPr>
+                    </a:p>
+                  </a:txBody>
+                  <a:tcPr>
+                    <a:lnL w="12700" cap="flat" cmpd="sng" algn="ctr">
+                      <a:solidFill>
+                        <a:schemeClr val="bg1"/>
+                      </a:solidFill>
+                      <a:prstDash val="solid"/>
+                      <a:round/>
+                      <a:headEnd type="none" w="med" len="med"/>
+                      <a:tailEnd type="none" w="med" len="med"/>
+                    </a:lnL>
+                    <a:lnR w="12700" cap="flat" cmpd="sng" algn="ctr">
+                      <a:solidFill>
+                        <a:schemeClr val="bg1"/>
+                      </a:solidFill>
+                      <a:prstDash val="solid"/>
+                      <a:round/>
+                      <a:headEnd type="none" w="med" len="med"/>
+                      <a:tailEnd type="none" w="med" len="med"/>
+                    </a:lnR>
+                    <a:lnT w="12700" cap="flat" cmpd="sng" algn="ctr">
+                      <a:solidFill>
+                        <a:schemeClr val="bg1"/>
+                      </a:solidFill>
+                      <a:prstDash val="solid"/>
+                      <a:round/>
+                      <a:headEnd type="none" w="med" len="med"/>
+                      <a:tailEnd type="none" w="med" len="med"/>
+                    </a:lnT>
+                    <a:lnB w="12700" cap="flat" cmpd="sng" algn="ctr">
+                      <a:solidFill>
+                        <a:schemeClr val="bg1"/>
+                      </a:solidFill>
+                      <a:prstDash val="solid"/>
+                      <a:round/>
+                      <a:headEnd type="none" w="med" len="med"/>
+                      <a:tailEnd type="none" w="med" len="med"/>
+                    </a:lnB>
+                    <a:lnTlToBr w="12700" cmpd="sng">
+                      <a:noFill/>
+                      <a:prstDash val="solid"/>
+                    </a:lnTlToBr>
+                    <a:lnBlToTr w="12700" cmpd="sng">
+                      <a:noFill/>
+                      <a:prstDash val="solid"/>
+                    </a:lnBlToTr>
+                    <a:solidFill>
+                      <a:srgbClr val="B6E4F4"/>
+                    </a:solidFill>
+                  </a:tcPr>
+                </a:tc>
+                <a:extLst>
+                  <a:ext uri="{0D108BD9-81ED-4DB2-BD59-A6C34878D82A}">
+                    <a16:rowId xmlns:a16="http://schemas.microsoft.com/office/drawing/2014/main" val="16725283"/>
+                  </a:ext>
+                </a:extLst>
+              </a:tr>
+              <a:tr h="459467">
+                <a:tc vMerge="1">
+                  <a:txBody>
+                    <a:bodyPr/>
+                    <a:lstStyle/>
+                    <a:p>
+                      <a:endParaRPr lang="en-NL" dirty="0"/>
+                    </a:p>
+                  </a:txBody>
+                  <a:tcPr>
+                    <a:lnT w="12700" cap="flat" cmpd="sng" algn="ctr">
+                      <a:solidFill>
+                        <a:schemeClr val="bg1"/>
+                      </a:solidFill>
+                      <a:prstDash val="solid"/>
+                      <a:round/>
+                      <a:headEnd type="none" w="med" len="med"/>
+                      <a:tailEnd type="none" w="med" len="med"/>
+                    </a:lnT>
+                  </a:tcPr>
+                </a:tc>
+                <a:tc>
+                  <a:txBody>
+                    <a:bodyPr/>
+                    <a:lstStyle/>
+                    <a:p>
+                      <a:pPr algn="ctr"/>
+                      <a:r>
+                        <a:rPr lang="en-GB" sz="1400" dirty="0">
+                          <a:solidFill>
+                            <a:schemeClr val="tx1">
+                              <a:lumMod val="75000"/>
+                              <a:lumOff val="25000"/>
+                            </a:schemeClr>
+                          </a:solidFill>
+                        </a:rPr>
+                        <a:t>Knowledge safety check</a:t>
+                      </a:r>
+                    </a:p>
+                  </a:txBody>
+                  <a:tcPr anchor="ctr">
+                    <a:lnL w="12700" cap="flat" cmpd="sng" algn="ctr">
+                      <a:solidFill>
+                        <a:schemeClr val="bg1"/>
+                      </a:solidFill>
+                      <a:prstDash val="solid"/>
+                      <a:round/>
+                      <a:headEnd type="none" w="med" len="med"/>
+                      <a:tailEnd type="none" w="med" len="med"/>
+                    </a:lnL>
+                    <a:lnR w="12700" cap="flat" cmpd="sng" algn="ctr">
+                      <a:solidFill>
+                        <a:schemeClr val="bg1"/>
+                      </a:solidFill>
+                      <a:prstDash val="solid"/>
+                      <a:round/>
+                      <a:headEnd type="none" w="med" len="med"/>
+                      <a:tailEnd type="none" w="med" len="med"/>
+                    </a:lnR>
+                    <a:lnT w="12700" cap="flat" cmpd="sng" algn="ctr">
+                      <a:solidFill>
+                        <a:schemeClr val="bg1"/>
+                      </a:solidFill>
+                      <a:prstDash val="solid"/>
+                      <a:round/>
+                      <a:headEnd type="none" w="med" len="med"/>
+                      <a:tailEnd type="none" w="med" len="med"/>
+                    </a:lnT>
+                    <a:lnB w="12700" cap="flat" cmpd="sng" algn="ctr">
+                      <a:solidFill>
+                        <a:schemeClr val="bg1"/>
+                      </a:solidFill>
+                      <a:prstDash val="solid"/>
+                      <a:round/>
+                      <a:headEnd type="none" w="med" len="med"/>
+                      <a:tailEnd type="none" w="med" len="med"/>
+                    </a:lnB>
+                    <a:lnTlToBr w="12700" cmpd="sng">
+                      <a:noFill/>
+                      <a:prstDash val="solid"/>
+                    </a:lnTlToBr>
+                    <a:lnBlToTr w="12700" cmpd="sng">
+                      <a:noFill/>
+                      <a:prstDash val="solid"/>
+                    </a:lnBlToTr>
+                    <a:solidFill>
+                      <a:srgbClr val="B6E4F4"/>
+                    </a:solidFill>
+                  </a:tcPr>
+                </a:tc>
+                <a:tc>
+                  <a:txBody>
+                    <a:bodyPr/>
+                    <a:lstStyle/>
+                    <a:p>
+                      <a:endParaRPr lang="en-NL" dirty="0"/>
+                    </a:p>
+                  </a:txBody>
+                  <a:tcPr>
+                    <a:lnL w="12700" cap="flat" cmpd="sng" algn="ctr">
+                      <a:solidFill>
+                        <a:schemeClr val="bg1"/>
+                      </a:solidFill>
+                      <a:prstDash val="solid"/>
+                      <a:round/>
+                      <a:headEnd type="none" w="med" len="med"/>
+                      <a:tailEnd type="none" w="med" len="med"/>
+                    </a:lnL>
+                    <a:lnR w="12700" cap="flat" cmpd="sng" algn="ctr">
+                      <a:solidFill>
+                        <a:schemeClr val="bg1"/>
+                      </a:solidFill>
+                      <a:prstDash val="solid"/>
+                      <a:round/>
+                      <a:headEnd type="none" w="med" len="med"/>
+                      <a:tailEnd type="none" w="med" len="med"/>
+                    </a:lnR>
+                    <a:lnT w="12700" cap="flat" cmpd="sng" algn="ctr">
+                      <a:solidFill>
+                        <a:schemeClr val="bg1"/>
+                      </a:solidFill>
+                      <a:prstDash val="solid"/>
+                      <a:round/>
+                      <a:headEnd type="none" w="med" len="med"/>
+                      <a:tailEnd type="none" w="med" len="med"/>
+                    </a:lnT>
+                    <a:lnB w="12700" cap="flat" cmpd="sng" algn="ctr">
+                      <a:solidFill>
+                        <a:schemeClr val="bg1"/>
+                      </a:solidFill>
+                      <a:prstDash val="solid"/>
+                      <a:round/>
+                      <a:headEnd type="none" w="med" len="med"/>
+                      <a:tailEnd type="none" w="med" len="med"/>
+                    </a:lnB>
+                    <a:lnTlToBr w="12700" cmpd="sng">
+                      <a:noFill/>
+                      <a:prstDash val="solid"/>
+                    </a:lnTlToBr>
+                    <a:lnBlToTr w="12700" cmpd="sng">
+                      <a:noFill/>
+                      <a:prstDash val="solid"/>
+                    </a:lnBlToTr>
+                    <a:solidFill>
+                      <a:srgbClr val="B6E4F4"/>
+                    </a:solidFill>
+                  </a:tcPr>
+                </a:tc>
+                <a:tc>
+                  <a:txBody>
+                    <a:bodyPr/>
+                    <a:lstStyle/>
+                    <a:p>
+                      <a:r>
+                        <a:rPr lang="en-GB" sz="1200" dirty="0">
+                          <a:solidFill>
+                            <a:schemeClr val="tx1">
+                              <a:lumMod val="75000"/>
+                              <a:lumOff val="25000"/>
+                            </a:schemeClr>
+                          </a:solidFill>
+                        </a:rPr>
+                        <a:t>If candidate is in risk category</a:t>
+                      </a:r>
+                      <a:r>
+                        <a:rPr lang="en-GB" sz="1200" baseline="30000" dirty="0">
+                          <a:solidFill>
+                            <a:schemeClr val="tx1">
+                              <a:lumMod val="75000"/>
+                              <a:lumOff val="25000"/>
+                            </a:schemeClr>
+                          </a:solidFill>
+                        </a:rPr>
+                        <a:t>3</a:t>
+                      </a:r>
+                      <a:r>
+                        <a:rPr lang="en-GB" sz="1200" dirty="0">
+                          <a:solidFill>
+                            <a:schemeClr val="tx1">
+                              <a:lumMod val="75000"/>
+                              <a:lumOff val="25000"/>
+                            </a:schemeClr>
+                          </a:solidFill>
+                        </a:rPr>
+                        <a:t>, contact department secretary</a:t>
+                      </a:r>
+                      <a:endParaRPr lang="en-NL" sz="1200" dirty="0">
+                        <a:solidFill>
+                          <a:schemeClr val="tx1">
+                            <a:lumMod val="75000"/>
+                            <a:lumOff val="25000"/>
+                          </a:schemeClr>
+                        </a:solidFill>
+                      </a:endParaRPr>
+                    </a:p>
+                  </a:txBody>
+                  <a:tcPr>
+                    <a:lnL w="12700" cap="flat" cmpd="sng" algn="ctr">
+                      <a:solidFill>
+                        <a:schemeClr val="bg1"/>
+                      </a:solidFill>
+                      <a:prstDash val="solid"/>
+                      <a:round/>
+                      <a:headEnd type="none" w="med" len="med"/>
+                      <a:tailEnd type="none" w="med" len="med"/>
+                    </a:lnL>
+                    <a:lnR w="12700" cap="flat" cmpd="sng" algn="ctr">
+                      <a:solidFill>
+                        <a:schemeClr val="bg1"/>
+                      </a:solidFill>
+                      <a:prstDash val="solid"/>
+                      <a:round/>
+                      <a:headEnd type="none" w="med" len="med"/>
+                      <a:tailEnd type="none" w="med" len="med"/>
+                    </a:lnR>
+                    <a:lnT w="12700" cap="flat" cmpd="sng" algn="ctr">
+                      <a:solidFill>
+                        <a:schemeClr val="bg1"/>
+                      </a:solidFill>
+                      <a:prstDash val="solid"/>
+                      <a:round/>
+                      <a:headEnd type="none" w="med" len="med"/>
+                      <a:tailEnd type="none" w="med" len="med"/>
+                    </a:lnT>
+                    <a:lnB w="12700" cap="flat" cmpd="sng" algn="ctr">
+                      <a:solidFill>
+                        <a:schemeClr val="bg1"/>
+                      </a:solidFill>
+                      <a:prstDash val="solid"/>
+                      <a:round/>
+                      <a:headEnd type="none" w="med" len="med"/>
+                      <a:tailEnd type="none" w="med" len="med"/>
+                    </a:lnB>
+                    <a:lnTlToBr w="12700" cmpd="sng">
+                      <a:noFill/>
+                      <a:prstDash val="solid"/>
+                    </a:lnTlToBr>
+                    <a:lnBlToTr w="12700" cmpd="sng">
+                      <a:noFill/>
+                      <a:prstDash val="solid"/>
+                    </a:lnBlToTr>
+                    <a:solidFill>
+                      <a:srgbClr val="B6E4F4"/>
+                    </a:solidFill>
+                  </a:tcPr>
+                </a:tc>
+                <a:tc>
+                  <a:txBody>
+                    <a:bodyPr/>
+                    <a:lstStyle/>
+                    <a:p>
+                      <a:endParaRPr lang="en-NL" sz="1200" dirty="0">
+                        <a:solidFill>
+                          <a:schemeClr val="tx1">
+                            <a:lumMod val="75000"/>
+                            <a:lumOff val="25000"/>
+                          </a:schemeClr>
+                        </a:solidFill>
+                      </a:endParaRPr>
+                    </a:p>
+                  </a:txBody>
+                  <a:tcPr>
+                    <a:lnL w="12700" cap="flat" cmpd="sng" algn="ctr">
+                      <a:solidFill>
+                        <a:schemeClr val="bg1"/>
+                      </a:solidFill>
+                      <a:prstDash val="solid"/>
+                      <a:round/>
+                      <a:headEnd type="none" w="med" len="med"/>
+                      <a:tailEnd type="none" w="med" len="med"/>
+                    </a:lnL>
+                    <a:lnR w="12700" cap="flat" cmpd="sng" algn="ctr">
+                      <a:solidFill>
+                        <a:schemeClr val="bg1"/>
+                      </a:solidFill>
+                      <a:prstDash val="solid"/>
+                      <a:round/>
+                      <a:headEnd type="none" w="med" len="med"/>
+                      <a:tailEnd type="none" w="med" len="med"/>
+                    </a:lnR>
+                    <a:lnT w="12700" cap="flat" cmpd="sng" algn="ctr">
+                      <a:solidFill>
+                        <a:schemeClr val="bg1"/>
+                      </a:solidFill>
+                      <a:prstDash val="solid"/>
+                      <a:round/>
+                      <a:headEnd type="none" w="med" len="med"/>
+                      <a:tailEnd type="none" w="med" len="med"/>
+                    </a:lnT>
+                    <a:lnB w="12700" cap="flat" cmpd="sng" algn="ctr">
+                      <a:solidFill>
+                        <a:schemeClr val="bg1"/>
+                      </a:solidFill>
+                      <a:prstDash val="solid"/>
+                      <a:round/>
+                      <a:headEnd type="none" w="med" len="med"/>
+                      <a:tailEnd type="none" w="med" len="med"/>
+                    </a:lnB>
+                    <a:lnTlToBr w="12700" cmpd="sng">
+                      <a:noFill/>
+                      <a:prstDash val="solid"/>
+                    </a:lnTlToBr>
+                    <a:lnBlToTr w="12700" cmpd="sng">
+                      <a:noFill/>
+                      <a:prstDash val="solid"/>
+                    </a:lnBlToTr>
+                    <a:solidFill>
+                      <a:srgbClr val="B6E4F4"/>
+                    </a:solidFill>
+                  </a:tcPr>
+                </a:tc>
+                <a:extLst>
+                  <a:ext uri="{0D108BD9-81ED-4DB2-BD59-A6C34878D82A}">
+                    <a16:rowId xmlns:a16="http://schemas.microsoft.com/office/drawing/2014/main" val="3446831975"/>
+                  </a:ext>
+                </a:extLst>
+              </a:tr>
+              <a:tr h="459467">
+                <a:tc vMerge="1">
+                  <a:txBody>
+                    <a:bodyPr/>
+                    <a:lstStyle/>
+                    <a:p>
+                      <a:endParaRPr lang="en-NL" dirty="0"/>
+                    </a:p>
+                  </a:txBody>
+                  <a:tcPr/>
+                </a:tc>
+                <a:tc>
+                  <a:txBody>
+                    <a:bodyPr/>
+                    <a:lstStyle/>
+                    <a:p>
+                      <a:pPr algn="ctr"/>
+                      <a:r>
+                        <a:rPr lang="en-GB" sz="1400" dirty="0">
+                          <a:solidFill>
+                            <a:schemeClr val="tx1">
+                              <a:lumMod val="75000"/>
+                              <a:lumOff val="25000"/>
+                            </a:schemeClr>
+                          </a:solidFill>
+                        </a:rPr>
+                        <a:t>Job offer</a:t>
+                      </a:r>
+                    </a:p>
+                  </a:txBody>
+                  <a:tcPr anchor="ctr">
+                    <a:lnL w="12700" cap="flat" cmpd="sng" algn="ctr">
+                      <a:solidFill>
+                        <a:schemeClr val="bg1"/>
+                      </a:solidFill>
+                      <a:prstDash val="solid"/>
+                      <a:round/>
+                      <a:headEnd type="none" w="med" len="med"/>
+                      <a:tailEnd type="none" w="med" len="med"/>
+                    </a:lnL>
+                    <a:lnR w="12700" cap="flat" cmpd="sng" algn="ctr">
+                      <a:solidFill>
+                        <a:schemeClr val="bg1"/>
+                      </a:solidFill>
+                      <a:prstDash val="solid"/>
+                      <a:round/>
+                      <a:headEnd type="none" w="med" len="med"/>
+                      <a:tailEnd type="none" w="med" len="med"/>
+                    </a:lnR>
+                    <a:lnT w="12700" cap="flat" cmpd="sng" algn="ctr">
+                      <a:solidFill>
+                        <a:schemeClr val="bg1"/>
+                      </a:solidFill>
+                      <a:prstDash val="solid"/>
+                      <a:round/>
+                      <a:headEnd type="none" w="med" len="med"/>
+                      <a:tailEnd type="none" w="med" len="med"/>
+                    </a:lnT>
+                    <a:lnB w="12700" cap="flat" cmpd="sng" algn="ctr">
+                      <a:solidFill>
+                        <a:schemeClr val="bg1"/>
+                      </a:solidFill>
+                      <a:prstDash val="solid"/>
+                      <a:round/>
+                      <a:headEnd type="none" w="med" len="med"/>
+                      <a:tailEnd type="none" w="med" len="med"/>
+                    </a:lnB>
+                    <a:lnTlToBr w="12700" cmpd="sng">
+                      <a:noFill/>
+                      <a:prstDash val="solid"/>
+                    </a:lnTlToBr>
+                    <a:lnBlToTr w="12700" cmpd="sng">
+                      <a:noFill/>
+                      <a:prstDash val="solid"/>
+                    </a:lnBlToTr>
+                    <a:solidFill>
+                      <a:srgbClr val="B6E4F4"/>
+                    </a:solidFill>
+                  </a:tcPr>
+                </a:tc>
+                <a:tc>
+                  <a:txBody>
+                    <a:bodyPr/>
+                    <a:lstStyle/>
+                    <a:p>
+                      <a:endParaRPr lang="en-NL" dirty="0"/>
+                    </a:p>
+                  </a:txBody>
+                  <a:tcPr>
+                    <a:lnL w="12700" cap="flat" cmpd="sng" algn="ctr">
+                      <a:solidFill>
+                        <a:schemeClr val="bg1"/>
+                      </a:solidFill>
+                      <a:prstDash val="solid"/>
+                      <a:round/>
+                      <a:headEnd type="none" w="med" len="med"/>
+                      <a:tailEnd type="none" w="med" len="med"/>
+                    </a:lnL>
+                    <a:lnR w="12700" cap="flat" cmpd="sng" algn="ctr">
+                      <a:solidFill>
+                        <a:schemeClr val="bg1"/>
+                      </a:solidFill>
+                      <a:prstDash val="solid"/>
+                      <a:round/>
+                      <a:headEnd type="none" w="med" len="med"/>
+                      <a:tailEnd type="none" w="med" len="med"/>
+                    </a:lnR>
+                    <a:lnT w="12700" cap="flat" cmpd="sng" algn="ctr">
+                      <a:solidFill>
+                        <a:schemeClr val="bg1"/>
+                      </a:solidFill>
+                      <a:prstDash val="solid"/>
+                      <a:round/>
+                      <a:headEnd type="none" w="med" len="med"/>
+                      <a:tailEnd type="none" w="med" len="med"/>
+                    </a:lnT>
+                    <a:lnB w="12700" cap="flat" cmpd="sng" algn="ctr">
+                      <a:solidFill>
+                        <a:schemeClr val="bg1"/>
+                      </a:solidFill>
+                      <a:prstDash val="solid"/>
+                      <a:round/>
+                      <a:headEnd type="none" w="med" len="med"/>
+                      <a:tailEnd type="none" w="med" len="med"/>
+                    </a:lnB>
+                    <a:lnTlToBr w="12700" cmpd="sng">
+                      <a:noFill/>
+                      <a:prstDash val="solid"/>
+                    </a:lnTlToBr>
+                    <a:lnBlToTr w="12700" cmpd="sng">
+                      <a:noFill/>
+                      <a:prstDash val="solid"/>
+                    </a:lnBlToTr>
+                    <a:solidFill>
+                      <a:srgbClr val="B6E4F4"/>
+                    </a:solidFill>
+                  </a:tcPr>
+                </a:tc>
+                <a:tc>
+                  <a:txBody>
+                    <a:bodyPr/>
+                    <a:lstStyle/>
+                    <a:p>
+                      <a:r>
+                        <a:rPr lang="en-GB" sz="1200" dirty="0">
+                          <a:solidFill>
+                            <a:schemeClr val="tx1">
+                              <a:lumMod val="75000"/>
+                              <a:lumOff val="25000"/>
+                            </a:schemeClr>
+                          </a:solidFill>
+                        </a:rPr>
+                        <a:t>Is made by management assistants and checked by department secretary and HR advisor before sending it.</a:t>
+                      </a:r>
+                      <a:endParaRPr lang="en-NL" sz="1200" dirty="0">
+                        <a:solidFill>
+                          <a:schemeClr val="tx1">
+                            <a:lumMod val="75000"/>
+                            <a:lumOff val="25000"/>
+                          </a:schemeClr>
+                        </a:solidFill>
+                      </a:endParaRPr>
+                    </a:p>
+                  </a:txBody>
+                  <a:tcPr>
+                    <a:lnL w="12700" cap="flat" cmpd="sng" algn="ctr">
+                      <a:solidFill>
+                        <a:schemeClr val="bg1"/>
+                      </a:solidFill>
+                      <a:prstDash val="solid"/>
+                      <a:round/>
+                      <a:headEnd type="none" w="med" len="med"/>
+                      <a:tailEnd type="none" w="med" len="med"/>
+                    </a:lnL>
+                    <a:lnR w="12700" cap="flat" cmpd="sng" algn="ctr">
+                      <a:solidFill>
+                        <a:schemeClr val="bg1"/>
+                      </a:solidFill>
+                      <a:prstDash val="solid"/>
+                      <a:round/>
+                      <a:headEnd type="none" w="med" len="med"/>
+                      <a:tailEnd type="none" w="med" len="med"/>
+                    </a:lnR>
+                    <a:lnT w="12700" cap="flat" cmpd="sng" algn="ctr">
+                      <a:solidFill>
+                        <a:schemeClr val="bg1"/>
+                      </a:solidFill>
+                      <a:prstDash val="solid"/>
+                      <a:round/>
+                      <a:headEnd type="none" w="med" len="med"/>
+                      <a:tailEnd type="none" w="med" len="med"/>
+                    </a:lnT>
+                    <a:lnB w="12700" cap="flat" cmpd="sng" algn="ctr">
+                      <a:solidFill>
+                        <a:schemeClr val="bg1"/>
+                      </a:solidFill>
+                      <a:prstDash val="solid"/>
+                      <a:round/>
+                      <a:headEnd type="none" w="med" len="med"/>
+                      <a:tailEnd type="none" w="med" len="med"/>
+                    </a:lnB>
+                    <a:lnTlToBr w="12700" cmpd="sng">
+                      <a:noFill/>
+                      <a:prstDash val="solid"/>
+                    </a:lnTlToBr>
+                    <a:lnBlToTr w="12700" cmpd="sng">
+                      <a:noFill/>
+                      <a:prstDash val="solid"/>
+                    </a:lnBlToTr>
+                    <a:solidFill>
+                      <a:srgbClr val="B6E4F4"/>
+                    </a:solidFill>
+                  </a:tcPr>
+                </a:tc>
+                <a:tc>
+                  <a:txBody>
+                    <a:bodyPr/>
+                    <a:lstStyle/>
+                    <a:p>
+                      <a:endParaRPr lang="en-NL" sz="1200" dirty="0">
+                        <a:solidFill>
+                          <a:schemeClr val="tx1">
+                            <a:lumMod val="75000"/>
+                            <a:lumOff val="25000"/>
+                          </a:schemeClr>
+                        </a:solidFill>
+                      </a:endParaRPr>
+                    </a:p>
+                  </a:txBody>
+                  <a:tcPr>
+                    <a:lnL w="12700" cap="flat" cmpd="sng" algn="ctr">
+                      <a:solidFill>
+                        <a:schemeClr val="bg1"/>
+                      </a:solidFill>
+                      <a:prstDash val="solid"/>
+                      <a:round/>
+                      <a:headEnd type="none" w="med" len="med"/>
+                      <a:tailEnd type="none" w="med" len="med"/>
+                    </a:lnL>
+                    <a:lnR w="12700" cap="flat" cmpd="sng" algn="ctr">
+                      <a:solidFill>
+                        <a:schemeClr val="bg1"/>
+                      </a:solidFill>
+                      <a:prstDash val="solid"/>
+                      <a:round/>
+                      <a:headEnd type="none" w="med" len="med"/>
+                      <a:tailEnd type="none" w="med" len="med"/>
+                    </a:lnR>
+                    <a:lnT w="12700" cap="flat" cmpd="sng" algn="ctr">
+                      <a:solidFill>
+                        <a:schemeClr val="bg1"/>
+                      </a:solidFill>
+                      <a:prstDash val="solid"/>
+                      <a:round/>
+                      <a:headEnd type="none" w="med" len="med"/>
+                      <a:tailEnd type="none" w="med" len="med"/>
+                    </a:lnT>
+                    <a:lnB w="12700" cap="flat" cmpd="sng" algn="ctr">
+                      <a:solidFill>
+                        <a:schemeClr val="bg1"/>
+                      </a:solidFill>
+                      <a:prstDash val="solid"/>
+                      <a:round/>
+                      <a:headEnd type="none" w="med" len="med"/>
+                      <a:tailEnd type="none" w="med" len="med"/>
+                    </a:lnB>
+                    <a:lnTlToBr w="12700" cmpd="sng">
+                      <a:noFill/>
+                      <a:prstDash val="solid"/>
+                    </a:lnTlToBr>
+                    <a:lnBlToTr w="12700" cmpd="sng">
+                      <a:noFill/>
+                      <a:prstDash val="solid"/>
+                    </a:lnBlToTr>
+                    <a:solidFill>
+                      <a:srgbClr val="B6E4F4"/>
+                    </a:solidFill>
+                  </a:tcPr>
+                </a:tc>
+                <a:extLst>
+                  <a:ext uri="{0D108BD9-81ED-4DB2-BD59-A6C34878D82A}">
+                    <a16:rowId xmlns:a16="http://schemas.microsoft.com/office/drawing/2014/main" val="2532389929"/>
+                  </a:ext>
+                </a:extLst>
+              </a:tr>
+              <a:tr h="459467">
+                <a:tc rowSpan="2">
+                  <a:txBody>
+                    <a:bodyPr/>
+                    <a:lstStyle/>
+                    <a:p>
+                      <a:pPr algn="ctr"/>
+                      <a:r>
+                        <a:rPr lang="en-GB" sz="1600" dirty="0">
+                          <a:solidFill>
+                            <a:schemeClr val="bg1"/>
+                          </a:solidFill>
+                        </a:rPr>
+                        <a:t>CONCLUSION</a:t>
+                      </a:r>
+                      <a:endParaRPr lang="en-NL" sz="1600" dirty="0">
+                        <a:solidFill>
+                          <a:schemeClr val="bg1"/>
+                        </a:solidFill>
+                      </a:endParaRPr>
+                    </a:p>
+                  </a:txBody>
+                  <a:tcPr anchor="ctr">
+                    <a:lnL w="12700" cap="flat" cmpd="sng" algn="ctr">
+                      <a:solidFill>
+                        <a:schemeClr val="bg1"/>
+                      </a:solidFill>
+                      <a:prstDash val="solid"/>
+                      <a:round/>
+                      <a:headEnd type="none" w="med" len="med"/>
+                      <a:tailEnd type="none" w="med" len="med"/>
+                    </a:lnL>
+                    <a:lnR w="12700" cap="flat" cmpd="sng" algn="ctr">
+                      <a:solidFill>
+                        <a:schemeClr val="bg1"/>
+                      </a:solidFill>
+                      <a:prstDash val="solid"/>
+                      <a:round/>
+                      <a:headEnd type="none" w="med" len="med"/>
+                      <a:tailEnd type="none" w="med" len="med"/>
+                    </a:lnR>
+                    <a:lnT w="12700" cap="flat" cmpd="sng" algn="ctr">
+                      <a:solidFill>
+                        <a:schemeClr val="bg1"/>
+                      </a:solidFill>
+                      <a:prstDash val="solid"/>
+                      <a:round/>
+                      <a:headEnd type="none" w="med" len="med"/>
+                      <a:tailEnd type="none" w="med" len="med"/>
+                    </a:lnT>
+                    <a:lnB w="12700" cap="flat" cmpd="sng" algn="ctr">
+                      <a:solidFill>
+                        <a:schemeClr val="bg1"/>
+                      </a:solidFill>
+                      <a:prstDash val="solid"/>
+                      <a:round/>
+                      <a:headEnd type="none" w="med" len="med"/>
+                      <a:tailEnd type="none" w="med" len="med"/>
+                    </a:lnB>
+                    <a:lnTlToBr w="12700" cmpd="sng">
+                      <a:noFill/>
+                      <a:prstDash val="solid"/>
+                    </a:lnTlToBr>
+                    <a:lnBlToTr w="12700" cmpd="sng">
+                      <a:noFill/>
+                      <a:prstDash val="solid"/>
+                    </a:lnBlToTr>
+                    <a:solidFill>
+                      <a:srgbClr val="6CC24A"/>
+                    </a:solidFill>
+                  </a:tcPr>
+                </a:tc>
+                <a:tc>
+                  <a:txBody>
+                    <a:bodyPr/>
+                    <a:lstStyle/>
+                    <a:p>
+                      <a:pPr marL="0" marR="0" lvl="0" indent="0" algn="ctr" defTabSz="914400" rtl="0" eaLnBrk="1" fontAlgn="auto" latinLnBrk="0" hangingPunct="1">
+                        <a:lnSpc>
+                          <a:spcPct val="100000"/>
+                        </a:lnSpc>
+                        <a:spcBef>
+                          <a:spcPts val="0"/>
+                        </a:spcBef>
+                        <a:spcAft>
+                          <a:spcPts val="0"/>
+                        </a:spcAft>
+                        <a:buClrTx/>
+                        <a:buSzTx/>
+                        <a:buFontTx/>
+                        <a:buNone/>
+                        <a:tabLst/>
+                        <a:defRPr/>
+                      </a:pPr>
+                      <a:r>
+                        <a:rPr lang="en-GB" sz="1400" kern="1200" dirty="0">
+                          <a:solidFill>
+                            <a:schemeClr val="tx1">
+                              <a:lumMod val="75000"/>
+                              <a:lumOff val="25000"/>
+                            </a:schemeClr>
+                          </a:solidFill>
+                          <a:latin typeface="+mn-lt"/>
+                          <a:ea typeface="+mn-ea"/>
+                          <a:cs typeface="+mn-cs"/>
+                        </a:rPr>
+                        <a:t>Contract and administrative tasks</a:t>
+                      </a:r>
+                    </a:p>
+                  </a:txBody>
+                  <a:tcPr anchor="ctr">
+                    <a:lnL w="12700" cap="flat" cmpd="sng" algn="ctr">
+                      <a:solidFill>
+                        <a:schemeClr val="bg1"/>
+                      </a:solidFill>
+                      <a:prstDash val="solid"/>
+                      <a:round/>
+                      <a:headEnd type="none" w="med" len="med"/>
+                      <a:tailEnd type="none" w="med" len="med"/>
+                    </a:lnL>
+                    <a:lnR w="12700" cap="flat" cmpd="sng" algn="ctr">
+                      <a:solidFill>
+                        <a:schemeClr val="bg1"/>
+                      </a:solidFill>
+                      <a:prstDash val="solid"/>
+                      <a:round/>
+                      <a:headEnd type="none" w="med" len="med"/>
+                      <a:tailEnd type="none" w="med" len="med"/>
+                    </a:lnR>
+                    <a:lnT w="12700" cap="flat" cmpd="sng" algn="ctr">
+                      <a:solidFill>
+                        <a:schemeClr val="bg1"/>
+                      </a:solidFill>
+                      <a:prstDash val="solid"/>
+                      <a:round/>
+                      <a:headEnd type="none" w="med" len="med"/>
+                      <a:tailEnd type="none" w="med" len="med"/>
+                    </a:lnT>
+                    <a:lnB w="12700" cap="flat" cmpd="sng" algn="ctr">
+                      <a:solidFill>
+                        <a:schemeClr val="bg1"/>
+                      </a:solidFill>
+                      <a:prstDash val="solid"/>
+                      <a:round/>
+                      <a:headEnd type="none" w="med" len="med"/>
+                      <a:tailEnd type="none" w="med" len="med"/>
+                    </a:lnB>
+                    <a:lnTlToBr w="12700" cmpd="sng">
+                      <a:noFill/>
+                      <a:prstDash val="solid"/>
+                    </a:lnTlToBr>
+                    <a:lnBlToTr w="12700" cmpd="sng">
+                      <a:noFill/>
+                      <a:prstDash val="solid"/>
+                    </a:lnBlToTr>
+                    <a:solidFill>
+                      <a:srgbClr val="B9E2A8"/>
+                    </a:solidFill>
+                  </a:tcPr>
+                </a:tc>
+                <a:tc>
+                  <a:txBody>
+                    <a:bodyPr/>
+                    <a:lstStyle/>
+                    <a:p>
+                      <a:endParaRPr lang="en-NL" dirty="0"/>
+                    </a:p>
+                  </a:txBody>
+                  <a:tcPr>
+                    <a:lnL w="12700" cap="flat" cmpd="sng" algn="ctr">
+                      <a:solidFill>
+                        <a:schemeClr val="bg1"/>
+                      </a:solidFill>
+                      <a:prstDash val="solid"/>
+                      <a:round/>
+                      <a:headEnd type="none" w="med" len="med"/>
+                      <a:tailEnd type="none" w="med" len="med"/>
+                    </a:lnL>
+                    <a:lnR w="12700" cap="flat" cmpd="sng" algn="ctr">
+                      <a:solidFill>
+                        <a:schemeClr val="bg1"/>
+                      </a:solidFill>
+                      <a:prstDash val="solid"/>
+                      <a:round/>
+                      <a:headEnd type="none" w="med" len="med"/>
+                      <a:tailEnd type="none" w="med" len="med"/>
+                    </a:lnR>
+                    <a:lnT w="12700" cap="flat" cmpd="sng" algn="ctr">
+                      <a:solidFill>
+                        <a:schemeClr val="bg1"/>
+                      </a:solidFill>
+                      <a:prstDash val="solid"/>
+                      <a:round/>
+                      <a:headEnd type="none" w="med" len="med"/>
+                      <a:tailEnd type="none" w="med" len="med"/>
+                    </a:lnT>
+                    <a:lnB w="12700" cap="flat" cmpd="sng" algn="ctr">
+                      <a:solidFill>
+                        <a:schemeClr val="bg1"/>
+                      </a:solidFill>
+                      <a:prstDash val="solid"/>
+                      <a:round/>
+                      <a:headEnd type="none" w="med" len="med"/>
+                      <a:tailEnd type="none" w="med" len="med"/>
+                    </a:lnB>
+                    <a:lnTlToBr w="12700" cmpd="sng">
+                      <a:noFill/>
+                      <a:prstDash val="solid"/>
+                    </a:lnTlToBr>
+                    <a:lnBlToTr w="12700" cmpd="sng">
+                      <a:noFill/>
+                      <a:prstDash val="solid"/>
+                    </a:lnBlToTr>
+                    <a:solidFill>
+                      <a:srgbClr val="B9E2A8"/>
+                    </a:solidFill>
+                  </a:tcPr>
+                </a:tc>
+                <a:tc>
+                  <a:txBody>
+                    <a:bodyPr/>
+                    <a:lstStyle/>
+                    <a:p>
+                      <a:pPr marL="0" marR="0" lvl="0" indent="0" algn="l" defTabSz="914400" rtl="0" eaLnBrk="1" fontAlgn="auto" latinLnBrk="0" hangingPunct="1">
+                        <a:lnSpc>
+                          <a:spcPct val="100000"/>
+                        </a:lnSpc>
+                        <a:spcBef>
+                          <a:spcPts val="0"/>
+                        </a:spcBef>
+                        <a:spcAft>
+                          <a:spcPts val="0"/>
+                        </a:spcAft>
+                        <a:buClrTx/>
+                        <a:buSzTx/>
+                        <a:buFontTx/>
+                        <a:buNone/>
+                        <a:tabLst/>
+                        <a:defRPr/>
+                      </a:pPr>
+                      <a:r>
+                        <a:rPr lang="en-GB" sz="1200" dirty="0">
+                          <a:solidFill>
+                            <a:schemeClr val="tx1">
+                              <a:lumMod val="75000"/>
+                              <a:lumOff val="25000"/>
+                            </a:schemeClr>
+                          </a:solidFill>
+                        </a:rPr>
+                        <a:t>Management assistant arranges onboarding in MyHR</a:t>
+                      </a:r>
+                      <a:endParaRPr lang="en-NL" sz="1200" dirty="0">
+                        <a:solidFill>
+                          <a:schemeClr val="tx1">
+                            <a:lumMod val="75000"/>
+                            <a:lumOff val="25000"/>
+                          </a:schemeClr>
+                        </a:solidFill>
+                      </a:endParaRPr>
+                    </a:p>
+                  </a:txBody>
+                  <a:tcPr>
+                    <a:lnL w="12700" cap="flat" cmpd="sng" algn="ctr">
+                      <a:solidFill>
+                        <a:schemeClr val="bg1"/>
+                      </a:solidFill>
+                      <a:prstDash val="solid"/>
+                      <a:round/>
+                      <a:headEnd type="none" w="med" len="med"/>
+                      <a:tailEnd type="none" w="med" len="med"/>
+                    </a:lnL>
+                    <a:lnR w="12700" cap="flat" cmpd="sng" algn="ctr">
+                      <a:solidFill>
+                        <a:schemeClr val="bg1"/>
+                      </a:solidFill>
+                      <a:prstDash val="solid"/>
+                      <a:round/>
+                      <a:headEnd type="none" w="med" len="med"/>
+                      <a:tailEnd type="none" w="med" len="med"/>
+                    </a:lnR>
+                    <a:lnT w="12700" cap="flat" cmpd="sng" algn="ctr">
+                      <a:solidFill>
+                        <a:schemeClr val="bg1"/>
+                      </a:solidFill>
+                      <a:prstDash val="solid"/>
+                      <a:round/>
+                      <a:headEnd type="none" w="med" len="med"/>
+                      <a:tailEnd type="none" w="med" len="med"/>
+                    </a:lnT>
+                    <a:lnB w="12700" cap="flat" cmpd="sng" algn="ctr">
+                      <a:solidFill>
+                        <a:schemeClr val="bg1"/>
+                      </a:solidFill>
+                      <a:prstDash val="solid"/>
+                      <a:round/>
+                      <a:headEnd type="none" w="med" len="med"/>
+                      <a:tailEnd type="none" w="med" len="med"/>
+                    </a:lnB>
+                    <a:lnTlToBr w="12700" cmpd="sng">
+                      <a:noFill/>
+                      <a:prstDash val="solid"/>
+                    </a:lnTlToBr>
+                    <a:lnBlToTr w="12700" cmpd="sng">
+                      <a:noFill/>
+                      <a:prstDash val="solid"/>
+                    </a:lnBlToTr>
+                    <a:solidFill>
+                      <a:srgbClr val="B9E2A8"/>
+                    </a:solidFill>
+                  </a:tcPr>
+                </a:tc>
+                <a:tc>
+                  <a:txBody>
+                    <a:bodyPr/>
+                    <a:lstStyle/>
+                    <a:p>
+                      <a:endParaRPr lang="en-NL" sz="1200" dirty="0">
+                        <a:solidFill>
+                          <a:schemeClr val="tx1">
+                            <a:lumMod val="75000"/>
+                            <a:lumOff val="25000"/>
+                          </a:schemeClr>
+                        </a:solidFill>
+                      </a:endParaRPr>
+                    </a:p>
+                  </a:txBody>
+                  <a:tcPr>
+                    <a:lnL w="12700" cap="flat" cmpd="sng" algn="ctr">
+                      <a:solidFill>
+                        <a:schemeClr val="bg1"/>
+                      </a:solidFill>
+                      <a:prstDash val="solid"/>
+                      <a:round/>
+                      <a:headEnd type="none" w="med" len="med"/>
+                      <a:tailEnd type="none" w="med" len="med"/>
+                    </a:lnL>
+                    <a:lnR w="12700" cap="flat" cmpd="sng" algn="ctr">
+                      <a:solidFill>
+                        <a:schemeClr val="bg1"/>
+                      </a:solidFill>
+                      <a:prstDash val="solid"/>
+                      <a:round/>
+                      <a:headEnd type="none" w="med" len="med"/>
+                      <a:tailEnd type="none" w="med" len="med"/>
+                    </a:lnR>
+                    <a:lnT w="12700" cap="flat" cmpd="sng" algn="ctr">
+                      <a:solidFill>
+                        <a:schemeClr val="bg1"/>
+                      </a:solidFill>
+                      <a:prstDash val="solid"/>
+                      <a:round/>
+                      <a:headEnd type="none" w="med" len="med"/>
+                      <a:tailEnd type="none" w="med" len="med"/>
+                    </a:lnT>
+                    <a:lnB w="12700" cap="flat" cmpd="sng" algn="ctr">
+                      <a:solidFill>
+                        <a:schemeClr val="bg1"/>
+                      </a:solidFill>
+                      <a:prstDash val="solid"/>
+                      <a:round/>
+                      <a:headEnd type="none" w="med" len="med"/>
+                      <a:tailEnd type="none" w="med" len="med"/>
+                    </a:lnB>
+                    <a:lnTlToBr w="12700" cmpd="sng">
+                      <a:noFill/>
+                      <a:prstDash val="solid"/>
+                    </a:lnTlToBr>
+                    <a:lnBlToTr w="12700" cmpd="sng">
+                      <a:noFill/>
+                      <a:prstDash val="solid"/>
+                    </a:lnBlToTr>
+                    <a:solidFill>
+                      <a:srgbClr val="B9E2A8"/>
+                    </a:solidFill>
+                  </a:tcPr>
+                </a:tc>
+                <a:extLst>
+                  <a:ext uri="{0D108BD9-81ED-4DB2-BD59-A6C34878D82A}">
+                    <a16:rowId xmlns:a16="http://schemas.microsoft.com/office/drawing/2014/main" val="3334252031"/>
+                  </a:ext>
+                </a:extLst>
+              </a:tr>
+              <a:tr h="459467">
+                <a:tc vMerge="1">
+                  <a:txBody>
+                    <a:bodyPr/>
+                    <a:lstStyle/>
+                    <a:p>
+                      <a:pPr algn="ctr"/>
+                      <a:endParaRPr lang="en-NL" sz="1600" dirty="0">
+                        <a:solidFill>
+                          <a:schemeClr val="bg1"/>
+                        </a:solidFill>
+                      </a:endParaRPr>
+                    </a:p>
+                  </a:txBody>
+                  <a:tcPr anchor="ctr">
+                    <a:lnL w="12700" cap="flat" cmpd="sng" algn="ctr">
+                      <a:solidFill>
+                        <a:schemeClr val="bg1"/>
+                      </a:solidFill>
+                      <a:prstDash val="solid"/>
+                      <a:round/>
+                      <a:headEnd type="none" w="med" len="med"/>
+                      <a:tailEnd type="none" w="med" len="med"/>
+                    </a:lnL>
+                    <a:lnR w="12700" cap="flat" cmpd="sng" algn="ctr">
+                      <a:solidFill>
+                        <a:schemeClr val="bg1"/>
+                      </a:solidFill>
+                      <a:prstDash val="solid"/>
+                      <a:round/>
+                      <a:headEnd type="none" w="med" len="med"/>
+                      <a:tailEnd type="none" w="med" len="med"/>
+                    </a:lnR>
+                    <a:lnT w="12700" cap="flat" cmpd="sng" algn="ctr">
+                      <a:solidFill>
+                        <a:schemeClr val="bg1"/>
+                      </a:solidFill>
+                      <a:prstDash val="solid"/>
+                      <a:round/>
+                      <a:headEnd type="none" w="med" len="med"/>
+                      <a:tailEnd type="none" w="med" len="med"/>
+                    </a:lnT>
+                    <a:lnB w="12700" cap="flat" cmpd="sng" algn="ctr">
+                      <a:solidFill>
+                        <a:schemeClr val="bg1"/>
+                      </a:solidFill>
+                      <a:prstDash val="solid"/>
+                      <a:round/>
+                      <a:headEnd type="none" w="med" len="med"/>
+                      <a:tailEnd type="none" w="med" len="med"/>
+                    </a:lnB>
+                    <a:lnTlToBr w="12700" cmpd="sng">
+                      <a:noFill/>
+                      <a:prstDash val="solid"/>
+                    </a:lnTlToBr>
+                    <a:lnBlToTr w="12700" cmpd="sng">
+                      <a:noFill/>
+                      <a:prstDash val="solid"/>
+                    </a:lnBlToTr>
+                    <a:solidFill>
+                      <a:srgbClr val="00B8C8"/>
+                    </a:solidFill>
+                  </a:tcPr>
+                </a:tc>
+                <a:tc>
+                  <a:txBody>
+                    <a:bodyPr/>
+                    <a:lstStyle/>
+                    <a:p>
+                      <a:pPr marL="0" marR="0" lvl="0" indent="0" algn="ctr" defTabSz="914400" rtl="0" eaLnBrk="1" fontAlgn="auto" latinLnBrk="0" hangingPunct="1">
+                        <a:lnSpc>
+                          <a:spcPct val="100000"/>
+                        </a:lnSpc>
+                        <a:spcBef>
+                          <a:spcPts val="0"/>
+                        </a:spcBef>
+                        <a:spcAft>
+                          <a:spcPts val="0"/>
+                        </a:spcAft>
+                        <a:buClrTx/>
+                        <a:buSzTx/>
+                        <a:buFontTx/>
+                        <a:buNone/>
+                        <a:tabLst/>
+                        <a:defRPr/>
+                      </a:pPr>
+                      <a:r>
+                        <a:rPr lang="en-GB" sz="1400" kern="1200" dirty="0">
+                          <a:solidFill>
+                            <a:schemeClr val="tx1">
+                              <a:lumMod val="75000"/>
+                              <a:lumOff val="25000"/>
+                            </a:schemeClr>
+                          </a:solidFill>
+                          <a:latin typeface="+mn-lt"/>
+                          <a:ea typeface="+mn-ea"/>
+                          <a:cs typeface="+mn-cs"/>
+                        </a:rPr>
+                        <a:t>Prepare for first workday</a:t>
+                      </a:r>
+                    </a:p>
+                  </a:txBody>
+                  <a:tcPr anchor="ctr">
+                    <a:lnL w="12700" cap="flat" cmpd="sng" algn="ctr">
+                      <a:solidFill>
+                        <a:schemeClr val="bg1"/>
+                      </a:solidFill>
+                      <a:prstDash val="solid"/>
+                      <a:round/>
+                      <a:headEnd type="none" w="med" len="med"/>
+                      <a:tailEnd type="none" w="med" len="med"/>
+                    </a:lnL>
+                    <a:lnR w="12700" cap="flat" cmpd="sng" algn="ctr">
+                      <a:solidFill>
+                        <a:schemeClr val="bg1"/>
+                      </a:solidFill>
+                      <a:prstDash val="solid"/>
+                      <a:round/>
+                      <a:headEnd type="none" w="med" len="med"/>
+                      <a:tailEnd type="none" w="med" len="med"/>
+                    </a:lnR>
+                    <a:lnT w="12700" cap="flat" cmpd="sng" algn="ctr">
+                      <a:solidFill>
+                        <a:schemeClr val="bg1"/>
+                      </a:solidFill>
+                      <a:prstDash val="solid"/>
+                      <a:round/>
+                      <a:headEnd type="none" w="med" len="med"/>
+                      <a:tailEnd type="none" w="med" len="med"/>
+                    </a:lnT>
+                    <a:lnB w="12700" cap="flat" cmpd="sng" algn="ctr">
+                      <a:solidFill>
+                        <a:schemeClr val="bg1"/>
+                      </a:solidFill>
+                      <a:prstDash val="solid"/>
+                      <a:round/>
+                      <a:headEnd type="none" w="med" len="med"/>
+                      <a:tailEnd type="none" w="med" len="med"/>
+                    </a:lnB>
+                    <a:lnTlToBr w="12700" cmpd="sng">
+                      <a:noFill/>
+                      <a:prstDash val="solid"/>
+                    </a:lnTlToBr>
+                    <a:lnBlToTr w="12700" cmpd="sng">
+                      <a:noFill/>
+                      <a:prstDash val="solid"/>
+                    </a:lnBlToTr>
+                    <a:solidFill>
+                      <a:srgbClr val="B9E2A8"/>
+                    </a:solidFill>
+                  </a:tcPr>
+                </a:tc>
+                <a:tc>
+                  <a:txBody>
+                    <a:bodyPr/>
+                    <a:lstStyle/>
+                    <a:p>
+                      <a:endParaRPr lang="en-NL" dirty="0"/>
+                    </a:p>
+                  </a:txBody>
+                  <a:tcPr>
+                    <a:lnL w="12700" cap="flat" cmpd="sng" algn="ctr">
+                      <a:solidFill>
+                        <a:schemeClr val="bg1"/>
+                      </a:solidFill>
+                      <a:prstDash val="solid"/>
+                      <a:round/>
+                      <a:headEnd type="none" w="med" len="med"/>
+                      <a:tailEnd type="none" w="med" len="med"/>
+                    </a:lnL>
+                    <a:lnR w="12700" cap="flat" cmpd="sng" algn="ctr">
+                      <a:solidFill>
+                        <a:schemeClr val="bg1"/>
+                      </a:solidFill>
+                      <a:prstDash val="solid"/>
+                      <a:round/>
+                      <a:headEnd type="none" w="med" len="med"/>
+                      <a:tailEnd type="none" w="med" len="med"/>
+                    </a:lnR>
+                    <a:lnT w="12700" cap="flat" cmpd="sng" algn="ctr">
+                      <a:solidFill>
+                        <a:schemeClr val="bg1"/>
+                      </a:solidFill>
+                      <a:prstDash val="solid"/>
+                      <a:round/>
+                      <a:headEnd type="none" w="med" len="med"/>
+                      <a:tailEnd type="none" w="med" len="med"/>
+                    </a:lnT>
+                    <a:lnB w="12700" cap="flat" cmpd="sng" algn="ctr">
+                      <a:solidFill>
+                        <a:schemeClr val="bg1"/>
+                      </a:solidFill>
+                      <a:prstDash val="solid"/>
+                      <a:round/>
+                      <a:headEnd type="none" w="med" len="med"/>
+                      <a:tailEnd type="none" w="med" len="med"/>
+                    </a:lnB>
+                    <a:lnTlToBr w="12700" cmpd="sng">
+                      <a:noFill/>
+                      <a:prstDash val="solid"/>
+                    </a:lnTlToBr>
+                    <a:lnBlToTr w="12700" cmpd="sng">
+                      <a:noFill/>
+                      <a:prstDash val="solid"/>
+                    </a:lnBlToTr>
+                    <a:solidFill>
+                      <a:srgbClr val="B9E2A8"/>
+                    </a:solidFill>
+                  </a:tcPr>
+                </a:tc>
+                <a:tc>
+                  <a:txBody>
+                    <a:bodyPr/>
+                    <a:lstStyle/>
+                    <a:p>
+                      <a:pPr marL="0" marR="0" lvl="0" indent="0" algn="l" defTabSz="914400" rtl="0" eaLnBrk="1" fontAlgn="auto" latinLnBrk="0" hangingPunct="1">
+                        <a:lnSpc>
+                          <a:spcPct val="100000"/>
+                        </a:lnSpc>
+                        <a:spcBef>
+                          <a:spcPts val="0"/>
+                        </a:spcBef>
+                        <a:spcAft>
+                          <a:spcPts val="0"/>
+                        </a:spcAft>
+                        <a:buClrTx/>
+                        <a:buSzTx/>
+                        <a:buFontTx/>
+                        <a:buNone/>
+                        <a:tabLst/>
+                        <a:defRPr/>
+                      </a:pPr>
+                      <a:r>
+                        <a:rPr lang="en-GB" sz="1200" dirty="0">
+                          <a:solidFill>
+                            <a:schemeClr val="tx1">
+                              <a:lumMod val="75000"/>
+                              <a:lumOff val="25000"/>
+                            </a:schemeClr>
+                          </a:solidFill>
+                        </a:rPr>
+                        <a:t>See checklist first workday</a:t>
+                      </a:r>
+                      <a:r>
+                        <a:rPr lang="en-GB" sz="1200" baseline="30000" dirty="0">
+                          <a:solidFill>
+                            <a:schemeClr val="tx1">
+                              <a:lumMod val="75000"/>
+                              <a:lumOff val="25000"/>
+                            </a:schemeClr>
+                          </a:solidFill>
+                        </a:rPr>
+                        <a:t>4</a:t>
+                      </a:r>
+                      <a:endParaRPr lang="en-NL" sz="1200" dirty="0">
+                        <a:solidFill>
+                          <a:schemeClr val="tx1">
+                            <a:lumMod val="75000"/>
+                            <a:lumOff val="25000"/>
+                          </a:schemeClr>
+                        </a:solidFill>
+                      </a:endParaRPr>
+                    </a:p>
+                  </a:txBody>
+                  <a:tcPr>
+                    <a:lnL w="12700" cap="flat" cmpd="sng" algn="ctr">
+                      <a:solidFill>
+                        <a:schemeClr val="bg1"/>
+                      </a:solidFill>
+                      <a:prstDash val="solid"/>
+                      <a:round/>
+                      <a:headEnd type="none" w="med" len="med"/>
+                      <a:tailEnd type="none" w="med" len="med"/>
+                    </a:lnL>
+                    <a:lnR w="12700" cap="flat" cmpd="sng" algn="ctr">
+                      <a:solidFill>
+                        <a:schemeClr val="bg1"/>
+                      </a:solidFill>
+                      <a:prstDash val="solid"/>
+                      <a:round/>
+                      <a:headEnd type="none" w="med" len="med"/>
+                      <a:tailEnd type="none" w="med" len="med"/>
+                    </a:lnR>
+                    <a:lnT w="12700" cap="flat" cmpd="sng" algn="ctr">
+                      <a:solidFill>
+                        <a:schemeClr val="bg1"/>
+                      </a:solidFill>
+                      <a:prstDash val="solid"/>
+                      <a:round/>
+                      <a:headEnd type="none" w="med" len="med"/>
+                      <a:tailEnd type="none" w="med" len="med"/>
+                    </a:lnT>
+                    <a:lnB w="12700" cap="flat" cmpd="sng" algn="ctr">
+                      <a:solidFill>
+                        <a:schemeClr val="bg1"/>
+                      </a:solidFill>
+                      <a:prstDash val="solid"/>
+                      <a:round/>
+                      <a:headEnd type="none" w="med" len="med"/>
+                      <a:tailEnd type="none" w="med" len="med"/>
+                    </a:lnB>
+                    <a:lnTlToBr w="12700" cmpd="sng">
+                      <a:noFill/>
+                      <a:prstDash val="solid"/>
+                    </a:lnTlToBr>
+                    <a:lnBlToTr w="12700" cmpd="sng">
+                      <a:noFill/>
+                      <a:prstDash val="solid"/>
+                    </a:lnBlToTr>
+                    <a:solidFill>
+                      <a:srgbClr val="B9E2A8"/>
+                    </a:solidFill>
+                  </a:tcPr>
+                </a:tc>
+                <a:tc>
+                  <a:txBody>
+                    <a:bodyPr/>
+                    <a:lstStyle/>
+                    <a:p>
+                      <a:endParaRPr lang="en-NL" sz="1200" dirty="0">
+                        <a:solidFill>
+                          <a:schemeClr val="tx1">
+                            <a:lumMod val="75000"/>
+                            <a:lumOff val="25000"/>
+                          </a:schemeClr>
+                        </a:solidFill>
+                      </a:endParaRPr>
+                    </a:p>
+                  </a:txBody>
+                  <a:tcPr>
+                    <a:lnL w="12700" cap="flat" cmpd="sng" algn="ctr">
+                      <a:solidFill>
+                        <a:schemeClr val="bg1"/>
+                      </a:solidFill>
+                      <a:prstDash val="solid"/>
+                      <a:round/>
+                      <a:headEnd type="none" w="med" len="med"/>
+                      <a:tailEnd type="none" w="med" len="med"/>
+                    </a:lnL>
+                    <a:lnR w="12700" cap="flat" cmpd="sng" algn="ctr">
+                      <a:solidFill>
+                        <a:schemeClr val="bg1"/>
+                      </a:solidFill>
+                      <a:prstDash val="solid"/>
+                      <a:round/>
+                      <a:headEnd type="none" w="med" len="med"/>
+                      <a:tailEnd type="none" w="med" len="med"/>
+                    </a:lnR>
+                    <a:lnT w="12700" cap="flat" cmpd="sng" algn="ctr">
+                      <a:solidFill>
+                        <a:schemeClr val="bg1"/>
+                      </a:solidFill>
+                      <a:prstDash val="solid"/>
+                      <a:round/>
+                      <a:headEnd type="none" w="med" len="med"/>
+                      <a:tailEnd type="none" w="med" len="med"/>
+                    </a:lnT>
+                    <a:lnB w="12700" cap="flat" cmpd="sng" algn="ctr">
+                      <a:solidFill>
+                        <a:schemeClr val="bg1"/>
+                      </a:solidFill>
+                      <a:prstDash val="solid"/>
+                      <a:round/>
+                      <a:headEnd type="none" w="med" len="med"/>
+                      <a:tailEnd type="none" w="med" len="med"/>
+                    </a:lnB>
+                    <a:lnTlToBr w="12700" cmpd="sng">
+                      <a:noFill/>
+                      <a:prstDash val="solid"/>
+                    </a:lnTlToBr>
+                    <a:lnBlToTr w="12700" cmpd="sng">
+                      <a:noFill/>
+                      <a:prstDash val="solid"/>
+                    </a:lnBlToTr>
+                    <a:solidFill>
+                      <a:srgbClr val="B9E2A8"/>
+                    </a:solidFill>
+                  </a:tcPr>
+                </a:tc>
+                <a:extLst>
+                  <a:ext uri="{0D108BD9-81ED-4DB2-BD59-A6C34878D82A}">
+                    <a16:rowId xmlns:a16="http://schemas.microsoft.com/office/drawing/2014/main" val="1592086332"/>
+                  </a:ext>
+                </a:extLst>
+              </a:tr>
+            </a:tbl>
+          </a:graphicData>
+        </a:graphic>
+      </p:graphicFrame>
+      <p:pic>
+        <p:nvPicPr>
+          <p:cNvPr id="19" name="Picture 6" descr="Stockvector User icon in flat style, Person icon, User icon for web site,  User icon vector illustration | Adobe Stock">
+            <a:extLst>
+              <a:ext uri="{FF2B5EF4-FFF2-40B4-BE49-F238E27FC236}">
+                <a16:creationId xmlns:a16="http://schemas.microsoft.com/office/drawing/2014/main" id="{16425A31-6B7A-9AFF-54EB-888539B38476}"/>
+              </a:ext>
+            </a:extLst>
+          </p:cNvPr>
+          <p:cNvPicPr>
+            <a:picLocks noChangeAspect="1" noChangeArrowheads="1"/>
+          </p:cNvPicPr>
+          <p:nvPr/>
+        </p:nvPicPr>
+        <p:blipFill>
+          <a:blip r:embed="rId2">
+            <a:extLst>
+              <a:ext uri="{BEBA8EAE-BF5A-486C-A8C5-ECC9F3942E4B}">
+                <a14:imgProps xmlns:a14="http://schemas.microsoft.com/office/drawing/2010/main">
+                  <a14:imgLayer r:embed="rId3">
+                    <a14:imgEffect>
+                      <a14:backgroundRemoval t="10000" b="90000" l="10000" r="90000">
+                        <a14:foregroundMark x1="49800" y1="37300" x2="49800" y2="37300"/>
+                      </a14:backgroundRemoval>
+                    </a14:imgEffect>
+                  </a14:imgLayer>
+                </a14:imgProps>
+              </a:ext>
+              <a:ext uri="{28A0092B-C50C-407E-A947-70E740481C1C}">
+                <a14:useLocalDpi xmlns:a14="http://schemas.microsoft.com/office/drawing/2010/main" val="0"/>
+              </a:ext>
+            </a:extLst>
+          </a:blip>
+          <a:srcRect/>
+          <a:stretch>
+            <a:fillRect/>
+          </a:stretch>
+        </p:blipFill>
+        <p:spPr bwMode="auto">
+          <a:xfrm>
+            <a:off x="239208" y="6339652"/>
+            <a:ext cx="557178" cy="557178"/>
+          </a:xfrm>
+          <a:prstGeom prst="rect">
+            <a:avLst/>
+          </a:prstGeom>
+          <a:noFill/>
+          <a:extLst>
+            <a:ext uri="{909E8E84-426E-40DD-AFC4-6F175D3DCCD1}">
+              <a14:hiddenFill xmlns:a14="http://schemas.microsoft.com/office/drawing/2010/main">
+                <a:solidFill>
+                  <a:srgbClr val="FFFFFF"/>
+                </a:solidFill>
+              </a14:hiddenFill>
+            </a:ext>
+          </a:extLst>
+        </p:spPr>
+      </p:pic>
+      <p:pic>
+        <p:nvPicPr>
+          <p:cNvPr id="20" name="Picture 6" descr="Stockvector User icon in flat style, Person icon, User icon for web site,  User icon vector illustration | Adobe Stock">
+            <a:extLst>
+              <a:ext uri="{FF2B5EF4-FFF2-40B4-BE49-F238E27FC236}">
+                <a16:creationId xmlns:a16="http://schemas.microsoft.com/office/drawing/2014/main" id="{E415DACE-1869-CD9B-ED0E-57E78A188046}"/>
+              </a:ext>
+            </a:extLst>
+          </p:cNvPr>
+          <p:cNvPicPr>
+            <a:picLocks noChangeAspect="1" noChangeArrowheads="1"/>
+          </p:cNvPicPr>
+          <p:nvPr/>
+        </p:nvPicPr>
+        <p:blipFill>
+          <a:blip r:embed="rId2">
+            <a:duotone>
+              <a:schemeClr val="accent2">
+                <a:shade val="45000"/>
+                <a:satMod val="135000"/>
+              </a:schemeClr>
+              <a:prstClr val="white"/>
+            </a:duotone>
+            <a:extLst>
+              <a:ext uri="{BEBA8EAE-BF5A-486C-A8C5-ECC9F3942E4B}">
+                <a14:imgProps xmlns:a14="http://schemas.microsoft.com/office/drawing/2010/main">
+                  <a14:imgLayer r:embed="rId3">
+                    <a14:imgEffect>
+                      <a14:backgroundRemoval t="10000" b="90000" l="10000" r="90000">
+                        <a14:foregroundMark x1="49800" y1="37300" x2="49800" y2="37300"/>
+                      </a14:backgroundRemoval>
+                    </a14:imgEffect>
+                  </a14:imgLayer>
+                </a14:imgProps>
+              </a:ext>
+              <a:ext uri="{28A0092B-C50C-407E-A947-70E740481C1C}">
+                <a14:useLocalDpi xmlns:a14="http://schemas.microsoft.com/office/drawing/2010/main" val="0"/>
+              </a:ext>
+            </a:extLst>
+          </a:blip>
+          <a:srcRect/>
+          <a:stretch>
+            <a:fillRect/>
+          </a:stretch>
+        </p:blipFill>
+        <p:spPr bwMode="auto">
+          <a:xfrm>
+            <a:off x="2063635" y="6338972"/>
+            <a:ext cx="557178" cy="557178"/>
+          </a:xfrm>
+          <a:prstGeom prst="rect">
+            <a:avLst/>
+          </a:prstGeom>
+          <a:noFill/>
+          <a:extLst>
+            <a:ext uri="{909E8E84-426E-40DD-AFC4-6F175D3DCCD1}">
+              <a14:hiddenFill xmlns:a14="http://schemas.microsoft.com/office/drawing/2010/main">
+                <a:solidFill>
+                  <a:srgbClr val="FFFFFF"/>
+                </a:solidFill>
+              </a14:hiddenFill>
+            </a:ext>
+          </a:extLst>
+        </p:spPr>
+      </p:pic>
+      <p:pic>
+        <p:nvPicPr>
+          <p:cNvPr id="21" name="Picture 6" descr="Stockvector User icon in flat style, Person icon, User icon for web site,  User icon vector illustration | Adobe Stock">
+            <a:extLst>
+              <a:ext uri="{FF2B5EF4-FFF2-40B4-BE49-F238E27FC236}">
+                <a16:creationId xmlns:a16="http://schemas.microsoft.com/office/drawing/2014/main" id="{90C93CE9-A05D-3D64-EED9-98E80EBE654F}"/>
+              </a:ext>
+            </a:extLst>
+          </p:cNvPr>
+          <p:cNvPicPr>
+            <a:picLocks noChangeAspect="1" noChangeArrowheads="1"/>
+          </p:cNvPicPr>
+          <p:nvPr/>
+        </p:nvPicPr>
+        <p:blipFill>
+          <a:blip r:embed="rId2">
+            <a:duotone>
+              <a:schemeClr val="accent6">
+                <a:shade val="45000"/>
+                <a:satMod val="135000"/>
+              </a:schemeClr>
+              <a:prstClr val="white"/>
+            </a:duotone>
+            <a:extLst>
+              <a:ext uri="{BEBA8EAE-BF5A-486C-A8C5-ECC9F3942E4B}">
+                <a14:imgProps xmlns:a14="http://schemas.microsoft.com/office/drawing/2010/main">
+                  <a14:imgLayer r:embed="rId3">
+                    <a14:imgEffect>
+                      <a14:backgroundRemoval t="10000" b="90000" l="10000" r="90000">
+                        <a14:foregroundMark x1="49800" y1="37300" x2="49800" y2="37300"/>
+                      </a14:backgroundRemoval>
+                    </a14:imgEffect>
+                  </a14:imgLayer>
+                </a14:imgProps>
+              </a:ext>
+              <a:ext uri="{28A0092B-C50C-407E-A947-70E740481C1C}">
+                <a14:useLocalDpi xmlns:a14="http://schemas.microsoft.com/office/drawing/2010/main" val="0"/>
+              </a:ext>
+            </a:extLst>
+          </a:blip>
+          <a:srcRect/>
+          <a:stretch>
+            <a:fillRect/>
+          </a:stretch>
+        </p:blipFill>
+        <p:spPr bwMode="auto">
+          <a:xfrm>
+            <a:off x="5810446" y="6352274"/>
+            <a:ext cx="557178" cy="557178"/>
+          </a:xfrm>
+          <a:prstGeom prst="rect">
+            <a:avLst/>
+          </a:prstGeom>
+          <a:noFill/>
+          <a:extLst>
+            <a:ext uri="{909E8E84-426E-40DD-AFC4-6F175D3DCCD1}">
+              <a14:hiddenFill xmlns:a14="http://schemas.microsoft.com/office/drawing/2010/main">
+                <a:solidFill>
+                  <a:srgbClr val="FFFFFF"/>
+                </a:solidFill>
+              </a14:hiddenFill>
+            </a:ext>
+          </a:extLst>
+        </p:spPr>
+      </p:pic>
+      <p:pic>
+        <p:nvPicPr>
+          <p:cNvPr id="22" name="Picture 6" descr="Stockvector User icon in flat style, Person icon, User icon for web site,  User icon vector illustration | Adobe Stock">
+            <a:extLst>
+              <a:ext uri="{FF2B5EF4-FFF2-40B4-BE49-F238E27FC236}">
+                <a16:creationId xmlns:a16="http://schemas.microsoft.com/office/drawing/2014/main" id="{97F3DFBC-27D9-C5E4-868C-5E5852756A55}"/>
+              </a:ext>
+            </a:extLst>
+          </p:cNvPr>
+          <p:cNvPicPr>
+            <a:picLocks noChangeAspect="1" noChangeArrowheads="1"/>
+          </p:cNvPicPr>
+          <p:nvPr/>
+        </p:nvPicPr>
+        <p:blipFill>
+          <a:blip r:embed="rId2">
+            <a:duotone>
+              <a:schemeClr val="accent3">
+                <a:shade val="45000"/>
+                <a:satMod val="135000"/>
+              </a:schemeClr>
+              <a:prstClr val="white"/>
+            </a:duotone>
+            <a:extLst>
+              <a:ext uri="{BEBA8EAE-BF5A-486C-A8C5-ECC9F3942E4B}">
+                <a14:imgProps xmlns:a14="http://schemas.microsoft.com/office/drawing/2010/main">
+                  <a14:imgLayer r:embed="rId3">
+                    <a14:imgEffect>
+                      <a14:backgroundRemoval t="10000" b="90000" l="10000" r="90000">
+                        <a14:foregroundMark x1="49800" y1="37300" x2="49800" y2="37300"/>
+                      </a14:backgroundRemoval>
+                    </a14:imgEffect>
+                  </a14:imgLayer>
+                </a14:imgProps>
+              </a:ext>
+              <a:ext uri="{28A0092B-C50C-407E-A947-70E740481C1C}">
+                <a14:useLocalDpi xmlns:a14="http://schemas.microsoft.com/office/drawing/2010/main" val="0"/>
+              </a:ext>
+            </a:extLst>
+          </a:blip>
+          <a:srcRect/>
+          <a:stretch>
+            <a:fillRect/>
+          </a:stretch>
+        </p:blipFill>
+        <p:spPr bwMode="auto">
+          <a:xfrm>
+            <a:off x="8056205" y="6355235"/>
+            <a:ext cx="557178" cy="557178"/>
+          </a:xfrm>
+          <a:prstGeom prst="rect">
+            <a:avLst/>
+          </a:prstGeom>
+          <a:noFill/>
+          <a:extLst>
+            <a:ext uri="{909E8E84-426E-40DD-AFC4-6F175D3DCCD1}">
+              <a14:hiddenFill xmlns:a14="http://schemas.microsoft.com/office/drawing/2010/main">
+                <a:solidFill>
+                  <a:srgbClr val="FFFFFF"/>
+                </a:solidFill>
+              </a14:hiddenFill>
+            </a:ext>
+          </a:extLst>
+        </p:spPr>
+      </p:pic>
+      <p:pic>
+        <p:nvPicPr>
+          <p:cNvPr id="23" name="Picture 6" descr="Stockvector User icon in flat style, Person icon, User icon for web site,  User icon vector illustration | Adobe Stock">
+            <a:extLst>
+              <a:ext uri="{FF2B5EF4-FFF2-40B4-BE49-F238E27FC236}">
+                <a16:creationId xmlns:a16="http://schemas.microsoft.com/office/drawing/2014/main" id="{79819B85-BC67-1D6B-13EF-0799F5CECABE}"/>
+              </a:ext>
+            </a:extLst>
+          </p:cNvPr>
+          <p:cNvPicPr>
+            <a:picLocks noChangeAspect="1" noChangeArrowheads="1"/>
+          </p:cNvPicPr>
+          <p:nvPr/>
+        </p:nvPicPr>
+        <p:blipFill>
+          <a:blip r:embed="rId2">
+            <a:duotone>
+              <a:schemeClr val="accent5">
+                <a:shade val="45000"/>
+                <a:satMod val="135000"/>
+              </a:schemeClr>
+              <a:prstClr val="white"/>
+            </a:duotone>
+            <a:extLst>
+              <a:ext uri="{BEBA8EAE-BF5A-486C-A8C5-ECC9F3942E4B}">
+                <a14:imgProps xmlns:a14="http://schemas.microsoft.com/office/drawing/2010/main">
+                  <a14:imgLayer r:embed="rId3">
+                    <a14:imgEffect>
+                      <a14:backgroundRemoval t="10000" b="90000" l="10000" r="90000">
+                        <a14:foregroundMark x1="49800" y1="37300" x2="49800" y2="37300"/>
+                      </a14:backgroundRemoval>
+                    </a14:imgEffect>
+                  </a14:imgLayer>
+                </a14:imgProps>
+              </a:ext>
+              <a:ext uri="{28A0092B-C50C-407E-A947-70E740481C1C}">
+                <a14:useLocalDpi xmlns:a14="http://schemas.microsoft.com/office/drawing/2010/main" val="0"/>
+              </a:ext>
+            </a:extLst>
+          </a:blip>
+          <a:srcRect/>
+          <a:stretch>
+            <a:fillRect/>
+          </a:stretch>
+        </p:blipFill>
+        <p:spPr bwMode="auto">
+          <a:xfrm>
+            <a:off x="9527201" y="6354426"/>
+            <a:ext cx="557178" cy="557178"/>
+          </a:xfrm>
+          <a:prstGeom prst="rect">
+            <a:avLst/>
+          </a:prstGeom>
+          <a:noFill/>
+          <a:extLst>
+            <a:ext uri="{909E8E84-426E-40DD-AFC4-6F175D3DCCD1}">
+              <a14:hiddenFill xmlns:a14="http://schemas.microsoft.com/office/drawing/2010/main">
+                <a:solidFill>
+                  <a:srgbClr val="FFFFFF"/>
+                </a:solidFill>
+              </a14:hiddenFill>
+            </a:ext>
+          </a:extLst>
+        </p:spPr>
+      </p:pic>
+      <p:pic>
+        <p:nvPicPr>
+          <p:cNvPr id="25" name="Picture 6" descr="Stockvector User icon in flat style, Person icon, User icon for web site,  User icon vector illustration | Adobe Stock">
+            <a:extLst>
+              <a:ext uri="{FF2B5EF4-FFF2-40B4-BE49-F238E27FC236}">
+                <a16:creationId xmlns:a16="http://schemas.microsoft.com/office/drawing/2014/main" id="{0CA4181D-066F-62AE-47F7-3D6587CAB65B}"/>
+              </a:ext>
+            </a:extLst>
+          </p:cNvPr>
+          <p:cNvPicPr>
+            <a:picLocks noChangeAspect="1" noChangeArrowheads="1"/>
+          </p:cNvPicPr>
+          <p:nvPr/>
+        </p:nvPicPr>
+        <p:blipFill>
+          <a:blip r:embed="rId2">
+            <a:duotone>
+              <a:schemeClr val="accent4">
+                <a:shade val="45000"/>
+                <a:satMod val="135000"/>
+              </a:schemeClr>
+              <a:prstClr val="white"/>
+            </a:duotone>
+            <a:extLst>
+              <a:ext uri="{BEBA8EAE-BF5A-486C-A8C5-ECC9F3942E4B}">
+                <a14:imgProps xmlns:a14="http://schemas.microsoft.com/office/drawing/2010/main">
+                  <a14:imgLayer r:embed="rId3">
+                    <a14:imgEffect>
+                      <a14:backgroundRemoval t="10000" b="90000" l="10000" r="90000">
+                        <a14:foregroundMark x1="49800" y1="37300" x2="49800" y2="37300"/>
+                      </a14:backgroundRemoval>
+                    </a14:imgEffect>
+                  </a14:imgLayer>
+                </a14:imgProps>
+              </a:ext>
+              <a:ext uri="{28A0092B-C50C-407E-A947-70E740481C1C}">
+                <a14:useLocalDpi xmlns:a14="http://schemas.microsoft.com/office/drawing/2010/main" val="0"/>
+              </a:ext>
+            </a:extLst>
+          </a:blip>
+          <a:srcRect/>
+          <a:stretch>
+            <a:fillRect/>
+          </a:stretch>
+        </p:blipFill>
+        <p:spPr bwMode="auto">
+          <a:xfrm>
+            <a:off x="4215710" y="6352274"/>
+            <a:ext cx="557178" cy="557178"/>
+          </a:xfrm>
+          <a:prstGeom prst="rect">
+            <a:avLst/>
+          </a:prstGeom>
+          <a:noFill/>
+          <a:extLst>
+            <a:ext uri="{909E8E84-426E-40DD-AFC4-6F175D3DCCD1}">
+              <a14:hiddenFill xmlns:a14="http://schemas.microsoft.com/office/drawing/2010/main">
+                <a:solidFill>
+                  <a:srgbClr val="FFFFFF"/>
+                </a:solidFill>
+              </a14:hiddenFill>
+            </a:ext>
+          </a:extLst>
+        </p:spPr>
+      </p:pic>
+      <p:sp>
+        <p:nvSpPr>
+          <p:cNvPr id="29" name="TextBox 28">
+            <a:extLst>
+              <a:ext uri="{FF2B5EF4-FFF2-40B4-BE49-F238E27FC236}">
+                <a16:creationId xmlns:a16="http://schemas.microsoft.com/office/drawing/2014/main" id="{55C8E5F8-865A-263E-B27C-93E57D683437}"/>
+              </a:ext>
+            </a:extLst>
+          </p:cNvPr>
+          <p:cNvSpPr txBox="1"/>
+          <p:nvPr/>
+        </p:nvSpPr>
+        <p:spPr>
+          <a:xfrm>
+            <a:off x="662100" y="6472954"/>
+            <a:ext cx="1731523" cy="307777"/>
+          </a:xfrm>
+          <a:prstGeom prst="rect">
+            <a:avLst/>
+          </a:prstGeom>
+          <a:noFill/>
+        </p:spPr>
+        <p:txBody>
+          <a:bodyPr wrap="square" rtlCol="0">
+            <a:spAutoFit/>
+          </a:bodyPr>
+          <a:lstStyle/>
+          <a:p>
+            <a:r>
+              <a:rPr lang="en-GB" sz="1400" i="1" dirty="0">
+                <a:solidFill>
+                  <a:schemeClr val="tx1">
+                    <a:lumMod val="50000"/>
+                    <a:lumOff val="50000"/>
+                  </a:schemeClr>
+                </a:solidFill>
+              </a:rPr>
+              <a:t>Vacancy holder</a:t>
+            </a:r>
+            <a:endParaRPr lang="en-NL" sz="1400" i="1" dirty="0">
+              <a:solidFill>
+                <a:schemeClr val="tx1">
+                  <a:lumMod val="50000"/>
+                  <a:lumOff val="50000"/>
+                </a:schemeClr>
+              </a:solidFill>
+            </a:endParaRPr>
+          </a:p>
+        </p:txBody>
+      </p:sp>
+      <p:sp>
+        <p:nvSpPr>
+          <p:cNvPr id="31" name="TextBox 30">
+            <a:extLst>
+              <a:ext uri="{FF2B5EF4-FFF2-40B4-BE49-F238E27FC236}">
+                <a16:creationId xmlns:a16="http://schemas.microsoft.com/office/drawing/2014/main" id="{2A7F7AC8-0527-5561-A2B6-9A11F40C0A27}"/>
+              </a:ext>
+            </a:extLst>
+          </p:cNvPr>
+          <p:cNvSpPr txBox="1"/>
+          <p:nvPr/>
+        </p:nvSpPr>
+        <p:spPr>
+          <a:xfrm>
+            <a:off x="2501483" y="6477373"/>
+            <a:ext cx="2340853" cy="307777"/>
+          </a:xfrm>
+          <a:prstGeom prst="rect">
+            <a:avLst/>
+          </a:prstGeom>
+          <a:noFill/>
+        </p:spPr>
+        <p:txBody>
+          <a:bodyPr wrap="square" rtlCol="0">
+            <a:spAutoFit/>
+          </a:bodyPr>
+          <a:lstStyle/>
+          <a:p>
+            <a:r>
+              <a:rPr lang="en-GB" sz="1400" i="1" dirty="0">
+                <a:solidFill>
+                  <a:schemeClr val="tx1">
+                    <a:lumMod val="50000"/>
+                    <a:lumOff val="50000"/>
+                  </a:schemeClr>
+                </a:solidFill>
+              </a:rPr>
+              <a:t>Selection committee</a:t>
+            </a:r>
+            <a:endParaRPr lang="en-NL" sz="1400" i="1" dirty="0">
+              <a:solidFill>
+                <a:schemeClr val="tx1">
+                  <a:lumMod val="50000"/>
+                  <a:lumOff val="50000"/>
+                </a:schemeClr>
+              </a:solidFill>
+            </a:endParaRPr>
+          </a:p>
+        </p:txBody>
+      </p:sp>
+      <p:sp>
+        <p:nvSpPr>
+          <p:cNvPr id="33" name="TextBox 32">
+            <a:extLst>
+              <a:ext uri="{FF2B5EF4-FFF2-40B4-BE49-F238E27FC236}">
+                <a16:creationId xmlns:a16="http://schemas.microsoft.com/office/drawing/2014/main" id="{3BCD8863-99D2-50D0-A9CC-7FE87F253E2A}"/>
+              </a:ext>
+            </a:extLst>
+          </p:cNvPr>
+          <p:cNvSpPr txBox="1"/>
+          <p:nvPr/>
+        </p:nvSpPr>
+        <p:spPr>
+          <a:xfrm>
+            <a:off x="6231136" y="6479934"/>
+            <a:ext cx="2340853" cy="307777"/>
+          </a:xfrm>
+          <a:prstGeom prst="rect">
+            <a:avLst/>
+          </a:prstGeom>
+          <a:noFill/>
+        </p:spPr>
+        <p:txBody>
+          <a:bodyPr wrap="square" rtlCol="0">
+            <a:spAutoFit/>
+          </a:bodyPr>
+          <a:lstStyle/>
+          <a:p>
+            <a:r>
+              <a:rPr lang="en-GB" sz="1400" i="1" dirty="0">
+                <a:solidFill>
+                  <a:schemeClr val="tx1">
+                    <a:lumMod val="50000"/>
+                    <a:lumOff val="50000"/>
+                  </a:schemeClr>
+                </a:solidFill>
+              </a:rPr>
+              <a:t>Department secretary</a:t>
+            </a:r>
+            <a:endParaRPr lang="en-NL" sz="1400" i="1" dirty="0">
+              <a:solidFill>
+                <a:schemeClr val="tx1">
+                  <a:lumMod val="50000"/>
+                  <a:lumOff val="50000"/>
+                </a:schemeClr>
+              </a:solidFill>
+            </a:endParaRPr>
+          </a:p>
+        </p:txBody>
+      </p:sp>
+      <p:sp>
+        <p:nvSpPr>
+          <p:cNvPr id="34" name="TextBox 33">
+            <a:extLst>
+              <a:ext uri="{FF2B5EF4-FFF2-40B4-BE49-F238E27FC236}">
+                <a16:creationId xmlns:a16="http://schemas.microsoft.com/office/drawing/2014/main" id="{5E3BFEAC-789C-F44B-D822-01C015A61749}"/>
+              </a:ext>
+            </a:extLst>
+          </p:cNvPr>
+          <p:cNvSpPr txBox="1"/>
+          <p:nvPr/>
+        </p:nvSpPr>
+        <p:spPr>
+          <a:xfrm>
+            <a:off x="8520090" y="6479935"/>
+            <a:ext cx="2340853" cy="307777"/>
+          </a:xfrm>
+          <a:prstGeom prst="rect">
+            <a:avLst/>
+          </a:prstGeom>
+          <a:noFill/>
+        </p:spPr>
+        <p:txBody>
+          <a:bodyPr wrap="square" rtlCol="0">
+            <a:spAutoFit/>
+          </a:bodyPr>
+          <a:lstStyle/>
+          <a:p>
+            <a:r>
+              <a:rPr lang="en-GB" sz="1400" i="1" dirty="0">
+                <a:solidFill>
+                  <a:schemeClr val="tx1">
+                    <a:lumMod val="50000"/>
+                    <a:lumOff val="50000"/>
+                  </a:schemeClr>
+                </a:solidFill>
+              </a:rPr>
+              <a:t>HR advisor</a:t>
+            </a:r>
+            <a:endParaRPr lang="en-NL" sz="1400" i="1" dirty="0">
+              <a:solidFill>
+                <a:schemeClr val="tx1">
+                  <a:lumMod val="50000"/>
+                  <a:lumOff val="50000"/>
+                </a:schemeClr>
+              </a:solidFill>
+            </a:endParaRPr>
+          </a:p>
+        </p:txBody>
+      </p:sp>
+      <p:sp>
+        <p:nvSpPr>
+          <p:cNvPr id="38" name="TextBox 37">
+            <a:extLst>
+              <a:ext uri="{FF2B5EF4-FFF2-40B4-BE49-F238E27FC236}">
+                <a16:creationId xmlns:a16="http://schemas.microsoft.com/office/drawing/2014/main" id="{F38333E3-E4B6-DC2F-6595-ECE7E360A979}"/>
+              </a:ext>
+            </a:extLst>
+          </p:cNvPr>
+          <p:cNvSpPr txBox="1"/>
+          <p:nvPr/>
+        </p:nvSpPr>
+        <p:spPr>
+          <a:xfrm>
+            <a:off x="9995842" y="6479933"/>
+            <a:ext cx="2087730" cy="307777"/>
+          </a:xfrm>
+          <a:prstGeom prst="rect">
+            <a:avLst/>
+          </a:prstGeom>
+          <a:noFill/>
+        </p:spPr>
+        <p:txBody>
+          <a:bodyPr wrap="square" rtlCol="0">
+            <a:spAutoFit/>
+          </a:bodyPr>
+          <a:lstStyle/>
+          <a:p>
+            <a:r>
+              <a:rPr lang="en-GB" sz="1400" i="1" dirty="0">
+                <a:solidFill>
+                  <a:schemeClr val="tx1">
+                    <a:lumMod val="50000"/>
+                    <a:lumOff val="50000"/>
+                  </a:schemeClr>
+                </a:solidFill>
+              </a:rPr>
+              <a:t>Management assistants</a:t>
+            </a:r>
+            <a:endParaRPr lang="en-NL" sz="1400" i="1" dirty="0">
+              <a:solidFill>
+                <a:schemeClr val="tx1">
+                  <a:lumMod val="50000"/>
+                  <a:lumOff val="50000"/>
+                </a:schemeClr>
+              </a:solidFill>
+            </a:endParaRPr>
+          </a:p>
+        </p:txBody>
+      </p:sp>
+      <p:sp>
+        <p:nvSpPr>
+          <p:cNvPr id="40" name="TextBox 39">
+            <a:extLst>
+              <a:ext uri="{FF2B5EF4-FFF2-40B4-BE49-F238E27FC236}">
+                <a16:creationId xmlns:a16="http://schemas.microsoft.com/office/drawing/2014/main" id="{ABE6BD1E-9F33-BCFD-13B2-6E7755A3E496}"/>
+              </a:ext>
+            </a:extLst>
+          </p:cNvPr>
+          <p:cNvSpPr txBox="1"/>
+          <p:nvPr/>
+        </p:nvSpPr>
+        <p:spPr>
+          <a:xfrm>
+            <a:off x="4613599" y="6479934"/>
+            <a:ext cx="1166791" cy="307777"/>
+          </a:xfrm>
+          <a:prstGeom prst="rect">
+            <a:avLst/>
+          </a:prstGeom>
+          <a:noFill/>
+        </p:spPr>
+        <p:txBody>
+          <a:bodyPr wrap="square" rtlCol="0">
+            <a:spAutoFit/>
+          </a:bodyPr>
+          <a:lstStyle/>
+          <a:p>
+            <a:r>
+              <a:rPr lang="en-GB" sz="1400" i="1" dirty="0">
+                <a:solidFill>
+                  <a:schemeClr val="tx1">
+                    <a:lumMod val="50000"/>
+                    <a:lumOff val="50000"/>
+                  </a:schemeClr>
+                </a:solidFill>
+              </a:rPr>
+              <a:t>Recruitment</a:t>
+            </a:r>
+            <a:endParaRPr lang="en-NL" sz="1400" i="1" dirty="0">
+              <a:solidFill>
+                <a:schemeClr val="tx1">
+                  <a:lumMod val="50000"/>
+                  <a:lumOff val="50000"/>
+                </a:schemeClr>
+              </a:solidFill>
+            </a:endParaRPr>
+          </a:p>
+        </p:txBody>
+      </p:sp>
+      <p:pic>
+        <p:nvPicPr>
+          <p:cNvPr id="41" name="Picture 6" descr="Stockvector User icon in flat style, Person icon, User icon for web site,  User icon vector illustration | Adobe Stock">
+            <a:extLst>
+              <a:ext uri="{FF2B5EF4-FFF2-40B4-BE49-F238E27FC236}">
+                <a16:creationId xmlns:a16="http://schemas.microsoft.com/office/drawing/2014/main" id="{DC45ACEE-85DC-0E91-8E55-13382CB52B03}"/>
+              </a:ext>
+            </a:extLst>
+          </p:cNvPr>
+          <p:cNvPicPr>
+            <a:picLocks noChangeAspect="1" noChangeArrowheads="1"/>
+          </p:cNvPicPr>
+          <p:nvPr/>
+        </p:nvPicPr>
+        <p:blipFill>
+          <a:blip r:embed="rId2">
+            <a:duotone>
+              <a:schemeClr val="accent1">
+                <a:shade val="45000"/>
+                <a:satMod val="135000"/>
+              </a:schemeClr>
+              <a:prstClr val="white"/>
+            </a:duotone>
+            <a:extLst>
+              <a:ext uri="{BEBA8EAE-BF5A-486C-A8C5-ECC9F3942E4B}">
+                <a14:imgProps xmlns:a14="http://schemas.microsoft.com/office/drawing/2010/main">
+                  <a14:imgLayer r:embed="rId3">
+                    <a14:imgEffect>
+                      <a14:backgroundRemoval t="10000" b="90000" l="10000" r="90000">
+                        <a14:foregroundMark x1="49800" y1="37300" x2="49800" y2="37300"/>
+                      </a14:backgroundRemoval>
+                    </a14:imgEffect>
+                  </a14:imgLayer>
+                </a14:imgProps>
+              </a:ext>
+              <a:ext uri="{28A0092B-C50C-407E-A947-70E740481C1C}">
+                <a14:useLocalDpi xmlns:a14="http://schemas.microsoft.com/office/drawing/2010/main" val="0"/>
+              </a:ext>
+            </a:extLst>
+          </a:blip>
+          <a:srcRect/>
+          <a:stretch>
+            <a:fillRect/>
+          </a:stretch>
+        </p:blipFill>
+        <p:spPr bwMode="auto">
+          <a:xfrm>
+            <a:off x="12595819" y="4065248"/>
+            <a:ext cx="557178" cy="557178"/>
+          </a:xfrm>
+          <a:prstGeom prst="rect">
+            <a:avLst/>
+          </a:prstGeom>
+          <a:noFill/>
+          <a:extLst>
+            <a:ext uri="{909E8E84-426E-40DD-AFC4-6F175D3DCCD1}">
+              <a14:hiddenFill xmlns:a14="http://schemas.microsoft.com/office/drawing/2010/main">
+                <a:solidFill>
+                  <a:srgbClr val="FFFFFF"/>
+                </a:solidFill>
+              </a14:hiddenFill>
+            </a:ext>
+          </a:extLst>
+        </p:spPr>
+      </p:pic>
+      <p:sp>
+        <p:nvSpPr>
+          <p:cNvPr id="43" name="TextBox 42">
+            <a:extLst>
+              <a:ext uri="{FF2B5EF4-FFF2-40B4-BE49-F238E27FC236}">
+                <a16:creationId xmlns:a16="http://schemas.microsoft.com/office/drawing/2014/main" id="{27EE28F5-9F04-0F23-E08B-F27C549B602F}"/>
+              </a:ext>
+            </a:extLst>
+          </p:cNvPr>
+          <p:cNvSpPr txBox="1"/>
+          <p:nvPr/>
+        </p:nvSpPr>
+        <p:spPr>
+          <a:xfrm>
+            <a:off x="13085572" y="4189604"/>
+            <a:ext cx="2087730" cy="307777"/>
+          </a:xfrm>
+          <a:prstGeom prst="rect">
+            <a:avLst/>
+          </a:prstGeom>
+          <a:noFill/>
+        </p:spPr>
+        <p:txBody>
+          <a:bodyPr wrap="square" rtlCol="0">
+            <a:spAutoFit/>
+          </a:bodyPr>
+          <a:lstStyle/>
+          <a:p>
+            <a:r>
+              <a:rPr lang="en-GB" sz="1400" i="1" dirty="0">
+                <a:solidFill>
+                  <a:schemeClr val="tx1">
+                    <a:lumMod val="50000"/>
+                    <a:lumOff val="50000"/>
+                  </a:schemeClr>
+                </a:solidFill>
+              </a:rPr>
+              <a:t>TAS</a:t>
+            </a:r>
+            <a:endParaRPr lang="en-NL" sz="1400" i="1" dirty="0">
+              <a:solidFill>
+                <a:schemeClr val="tx1">
+                  <a:lumMod val="50000"/>
+                  <a:lumOff val="50000"/>
+                </a:schemeClr>
+              </a:solidFill>
+            </a:endParaRPr>
+          </a:p>
+        </p:txBody>
+      </p:sp>
+      <p:pic>
+        <p:nvPicPr>
+          <p:cNvPr id="50" name="Picture 6" descr="Stockvector User icon in flat style, Person icon, User icon for web site,  User icon vector illustration | Adobe Stock">
+            <a:extLst>
+              <a:ext uri="{FF2B5EF4-FFF2-40B4-BE49-F238E27FC236}">
+                <a16:creationId xmlns:a16="http://schemas.microsoft.com/office/drawing/2014/main" id="{3DB1C8B7-B259-A5F1-7401-BF1AE2021534}"/>
+              </a:ext>
+            </a:extLst>
+          </p:cNvPr>
+          <p:cNvPicPr>
+            <a:picLocks noChangeAspect="1" noChangeArrowheads="1"/>
+          </p:cNvPicPr>
+          <p:nvPr/>
+        </p:nvPicPr>
+        <p:blipFill>
+          <a:blip r:embed="rId2">
+            <a:duotone>
+              <a:schemeClr val="bg2">
+                <a:shade val="45000"/>
+                <a:satMod val="135000"/>
+              </a:schemeClr>
+              <a:prstClr val="white"/>
+            </a:duotone>
+            <a:extLst>
+              <a:ext uri="{BEBA8EAE-BF5A-486C-A8C5-ECC9F3942E4B}">
+                <a14:imgProps xmlns:a14="http://schemas.microsoft.com/office/drawing/2010/main">
+                  <a14:imgLayer r:embed="rId3">
+                    <a14:imgEffect>
+                      <a14:backgroundRemoval t="10000" b="90000" l="10000" r="90000">
+                        <a14:foregroundMark x1="49800" y1="37300" x2="49800" y2="37300"/>
+                      </a14:backgroundRemoval>
+                    </a14:imgEffect>
+                  </a14:imgLayer>
+                </a14:imgProps>
+              </a:ext>
+              <a:ext uri="{28A0092B-C50C-407E-A947-70E740481C1C}">
+                <a14:useLocalDpi xmlns:a14="http://schemas.microsoft.com/office/drawing/2010/main" val="0"/>
+              </a:ext>
+            </a:extLst>
+          </a:blip>
+          <a:srcRect/>
+          <a:stretch>
+            <a:fillRect/>
+          </a:stretch>
+        </p:blipFill>
+        <p:spPr bwMode="auto">
+          <a:xfrm>
+            <a:off x="12595819" y="4502958"/>
+            <a:ext cx="557178" cy="557178"/>
+          </a:xfrm>
+          <a:prstGeom prst="rect">
+            <a:avLst/>
+          </a:prstGeom>
+          <a:noFill/>
+          <a:extLst>
+            <a:ext uri="{909E8E84-426E-40DD-AFC4-6F175D3DCCD1}">
+              <a14:hiddenFill xmlns:a14="http://schemas.microsoft.com/office/drawing/2010/main">
+                <a:solidFill>
+                  <a:srgbClr val="FFFFFF"/>
+                </a:solidFill>
+              </a14:hiddenFill>
+            </a:ext>
+          </a:extLst>
+        </p:spPr>
+      </p:pic>
+      <p:sp>
+        <p:nvSpPr>
+          <p:cNvPr id="51" name="TextBox 50">
+            <a:extLst>
+              <a:ext uri="{FF2B5EF4-FFF2-40B4-BE49-F238E27FC236}">
+                <a16:creationId xmlns:a16="http://schemas.microsoft.com/office/drawing/2014/main" id="{918DF048-7664-54D2-CFF6-F199D3391F28}"/>
+              </a:ext>
+            </a:extLst>
+          </p:cNvPr>
+          <p:cNvSpPr txBox="1"/>
+          <p:nvPr/>
+        </p:nvSpPr>
+        <p:spPr>
+          <a:xfrm>
+            <a:off x="13085572" y="4627658"/>
+            <a:ext cx="2087730" cy="307777"/>
+          </a:xfrm>
+          <a:prstGeom prst="rect">
+            <a:avLst/>
+          </a:prstGeom>
+          <a:noFill/>
+        </p:spPr>
+        <p:txBody>
+          <a:bodyPr wrap="square" rtlCol="0">
+            <a:spAutoFit/>
+          </a:bodyPr>
+          <a:lstStyle/>
+          <a:p>
+            <a:r>
+              <a:rPr lang="en-GB" sz="1400" i="1" dirty="0">
+                <a:solidFill>
+                  <a:schemeClr val="tx1">
+                    <a:lumMod val="50000"/>
+                    <a:lumOff val="50000"/>
+                  </a:schemeClr>
+                </a:solidFill>
+              </a:rPr>
+              <a:t>Candidate(s)</a:t>
+            </a:r>
+            <a:endParaRPr lang="en-NL" sz="1400" i="1" dirty="0">
+              <a:solidFill>
+                <a:schemeClr val="tx1">
+                  <a:lumMod val="50000"/>
+                  <a:lumOff val="50000"/>
+                </a:schemeClr>
+              </a:solidFill>
+            </a:endParaRPr>
+          </a:p>
+        </p:txBody>
+      </p:sp>
+      <p:pic>
+        <p:nvPicPr>
+          <p:cNvPr id="55" name="Picture 6" descr="Stockvector User icon in flat style, Person icon, User icon for web site,  User icon vector illustration | Adobe Stock">
+            <a:extLst>
+              <a:ext uri="{FF2B5EF4-FFF2-40B4-BE49-F238E27FC236}">
+                <a16:creationId xmlns:a16="http://schemas.microsoft.com/office/drawing/2014/main" id="{AD4B474B-352F-2616-24C9-BAAD7F1ACD9A}"/>
+              </a:ext>
+            </a:extLst>
+          </p:cNvPr>
+          <p:cNvPicPr>
+            <a:picLocks noChangeAspect="1" noChangeArrowheads="1"/>
+          </p:cNvPicPr>
+          <p:nvPr/>
+        </p:nvPicPr>
+        <p:blipFill>
+          <a:blip r:embed="rId2">
+            <a:extLst>
+              <a:ext uri="{BEBA8EAE-BF5A-486C-A8C5-ECC9F3942E4B}">
+                <a14:imgProps xmlns:a14="http://schemas.microsoft.com/office/drawing/2010/main">
+                  <a14:imgLayer r:embed="rId3">
+                    <a14:imgEffect>
+                      <a14:backgroundRemoval t="10000" b="90000" l="10000" r="90000">
+                        <a14:foregroundMark x1="49800" y1="37300" x2="49800" y2="37300"/>
+                      </a14:backgroundRemoval>
+                    </a14:imgEffect>
+                  </a14:imgLayer>
+                </a14:imgProps>
+              </a:ext>
+              <a:ext uri="{28A0092B-C50C-407E-A947-70E740481C1C}">
+                <a14:useLocalDpi xmlns:a14="http://schemas.microsoft.com/office/drawing/2010/main" val="0"/>
+              </a:ext>
+            </a:extLst>
+          </a:blip>
+          <a:srcRect/>
+          <a:stretch>
+            <a:fillRect/>
+          </a:stretch>
+        </p:blipFill>
+        <p:spPr bwMode="auto">
+          <a:xfrm>
+            <a:off x="5641984" y="588576"/>
+            <a:ext cx="557178" cy="557178"/>
+          </a:xfrm>
+          <a:prstGeom prst="rect">
+            <a:avLst/>
+          </a:prstGeom>
+          <a:noFill/>
+          <a:extLst>
+            <a:ext uri="{909E8E84-426E-40DD-AFC4-6F175D3DCCD1}">
+              <a14:hiddenFill xmlns:a14="http://schemas.microsoft.com/office/drawing/2010/main">
+                <a:solidFill>
+                  <a:srgbClr val="FFFFFF"/>
+                </a:solidFill>
+              </a14:hiddenFill>
+            </a:ext>
+          </a:extLst>
+        </p:spPr>
+      </p:pic>
+      <p:pic>
+        <p:nvPicPr>
+          <p:cNvPr id="61" name="Picture 6" descr="Stockvector User icon in flat style, Person icon, User icon for web site,  User icon vector illustration | Adobe Stock">
+            <a:extLst>
+              <a:ext uri="{FF2B5EF4-FFF2-40B4-BE49-F238E27FC236}">
+                <a16:creationId xmlns:a16="http://schemas.microsoft.com/office/drawing/2014/main" id="{7D5DA64E-1E44-8C56-529F-85653B616ED9}"/>
+              </a:ext>
+            </a:extLst>
+          </p:cNvPr>
+          <p:cNvPicPr>
+            <a:picLocks noChangeAspect="1" noChangeArrowheads="1"/>
+          </p:cNvPicPr>
+          <p:nvPr/>
+        </p:nvPicPr>
+        <p:blipFill>
+          <a:blip r:embed="rId2">
+            <a:extLst>
+              <a:ext uri="{BEBA8EAE-BF5A-486C-A8C5-ECC9F3942E4B}">
+                <a14:imgProps xmlns:a14="http://schemas.microsoft.com/office/drawing/2010/main">
+                  <a14:imgLayer r:embed="rId3">
+                    <a14:imgEffect>
+                      <a14:backgroundRemoval t="10000" b="90000" l="10000" r="90000">
+                        <a14:foregroundMark x1="49800" y1="37300" x2="49800" y2="37300"/>
+                      </a14:backgroundRemoval>
+                    </a14:imgEffect>
+                  </a14:imgLayer>
+                </a14:imgProps>
+              </a:ext>
+              <a:ext uri="{28A0092B-C50C-407E-A947-70E740481C1C}">
+                <a14:useLocalDpi xmlns:a14="http://schemas.microsoft.com/office/drawing/2010/main" val="0"/>
+              </a:ext>
+            </a:extLst>
+          </a:blip>
+          <a:srcRect/>
+          <a:stretch>
+            <a:fillRect/>
+          </a:stretch>
+        </p:blipFill>
+        <p:spPr bwMode="auto">
+          <a:xfrm>
+            <a:off x="5646476" y="1555146"/>
+            <a:ext cx="557178" cy="557178"/>
+          </a:xfrm>
+          <a:prstGeom prst="rect">
+            <a:avLst/>
+          </a:prstGeom>
+          <a:noFill/>
+          <a:extLst>
+            <a:ext uri="{909E8E84-426E-40DD-AFC4-6F175D3DCCD1}">
+              <a14:hiddenFill xmlns:a14="http://schemas.microsoft.com/office/drawing/2010/main">
+                <a:solidFill>
+                  <a:srgbClr val="FFFFFF"/>
+                </a:solidFill>
+              </a14:hiddenFill>
+            </a:ext>
+          </a:extLst>
+        </p:spPr>
+      </p:pic>
+      <p:pic>
+        <p:nvPicPr>
+          <p:cNvPr id="63" name="Picture 6" descr="Stockvector User icon in flat style, Person icon, User icon for web site,  User icon vector illustration | Adobe Stock">
+            <a:extLst>
+              <a:ext uri="{FF2B5EF4-FFF2-40B4-BE49-F238E27FC236}">
+                <a16:creationId xmlns:a16="http://schemas.microsoft.com/office/drawing/2014/main" id="{65018034-2E78-E2E0-250E-99DE649A5FFE}"/>
+              </a:ext>
+            </a:extLst>
+          </p:cNvPr>
+          <p:cNvPicPr>
+            <a:picLocks noChangeAspect="1" noChangeArrowheads="1"/>
+          </p:cNvPicPr>
+          <p:nvPr/>
+        </p:nvPicPr>
+        <p:blipFill>
+          <a:blip r:embed="rId2">
+            <a:extLst>
+              <a:ext uri="{BEBA8EAE-BF5A-486C-A8C5-ECC9F3942E4B}">
+                <a14:imgProps xmlns:a14="http://schemas.microsoft.com/office/drawing/2010/main">
+                  <a14:imgLayer r:embed="rId3">
+                    <a14:imgEffect>
+                      <a14:backgroundRemoval t="10000" b="90000" l="10000" r="90000">
+                        <a14:foregroundMark x1="49800" y1="37300" x2="49800" y2="37300"/>
+                      </a14:backgroundRemoval>
+                    </a14:imgEffect>
+                  </a14:imgLayer>
+                </a14:imgProps>
+              </a:ext>
+              <a:ext uri="{28A0092B-C50C-407E-A947-70E740481C1C}">
+                <a14:useLocalDpi xmlns:a14="http://schemas.microsoft.com/office/drawing/2010/main" val="0"/>
+              </a:ext>
+            </a:extLst>
+          </a:blip>
+          <a:srcRect/>
+          <a:stretch>
+            <a:fillRect/>
+          </a:stretch>
+        </p:blipFill>
+        <p:spPr bwMode="auto">
+          <a:xfrm>
+            <a:off x="5398713" y="3221839"/>
+            <a:ext cx="557178" cy="557178"/>
+          </a:xfrm>
+          <a:prstGeom prst="rect">
+            <a:avLst/>
+          </a:prstGeom>
+          <a:noFill/>
+          <a:extLst>
+            <a:ext uri="{909E8E84-426E-40DD-AFC4-6F175D3DCCD1}">
+              <a14:hiddenFill xmlns:a14="http://schemas.microsoft.com/office/drawing/2010/main">
+                <a:solidFill>
+                  <a:srgbClr val="FFFFFF"/>
+                </a:solidFill>
+              </a14:hiddenFill>
+            </a:ext>
+          </a:extLst>
+        </p:spPr>
+      </p:pic>
+      <p:pic>
+        <p:nvPicPr>
+          <p:cNvPr id="1027" name="Picture 6" descr="Stockvector User icon in flat style, Person icon, User icon for web site,  User icon vector illustration | Adobe Stock">
+            <a:extLst>
+              <a:ext uri="{FF2B5EF4-FFF2-40B4-BE49-F238E27FC236}">
+                <a16:creationId xmlns:a16="http://schemas.microsoft.com/office/drawing/2014/main" id="{9104A5A9-DE47-82FD-4B30-674C740CA961}"/>
+              </a:ext>
+            </a:extLst>
+          </p:cNvPr>
+          <p:cNvPicPr>
+            <a:picLocks noChangeAspect="1" noChangeArrowheads="1"/>
+          </p:cNvPicPr>
+          <p:nvPr/>
+        </p:nvPicPr>
+        <p:blipFill>
+          <a:blip r:embed="rId2">
+            <a:extLst>
+              <a:ext uri="{BEBA8EAE-BF5A-486C-A8C5-ECC9F3942E4B}">
+                <a14:imgProps xmlns:a14="http://schemas.microsoft.com/office/drawing/2010/main">
+                  <a14:imgLayer r:embed="rId3">
+                    <a14:imgEffect>
+                      <a14:backgroundRemoval t="10000" b="90000" l="10000" r="90000">
+                        <a14:foregroundMark x1="49800" y1="37300" x2="49800" y2="37300"/>
+                      </a14:backgroundRemoval>
+                    </a14:imgEffect>
+                  </a14:imgLayer>
+                </a14:imgProps>
+              </a:ext>
+              <a:ext uri="{28A0092B-C50C-407E-A947-70E740481C1C}">
+                <a14:useLocalDpi xmlns:a14="http://schemas.microsoft.com/office/drawing/2010/main" val="0"/>
+              </a:ext>
+            </a:extLst>
+          </a:blip>
+          <a:srcRect/>
+          <a:stretch>
+            <a:fillRect/>
+          </a:stretch>
+        </p:blipFill>
+        <p:spPr bwMode="auto">
+          <a:xfrm>
+            <a:off x="5397250" y="4141684"/>
+            <a:ext cx="557178" cy="557178"/>
+          </a:xfrm>
+          <a:prstGeom prst="rect">
+            <a:avLst/>
+          </a:prstGeom>
+          <a:noFill/>
+          <a:extLst>
+            <a:ext uri="{909E8E84-426E-40DD-AFC4-6F175D3DCCD1}">
+              <a14:hiddenFill xmlns:a14="http://schemas.microsoft.com/office/drawing/2010/main">
+                <a:solidFill>
+                  <a:srgbClr val="FFFFFF"/>
+                </a:solidFill>
+              </a14:hiddenFill>
+            </a:ext>
+          </a:extLst>
+        </p:spPr>
+      </p:pic>
+      <p:pic>
+        <p:nvPicPr>
+          <p:cNvPr id="1029" name="Picture 6" descr="Stockvector User icon in flat style, Person icon, User icon for web site,  User icon vector illustration | Adobe Stock">
+            <a:extLst>
+              <a:ext uri="{FF2B5EF4-FFF2-40B4-BE49-F238E27FC236}">
+                <a16:creationId xmlns:a16="http://schemas.microsoft.com/office/drawing/2014/main" id="{2E03A868-DFCE-E403-ABA3-114DFB63D5A4}"/>
+              </a:ext>
+            </a:extLst>
+          </p:cNvPr>
+          <p:cNvPicPr>
+            <a:picLocks noChangeAspect="1" noChangeArrowheads="1"/>
+          </p:cNvPicPr>
+          <p:nvPr/>
+        </p:nvPicPr>
+        <p:blipFill>
+          <a:blip r:embed="rId2">
+            <a:extLst>
+              <a:ext uri="{BEBA8EAE-BF5A-486C-A8C5-ECC9F3942E4B}">
+                <a14:imgProps xmlns:a14="http://schemas.microsoft.com/office/drawing/2010/main">
+                  <a14:imgLayer r:embed="rId3">
+                    <a14:imgEffect>
+                      <a14:backgroundRemoval t="10000" b="90000" l="10000" r="90000">
+                        <a14:foregroundMark x1="49800" y1="37300" x2="49800" y2="37300"/>
+                      </a14:backgroundRemoval>
+                    </a14:imgEffect>
+                  </a14:imgLayer>
+                </a14:imgProps>
+              </a:ext>
+              <a:ext uri="{28A0092B-C50C-407E-A947-70E740481C1C}">
+                <a14:useLocalDpi xmlns:a14="http://schemas.microsoft.com/office/drawing/2010/main" val="0"/>
+              </a:ext>
+            </a:extLst>
+          </a:blip>
+          <a:srcRect/>
+          <a:stretch>
+            <a:fillRect/>
+          </a:stretch>
+        </p:blipFill>
+        <p:spPr bwMode="auto">
+          <a:xfrm>
+            <a:off x="5639190" y="5858058"/>
+            <a:ext cx="557178" cy="557178"/>
+          </a:xfrm>
+          <a:prstGeom prst="rect">
+            <a:avLst/>
+          </a:prstGeom>
+          <a:noFill/>
+          <a:extLst>
+            <a:ext uri="{909E8E84-426E-40DD-AFC4-6F175D3DCCD1}">
+              <a14:hiddenFill xmlns:a14="http://schemas.microsoft.com/office/drawing/2010/main">
+                <a:solidFill>
+                  <a:srgbClr val="FFFFFF"/>
+                </a:solidFill>
+              </a14:hiddenFill>
+            </a:ext>
+          </a:extLst>
+        </p:spPr>
+      </p:pic>
+      <p:pic>
+        <p:nvPicPr>
+          <p:cNvPr id="1031" name="Picture 6" descr="Stockvector User icon in flat style, Person icon, User icon for web site,  User icon vector illustration | Adobe Stock">
+            <a:extLst>
+              <a:ext uri="{FF2B5EF4-FFF2-40B4-BE49-F238E27FC236}">
+                <a16:creationId xmlns:a16="http://schemas.microsoft.com/office/drawing/2014/main" id="{DC145866-AA3A-3465-94E5-8EA07AA40D18}"/>
+              </a:ext>
+            </a:extLst>
+          </p:cNvPr>
+          <p:cNvPicPr>
+            <a:picLocks noChangeAspect="1" noChangeArrowheads="1"/>
+          </p:cNvPicPr>
+          <p:nvPr/>
+        </p:nvPicPr>
+        <p:blipFill>
+          <a:blip r:embed="rId2">
+            <a:duotone>
+              <a:schemeClr val="accent2">
+                <a:shade val="45000"/>
+                <a:satMod val="135000"/>
+              </a:schemeClr>
+              <a:prstClr val="white"/>
+            </a:duotone>
+            <a:extLst>
+              <a:ext uri="{BEBA8EAE-BF5A-486C-A8C5-ECC9F3942E4B}">
+                <a14:imgProps xmlns:a14="http://schemas.microsoft.com/office/drawing/2010/main">
+                  <a14:imgLayer r:embed="rId3">
+                    <a14:imgEffect>
+                      <a14:backgroundRemoval t="10000" b="90000" l="10000" r="90000">
+                        <a14:foregroundMark x1="49800" y1="37300" x2="49800" y2="37300"/>
+                      </a14:backgroundRemoval>
+                    </a14:imgEffect>
+                  </a14:imgLayer>
+                </a14:imgProps>
+              </a:ext>
+              <a:ext uri="{28A0092B-C50C-407E-A947-70E740481C1C}">
+                <a14:useLocalDpi xmlns:a14="http://schemas.microsoft.com/office/drawing/2010/main" val="0"/>
+              </a:ext>
+            </a:extLst>
+          </a:blip>
+          <a:srcRect/>
+          <a:stretch>
+            <a:fillRect/>
+          </a:stretch>
+        </p:blipFill>
+        <p:spPr bwMode="auto">
+          <a:xfrm>
+            <a:off x="5391296" y="3656475"/>
+            <a:ext cx="557178" cy="557178"/>
+          </a:xfrm>
+          <a:prstGeom prst="rect">
+            <a:avLst/>
+          </a:prstGeom>
+          <a:noFill/>
+          <a:extLst>
+            <a:ext uri="{909E8E84-426E-40DD-AFC4-6F175D3DCCD1}">
+              <a14:hiddenFill xmlns:a14="http://schemas.microsoft.com/office/drawing/2010/main">
+                <a:solidFill>
+                  <a:srgbClr val="FFFFFF"/>
+                </a:solidFill>
+              </a14:hiddenFill>
+            </a:ext>
+          </a:extLst>
+        </p:spPr>
+      </p:pic>
+      <p:pic>
+        <p:nvPicPr>
+          <p:cNvPr id="1035" name="Picture 6" descr="Stockvector User icon in flat style, Person icon, User icon for web site,  User icon vector illustration | Adobe Stock">
+            <a:extLst>
+              <a:ext uri="{FF2B5EF4-FFF2-40B4-BE49-F238E27FC236}">
+                <a16:creationId xmlns:a16="http://schemas.microsoft.com/office/drawing/2014/main" id="{6058626E-D666-B18B-E7BE-94A7659BF7E4}"/>
+              </a:ext>
+            </a:extLst>
+          </p:cNvPr>
+          <p:cNvPicPr>
+            <a:picLocks noChangeAspect="1" noChangeArrowheads="1"/>
+          </p:cNvPicPr>
+          <p:nvPr/>
+        </p:nvPicPr>
+        <p:blipFill>
+          <a:blip r:embed="rId2">
+            <a:duotone>
+              <a:schemeClr val="accent5">
+                <a:shade val="45000"/>
+                <a:satMod val="135000"/>
+              </a:schemeClr>
+              <a:prstClr val="white"/>
+            </a:duotone>
+            <a:extLst>
+              <a:ext uri="{BEBA8EAE-BF5A-486C-A8C5-ECC9F3942E4B}">
+                <a14:imgProps xmlns:a14="http://schemas.microsoft.com/office/drawing/2010/main">
+                  <a14:imgLayer r:embed="rId3">
+                    <a14:imgEffect>
+                      <a14:backgroundRemoval t="10000" b="90000" l="10000" r="90000">
+                        <a14:foregroundMark x1="49800" y1="37300" x2="49800" y2="37300"/>
+                      </a14:backgroundRemoval>
+                    </a14:imgEffect>
+                  </a14:imgLayer>
+                </a14:imgProps>
+              </a:ext>
+              <a:ext uri="{28A0092B-C50C-407E-A947-70E740481C1C}">
+                <a14:useLocalDpi xmlns:a14="http://schemas.microsoft.com/office/drawing/2010/main" val="0"/>
+              </a:ext>
+            </a:extLst>
+          </a:blip>
+          <a:srcRect/>
+          <a:stretch>
+            <a:fillRect/>
+          </a:stretch>
+        </p:blipFill>
+        <p:spPr bwMode="auto">
+          <a:xfrm>
+            <a:off x="5909204" y="3646124"/>
+            <a:ext cx="557178" cy="557178"/>
+          </a:xfrm>
+          <a:prstGeom prst="rect">
+            <a:avLst/>
+          </a:prstGeom>
+          <a:noFill/>
+          <a:extLst>
+            <a:ext uri="{909E8E84-426E-40DD-AFC4-6F175D3DCCD1}">
+              <a14:hiddenFill xmlns:a14="http://schemas.microsoft.com/office/drawing/2010/main">
+                <a:solidFill>
+                  <a:srgbClr val="FFFFFF"/>
+                </a:solidFill>
+              </a14:hiddenFill>
+            </a:ext>
+          </a:extLst>
+        </p:spPr>
+      </p:pic>
+      <p:pic>
+        <p:nvPicPr>
+          <p:cNvPr id="1038" name="Picture 6" descr="Stockvector User icon in flat style, Person icon, User icon for web site,  User icon vector illustration | Adobe Stock">
+            <a:extLst>
+              <a:ext uri="{FF2B5EF4-FFF2-40B4-BE49-F238E27FC236}">
+                <a16:creationId xmlns:a16="http://schemas.microsoft.com/office/drawing/2014/main" id="{D066AEDA-01BD-B212-D5D2-FE5DF42DF912}"/>
+              </a:ext>
+            </a:extLst>
+          </p:cNvPr>
+          <p:cNvPicPr>
+            <a:picLocks noChangeAspect="1" noChangeArrowheads="1"/>
+          </p:cNvPicPr>
+          <p:nvPr/>
+        </p:nvPicPr>
+        <p:blipFill>
+          <a:blip r:embed="rId2">
+            <a:duotone>
+              <a:schemeClr val="accent3">
+                <a:shade val="45000"/>
+                <a:satMod val="135000"/>
+              </a:schemeClr>
+              <a:prstClr val="white"/>
+            </a:duotone>
+            <a:extLst>
+              <a:ext uri="{BEBA8EAE-BF5A-486C-A8C5-ECC9F3942E4B}">
+                <a14:imgProps xmlns:a14="http://schemas.microsoft.com/office/drawing/2010/main">
+                  <a14:imgLayer r:embed="rId3">
+                    <a14:imgEffect>
+                      <a14:backgroundRemoval t="10000" b="90000" l="10000" r="90000">
+                        <a14:foregroundMark x1="49800" y1="37300" x2="49800" y2="37300"/>
+                      </a14:backgroundRemoval>
+                    </a14:imgEffect>
+                  </a14:imgLayer>
+                </a14:imgProps>
+              </a:ext>
+              <a:ext uri="{28A0092B-C50C-407E-A947-70E740481C1C}">
+                <a14:useLocalDpi xmlns:a14="http://schemas.microsoft.com/office/drawing/2010/main" val="0"/>
+              </a:ext>
+            </a:extLst>
+          </a:blip>
+          <a:srcRect/>
+          <a:stretch>
+            <a:fillRect/>
+          </a:stretch>
+        </p:blipFill>
+        <p:spPr bwMode="auto">
+          <a:xfrm>
+            <a:off x="5403230" y="4942126"/>
+            <a:ext cx="557178" cy="557178"/>
+          </a:xfrm>
+          <a:prstGeom prst="rect">
+            <a:avLst/>
+          </a:prstGeom>
+          <a:noFill/>
+          <a:extLst>
+            <a:ext uri="{909E8E84-426E-40DD-AFC4-6F175D3DCCD1}">
+              <a14:hiddenFill xmlns:a14="http://schemas.microsoft.com/office/drawing/2010/main">
+                <a:solidFill>
+                  <a:srgbClr val="FFFFFF"/>
+                </a:solidFill>
+              </a14:hiddenFill>
+            </a:ext>
+          </a:extLst>
+        </p:spPr>
+      </p:pic>
+      <p:pic>
+        <p:nvPicPr>
+          <p:cNvPr id="1041" name="Picture 6" descr="Stockvector User icon in flat style, Person icon, User icon for web site,  User icon vector illustration | Adobe Stock">
+            <a:extLst>
+              <a:ext uri="{FF2B5EF4-FFF2-40B4-BE49-F238E27FC236}">
+                <a16:creationId xmlns:a16="http://schemas.microsoft.com/office/drawing/2014/main" id="{3684B560-6EBE-D3EA-3432-A75397101BF6}"/>
+              </a:ext>
+            </a:extLst>
+          </p:cNvPr>
+          <p:cNvPicPr>
+            <a:picLocks noChangeAspect="1" noChangeArrowheads="1"/>
+          </p:cNvPicPr>
+          <p:nvPr/>
+        </p:nvPicPr>
+        <p:blipFill>
+          <a:blip r:embed="rId2">
+            <a:duotone>
+              <a:schemeClr val="accent6">
+                <a:shade val="45000"/>
+                <a:satMod val="135000"/>
+              </a:schemeClr>
+              <a:prstClr val="white"/>
+            </a:duotone>
+            <a:extLst>
+              <a:ext uri="{BEBA8EAE-BF5A-486C-A8C5-ECC9F3942E4B}">
+                <a14:imgProps xmlns:a14="http://schemas.microsoft.com/office/drawing/2010/main">
+                  <a14:imgLayer r:embed="rId3">
+                    <a14:imgEffect>
+                      <a14:backgroundRemoval t="10000" b="90000" l="10000" r="90000">
+                        <a14:foregroundMark x1="49800" y1="37300" x2="49800" y2="37300"/>
+                      </a14:backgroundRemoval>
+                    </a14:imgEffect>
+                  </a14:imgLayer>
+                </a14:imgProps>
+              </a:ext>
+              <a:ext uri="{28A0092B-C50C-407E-A947-70E740481C1C}">
+                <a14:useLocalDpi xmlns:a14="http://schemas.microsoft.com/office/drawing/2010/main" val="0"/>
+              </a:ext>
+            </a:extLst>
+          </a:blip>
+          <a:srcRect/>
+          <a:stretch>
+            <a:fillRect/>
+          </a:stretch>
+        </p:blipFill>
+        <p:spPr bwMode="auto">
+          <a:xfrm>
+            <a:off x="5933090" y="4140071"/>
+            <a:ext cx="557178" cy="557178"/>
+          </a:xfrm>
+          <a:prstGeom prst="rect">
+            <a:avLst/>
+          </a:prstGeom>
+          <a:noFill/>
+          <a:extLst>
+            <a:ext uri="{909E8E84-426E-40DD-AFC4-6F175D3DCCD1}">
+              <a14:hiddenFill xmlns:a14="http://schemas.microsoft.com/office/drawing/2010/main">
+                <a:solidFill>
+                  <a:srgbClr val="FFFFFF"/>
+                </a:solidFill>
+              </a14:hiddenFill>
+            </a:ext>
+          </a:extLst>
+        </p:spPr>
+      </p:pic>
+      <p:pic>
+        <p:nvPicPr>
+          <p:cNvPr id="1042" name="Picture 6" descr="Stockvector User icon in flat style, Person icon, User icon for web site,  User icon vector illustration | Adobe Stock">
+            <a:extLst>
+              <a:ext uri="{FF2B5EF4-FFF2-40B4-BE49-F238E27FC236}">
+                <a16:creationId xmlns:a16="http://schemas.microsoft.com/office/drawing/2014/main" id="{9115DC97-DBEC-6F6B-6C99-DD0A9081B6D4}"/>
+              </a:ext>
+            </a:extLst>
+          </p:cNvPr>
+          <p:cNvPicPr>
+            <a:picLocks noChangeAspect="1" noChangeArrowheads="1"/>
+          </p:cNvPicPr>
+          <p:nvPr/>
+        </p:nvPicPr>
+        <p:blipFill>
+          <a:blip r:embed="rId2">
+            <a:duotone>
+              <a:schemeClr val="accent6">
+                <a:shade val="45000"/>
+                <a:satMod val="135000"/>
+              </a:schemeClr>
+              <a:prstClr val="white"/>
+            </a:duotone>
+            <a:extLst>
+              <a:ext uri="{BEBA8EAE-BF5A-486C-A8C5-ECC9F3942E4B}">
+                <a14:imgProps xmlns:a14="http://schemas.microsoft.com/office/drawing/2010/main">
+                  <a14:imgLayer r:embed="rId3">
+                    <a14:imgEffect>
+                      <a14:backgroundRemoval t="10000" b="90000" l="10000" r="90000">
+                        <a14:foregroundMark x1="49800" y1="37300" x2="49800" y2="37300"/>
+                      </a14:backgroundRemoval>
+                    </a14:imgEffect>
+                  </a14:imgLayer>
+                </a14:imgProps>
+              </a:ext>
+              <a:ext uri="{28A0092B-C50C-407E-A947-70E740481C1C}">
+                <a14:useLocalDpi xmlns:a14="http://schemas.microsoft.com/office/drawing/2010/main" val="0"/>
+              </a:ext>
+            </a:extLst>
+          </a:blip>
+          <a:srcRect/>
+          <a:stretch>
+            <a:fillRect/>
+          </a:stretch>
+        </p:blipFill>
+        <p:spPr bwMode="auto">
+          <a:xfrm>
+            <a:off x="5391409" y="2670584"/>
+            <a:ext cx="557178" cy="557178"/>
+          </a:xfrm>
+          <a:prstGeom prst="rect">
+            <a:avLst/>
+          </a:prstGeom>
+          <a:noFill/>
+          <a:extLst>
+            <a:ext uri="{909E8E84-426E-40DD-AFC4-6F175D3DCCD1}">
+              <a14:hiddenFill xmlns:a14="http://schemas.microsoft.com/office/drawing/2010/main">
+                <a:solidFill>
+                  <a:srgbClr val="FFFFFF"/>
+                </a:solidFill>
+              </a14:hiddenFill>
+            </a:ext>
+          </a:extLst>
+        </p:spPr>
+      </p:pic>
+      <p:pic>
+        <p:nvPicPr>
+          <p:cNvPr id="1045" name="Picture 6" descr="Stockvector User icon in flat style, Person icon, User icon for web site,  User icon vector illustration | Adobe Stock">
+            <a:extLst>
+              <a:ext uri="{FF2B5EF4-FFF2-40B4-BE49-F238E27FC236}">
+                <a16:creationId xmlns:a16="http://schemas.microsoft.com/office/drawing/2014/main" id="{3D61F00C-130E-51E2-7AAC-5CD4387C2733}"/>
+              </a:ext>
+            </a:extLst>
+          </p:cNvPr>
+          <p:cNvPicPr>
+            <a:picLocks noChangeAspect="1" noChangeArrowheads="1"/>
+          </p:cNvPicPr>
+          <p:nvPr/>
+        </p:nvPicPr>
+        <p:blipFill>
+          <a:blip r:embed="rId2">
+            <a:duotone>
+              <a:schemeClr val="accent4">
+                <a:shade val="45000"/>
+                <a:satMod val="135000"/>
+              </a:schemeClr>
+              <a:prstClr val="white"/>
+            </a:duotone>
+            <a:extLst>
+              <a:ext uri="{BEBA8EAE-BF5A-486C-A8C5-ECC9F3942E4B}">
+                <a14:imgProps xmlns:a14="http://schemas.microsoft.com/office/drawing/2010/main">
+                  <a14:imgLayer r:embed="rId3">
+                    <a14:imgEffect>
+                      <a14:backgroundRemoval t="10000" b="90000" l="10000" r="90000">
+                        <a14:foregroundMark x1="49800" y1="37300" x2="49800" y2="37300"/>
+                      </a14:backgroundRemoval>
+                    </a14:imgEffect>
+                  </a14:imgLayer>
+                </a14:imgProps>
+              </a:ext>
+              <a:ext uri="{28A0092B-C50C-407E-A947-70E740481C1C}">
+                <a14:useLocalDpi xmlns:a14="http://schemas.microsoft.com/office/drawing/2010/main" val="0"/>
+              </a:ext>
+            </a:extLst>
+          </a:blip>
+          <a:srcRect/>
+          <a:stretch>
+            <a:fillRect/>
+          </a:stretch>
+        </p:blipFill>
+        <p:spPr bwMode="auto">
+          <a:xfrm>
+            <a:off x="5909204" y="2668525"/>
+            <a:ext cx="557178" cy="557178"/>
+          </a:xfrm>
+          <a:prstGeom prst="rect">
+            <a:avLst/>
+          </a:prstGeom>
+          <a:noFill/>
+          <a:extLst>
+            <a:ext uri="{909E8E84-426E-40DD-AFC4-6F175D3DCCD1}">
+              <a14:hiddenFill xmlns:a14="http://schemas.microsoft.com/office/drawing/2010/main">
+                <a:solidFill>
+                  <a:srgbClr val="FFFFFF"/>
+                </a:solidFill>
+              </a14:hiddenFill>
+            </a:ext>
+          </a:extLst>
+        </p:spPr>
+      </p:pic>
+      <p:pic>
+        <p:nvPicPr>
+          <p:cNvPr id="1055" name="Picture 6" descr="Stockvector User icon in flat style, Person icon, User icon for web site,  User icon vector illustration | Adobe Stock">
+            <a:extLst>
+              <a:ext uri="{FF2B5EF4-FFF2-40B4-BE49-F238E27FC236}">
+                <a16:creationId xmlns:a16="http://schemas.microsoft.com/office/drawing/2014/main" id="{9E498CD0-EE03-D6E9-B6E2-1BB1EE3960FE}"/>
+              </a:ext>
+            </a:extLst>
+          </p:cNvPr>
+          <p:cNvPicPr>
+            <a:picLocks noChangeAspect="1" noChangeArrowheads="1"/>
+          </p:cNvPicPr>
+          <p:nvPr/>
+        </p:nvPicPr>
+        <p:blipFill>
+          <a:blip r:embed="rId2">
+            <a:duotone>
+              <a:schemeClr val="accent5">
+                <a:shade val="45000"/>
+                <a:satMod val="135000"/>
+              </a:schemeClr>
+              <a:prstClr val="white"/>
+            </a:duotone>
+            <a:extLst>
+              <a:ext uri="{BEBA8EAE-BF5A-486C-A8C5-ECC9F3942E4B}">
+                <a14:imgProps xmlns:a14="http://schemas.microsoft.com/office/drawing/2010/main">
+                  <a14:imgLayer r:embed="rId3">
+                    <a14:imgEffect>
+                      <a14:backgroundRemoval t="10000" b="90000" l="10000" r="90000">
+                        <a14:foregroundMark x1="49800" y1="37300" x2="49800" y2="37300"/>
+                      </a14:backgroundRemoval>
+                    </a14:imgEffect>
+                  </a14:imgLayer>
+                </a14:imgProps>
+              </a:ext>
+              <a:ext uri="{28A0092B-C50C-407E-A947-70E740481C1C}">
+                <a14:useLocalDpi xmlns:a14="http://schemas.microsoft.com/office/drawing/2010/main" val="0"/>
+              </a:ext>
+            </a:extLst>
+          </a:blip>
+          <a:srcRect/>
+          <a:stretch>
+            <a:fillRect/>
+          </a:stretch>
+        </p:blipFill>
+        <p:spPr bwMode="auto">
+          <a:xfrm>
+            <a:off x="5663045" y="4615656"/>
+            <a:ext cx="557178" cy="557178"/>
+          </a:xfrm>
+          <a:prstGeom prst="rect">
+            <a:avLst/>
+          </a:prstGeom>
+          <a:noFill/>
+          <a:extLst>
+            <a:ext uri="{909E8E84-426E-40DD-AFC4-6F175D3DCCD1}">
+              <a14:hiddenFill xmlns:a14="http://schemas.microsoft.com/office/drawing/2010/main">
+                <a:solidFill>
+                  <a:srgbClr val="FFFFFF"/>
+                </a:solidFill>
+              </a14:hiddenFill>
+            </a:ext>
+          </a:extLst>
+        </p:spPr>
+      </p:pic>
+      <p:sp>
+        <p:nvSpPr>
+          <p:cNvPr id="1057" name="Rectangle 1056">
+            <a:extLst>
+              <a:ext uri="{FF2B5EF4-FFF2-40B4-BE49-F238E27FC236}">
+                <a16:creationId xmlns:a16="http://schemas.microsoft.com/office/drawing/2014/main" id="{79DC2909-3E43-7AD4-87B2-F56FCD18DBD1}"/>
+              </a:ext>
+            </a:extLst>
+          </p:cNvPr>
+          <p:cNvSpPr/>
+          <p:nvPr/>
+        </p:nvSpPr>
+        <p:spPr>
+          <a:xfrm>
+            <a:off x="12595819" y="1349785"/>
+            <a:ext cx="2476934" cy="3710351"/>
+          </a:xfrm>
+          <a:prstGeom prst="rect">
+            <a:avLst/>
+          </a:prstGeom>
+          <a:noFill/>
+          <a:ln>
+            <a:solidFill>
+              <a:schemeClr val="bg2">
+                <a:lumMod val="75000"/>
+              </a:schemeClr>
+            </a:solidFill>
+          </a:ln>
+        </p:spPr>
+        <p:style>
+          <a:lnRef idx="2">
+            <a:schemeClr val="accent1">
+              <a:shade val="15000"/>
+            </a:schemeClr>
+          </a:lnRef>
+          <a:fillRef idx="1">
+            <a:schemeClr val="accent1"/>
+          </a:fillRef>
+          <a:effectRef idx="0">
+            <a:schemeClr val="accent1"/>
+          </a:effectRef>
+          <a:fontRef idx="minor">
+            <a:schemeClr val="lt1"/>
+          </a:fontRef>
+        </p:style>
+        <p:txBody>
+          <a:bodyPr rtlCol="0" anchor="ctr"/>
+          <a:lstStyle/>
+          <a:p>
+            <a:pPr algn="ctr"/>
+            <a:endParaRPr lang="en-NL"/>
+          </a:p>
+        </p:txBody>
+      </p:sp>
+      <p:sp>
+        <p:nvSpPr>
+          <p:cNvPr id="1058" name="TextBox 1057">
+            <a:extLst>
+              <a:ext uri="{FF2B5EF4-FFF2-40B4-BE49-F238E27FC236}">
+                <a16:creationId xmlns:a16="http://schemas.microsoft.com/office/drawing/2014/main" id="{BADCAD81-0B9F-C94D-C26A-73549C3A118D}"/>
+              </a:ext>
+            </a:extLst>
+          </p:cNvPr>
+          <p:cNvSpPr txBox="1"/>
+          <p:nvPr/>
+        </p:nvSpPr>
+        <p:spPr>
+          <a:xfrm>
+            <a:off x="12694463" y="1079064"/>
+            <a:ext cx="1731523" cy="369332"/>
+          </a:xfrm>
+          <a:prstGeom prst="rect">
+            <a:avLst/>
+          </a:prstGeom>
+          <a:noFill/>
+        </p:spPr>
+        <p:txBody>
+          <a:bodyPr wrap="square" rtlCol="0">
+            <a:spAutoFit/>
+          </a:bodyPr>
+          <a:lstStyle/>
+          <a:p>
+            <a:r>
+              <a:rPr lang="en-GB" i="1" dirty="0">
+                <a:solidFill>
+                  <a:schemeClr val="tx1">
+                    <a:lumMod val="50000"/>
+                    <a:lumOff val="50000"/>
+                  </a:schemeClr>
+                </a:solidFill>
+              </a:rPr>
+              <a:t>Roles</a:t>
+            </a:r>
+            <a:endParaRPr lang="en-NL" i="1" dirty="0">
+              <a:solidFill>
+                <a:schemeClr val="tx1">
+                  <a:lumMod val="50000"/>
+                  <a:lumOff val="50000"/>
+                </a:schemeClr>
+              </a:solidFill>
+            </a:endParaRPr>
+          </a:p>
+        </p:txBody>
+      </p:sp>
+      <p:pic>
+        <p:nvPicPr>
+          <p:cNvPr id="8" name="Picture 6" descr="Stockvector User icon in flat style, Person icon, User icon for web site,  User icon vector illustration | Adobe Stock">
+            <a:extLst>
+              <a:ext uri="{FF2B5EF4-FFF2-40B4-BE49-F238E27FC236}">
+                <a16:creationId xmlns:a16="http://schemas.microsoft.com/office/drawing/2014/main" id="{DEBC8E56-F503-441C-A933-663FEFB3D4BA}"/>
+              </a:ext>
+            </a:extLst>
+          </p:cNvPr>
+          <p:cNvPicPr>
+            <a:picLocks noChangeAspect="1" noChangeArrowheads="1"/>
+          </p:cNvPicPr>
+          <p:nvPr/>
+        </p:nvPicPr>
+        <p:blipFill>
+          <a:blip r:embed="rId2">
+            <a:duotone>
+              <a:schemeClr val="accent4">
+                <a:shade val="45000"/>
+                <a:satMod val="135000"/>
+              </a:schemeClr>
+              <a:prstClr val="white"/>
+            </a:duotone>
+            <a:extLst>
+              <a:ext uri="{BEBA8EAE-BF5A-486C-A8C5-ECC9F3942E4B}">
+                <a14:imgProps xmlns:a14="http://schemas.microsoft.com/office/drawing/2010/main">
+                  <a14:imgLayer r:embed="rId3">
+                    <a14:imgEffect>
+                      <a14:backgroundRemoval t="10000" b="90000" l="10000" r="90000">
+                        <a14:foregroundMark x1="49800" y1="37300" x2="49800" y2="37300"/>
+                      </a14:backgroundRemoval>
+                    </a14:imgEffect>
+                  </a14:imgLayer>
+                </a14:imgProps>
+              </a:ext>
+              <a:ext uri="{28A0092B-C50C-407E-A947-70E740481C1C}">
+                <a14:useLocalDpi xmlns:a14="http://schemas.microsoft.com/office/drawing/2010/main" val="0"/>
+              </a:ext>
+            </a:extLst>
+          </a:blip>
+          <a:srcRect/>
+          <a:stretch>
+            <a:fillRect/>
+          </a:stretch>
+        </p:blipFill>
+        <p:spPr bwMode="auto">
+          <a:xfrm>
+            <a:off x="5933090" y="3217448"/>
+            <a:ext cx="557178" cy="557178"/>
+          </a:xfrm>
+          <a:prstGeom prst="rect">
+            <a:avLst/>
+          </a:prstGeom>
+          <a:noFill/>
+          <a:extLst>
+            <a:ext uri="{909E8E84-426E-40DD-AFC4-6F175D3DCCD1}">
+              <a14:hiddenFill xmlns:a14="http://schemas.microsoft.com/office/drawing/2010/main">
+                <a:solidFill>
+                  <a:srgbClr val="FFFFFF"/>
+                </a:solidFill>
+              </a14:hiddenFill>
+            </a:ext>
+          </a:extLst>
+        </p:spPr>
+      </p:pic>
+      <p:pic>
+        <p:nvPicPr>
+          <p:cNvPr id="9" name="Picture 6" descr="Stockvector User icon in flat style, Person icon, User icon for web site,  User icon vector illustration | Adobe Stock">
+            <a:extLst>
+              <a:ext uri="{FF2B5EF4-FFF2-40B4-BE49-F238E27FC236}">
+                <a16:creationId xmlns:a16="http://schemas.microsoft.com/office/drawing/2014/main" id="{634DA3BB-0F8A-F824-38CA-73DC29B95671}"/>
+              </a:ext>
+            </a:extLst>
+          </p:cNvPr>
+          <p:cNvPicPr>
+            <a:picLocks noChangeAspect="1" noChangeArrowheads="1"/>
+          </p:cNvPicPr>
+          <p:nvPr/>
+        </p:nvPicPr>
+        <p:blipFill>
+          <a:blip r:embed="rId2">
+            <a:duotone>
+              <a:schemeClr val="accent6">
+                <a:shade val="45000"/>
+                <a:satMod val="135000"/>
+              </a:schemeClr>
+              <a:prstClr val="white"/>
+            </a:duotone>
+            <a:extLst>
+              <a:ext uri="{BEBA8EAE-BF5A-486C-A8C5-ECC9F3942E4B}">
+                <a14:imgProps xmlns:a14="http://schemas.microsoft.com/office/drawing/2010/main">
+                  <a14:imgLayer r:embed="rId3">
+                    <a14:imgEffect>
+                      <a14:backgroundRemoval t="10000" b="90000" l="10000" r="90000">
+                        <a14:foregroundMark x1="49800" y1="37300" x2="49800" y2="37300"/>
+                      </a14:backgroundRemoval>
+                    </a14:imgEffect>
+                  </a14:imgLayer>
+                </a14:imgProps>
+              </a:ext>
+              <a:ext uri="{28A0092B-C50C-407E-A947-70E740481C1C}">
+                <a14:useLocalDpi xmlns:a14="http://schemas.microsoft.com/office/drawing/2010/main" val="0"/>
+              </a:ext>
+            </a:extLst>
+          </a:blip>
+          <a:srcRect/>
+          <a:stretch>
+            <a:fillRect/>
+          </a:stretch>
+        </p:blipFill>
+        <p:spPr bwMode="auto">
+          <a:xfrm>
+            <a:off x="5909204" y="4935435"/>
+            <a:ext cx="557178" cy="557178"/>
+          </a:xfrm>
+          <a:prstGeom prst="rect">
+            <a:avLst/>
+          </a:prstGeom>
+          <a:noFill/>
+          <a:extLst>
+            <a:ext uri="{909E8E84-426E-40DD-AFC4-6F175D3DCCD1}">
+              <a14:hiddenFill xmlns:a14="http://schemas.microsoft.com/office/drawing/2010/main">
+                <a:solidFill>
+                  <a:srgbClr val="FFFFFF"/>
+                </a:solidFill>
+              </a14:hiddenFill>
+            </a:ext>
+          </a:extLst>
+        </p:spPr>
+      </p:pic>
+      <p:pic>
+        <p:nvPicPr>
+          <p:cNvPr id="10" name="Picture 6" descr="Stockvector User icon in flat style, Person icon, User icon for web site,  User icon vector illustration | Adobe Stock">
+            <a:extLst>
+              <a:ext uri="{FF2B5EF4-FFF2-40B4-BE49-F238E27FC236}">
+                <a16:creationId xmlns:a16="http://schemas.microsoft.com/office/drawing/2014/main" id="{BEAA6452-81C0-94ED-CA8E-27104C4E409B}"/>
+              </a:ext>
+            </a:extLst>
+          </p:cNvPr>
+          <p:cNvPicPr>
+            <a:picLocks noChangeAspect="1" noChangeArrowheads="1"/>
+          </p:cNvPicPr>
+          <p:nvPr/>
+        </p:nvPicPr>
+        <p:blipFill>
+          <a:blip r:embed="rId2">
+            <a:duotone>
+              <a:schemeClr val="accent5">
+                <a:shade val="45000"/>
+                <a:satMod val="135000"/>
+              </a:schemeClr>
+              <a:prstClr val="white"/>
+            </a:duotone>
+            <a:extLst>
+              <a:ext uri="{BEBA8EAE-BF5A-486C-A8C5-ECC9F3942E4B}">
+                <a14:imgProps xmlns:a14="http://schemas.microsoft.com/office/drawing/2010/main">
+                  <a14:imgLayer r:embed="rId3">
+                    <a14:imgEffect>
+                      <a14:backgroundRemoval t="10000" b="90000" l="10000" r="90000">
+                        <a14:foregroundMark x1="49800" y1="37300" x2="49800" y2="37300"/>
+                      </a14:backgroundRemoval>
+                    </a14:imgEffect>
+                  </a14:imgLayer>
+                </a14:imgProps>
+              </a:ext>
+              <a:ext uri="{28A0092B-C50C-407E-A947-70E740481C1C}">
+                <a14:useLocalDpi xmlns:a14="http://schemas.microsoft.com/office/drawing/2010/main" val="0"/>
+              </a:ext>
+            </a:extLst>
+          </a:blip>
+          <a:srcRect/>
+          <a:stretch>
+            <a:fillRect/>
+          </a:stretch>
+        </p:blipFill>
+        <p:spPr bwMode="auto">
+          <a:xfrm>
+            <a:off x="5646476" y="5424111"/>
+            <a:ext cx="557178" cy="557178"/>
+          </a:xfrm>
+          <a:prstGeom prst="rect">
+            <a:avLst/>
+          </a:prstGeom>
+          <a:noFill/>
+          <a:extLst>
+            <a:ext uri="{909E8E84-426E-40DD-AFC4-6F175D3DCCD1}">
+              <a14:hiddenFill xmlns:a14="http://schemas.microsoft.com/office/drawing/2010/main">
+                <a:solidFill>
+                  <a:srgbClr val="FFFFFF"/>
+                </a:solidFill>
+              </a14:hiddenFill>
+            </a:ext>
+          </a:extLst>
+        </p:spPr>
+      </p:pic>
+    </p:spTree>
+    <p:extLst>
+      <p:ext uri="{BB962C8B-B14F-4D97-AF65-F5344CB8AC3E}">
+        <p14:creationId xmlns:p14="http://schemas.microsoft.com/office/powerpoint/2010/main" val="2429058278"/>
       </p:ext>
     </p:extLst>
   </p:cSld>
@@ -11591,6 +17110,15 @@
 </file>
 
 <file path=customXml/item2.xml><?xml version="1.0" encoding="utf-8"?>
+<?mso-contentType ?>
+<FormTemplates xmlns="http://schemas.microsoft.com/sharepoint/v3/contenttype/forms">
+  <Display>DocumentLibraryForm</Display>
+  <Edit>DocumentLibraryForm</Edit>
+  <New>DocumentLibraryForm</New>
+</FormTemplates>
+</file>
+
+<file path=customXml/item3.xml><?xml version="1.0" encoding="utf-8"?>
 <ct:contentTypeSchema xmlns:ct="http://schemas.microsoft.com/office/2006/metadata/contentType" xmlns:ma="http://schemas.microsoft.com/office/2006/metadata/properties/metaAttributes" ct:_="" ma:_="" ma:contentTypeName="Document" ma:contentTypeID="0x010100E5356C4E2CAF444A88BBC36C63A2A282" ma:contentTypeVersion="13" ma:contentTypeDescription="Create a new document." ma:contentTypeScope="" ma:versionID="1024606420dd1c907fe67ef48e2601a2">
   <xsd:schema xmlns:xsd="http://www.w3.org/2001/XMLSchema" xmlns:xs="http://www.w3.org/2001/XMLSchema" xmlns:p="http://schemas.microsoft.com/office/2006/metadata/properties" xmlns:ns2="955c2ef9-e3fb-4d4b-8470-fb567c871aae" xmlns:ns3="0fb6041c-3b17-4400-a9d6-ff6e89203659" targetNamespace="http://schemas.microsoft.com/office/2006/metadata/properties" ma:root="true" ma:fieldsID="d144fcb58d56967691e3ce2c3957191a" ns2:_="" ns3:_="">
     <xsd:import namespace="955c2ef9-e3fb-4d4b-8470-fb567c871aae"/>
@@ -11813,15 +17341,6 @@
 </ct:contentTypeSchema>
 </file>
 
-<file path=customXml/item3.xml><?xml version="1.0" encoding="utf-8"?>
-<?mso-contentType ?>
-<FormTemplates xmlns="http://schemas.microsoft.com/sharepoint/v3/contenttype/forms">
-  <Display>DocumentLibraryForm</Display>
-  <Edit>DocumentLibraryForm</Edit>
-  <New>DocumentLibraryForm</New>
-</FormTemplates>
-</file>
-
 <file path=customXml/itemProps1.xml><?xml version="1.0" encoding="utf-8"?>
 <ds:datastoreItem xmlns:ds="http://schemas.openxmlformats.org/officeDocument/2006/customXml" ds:itemID="{6E8B63B3-C738-43B6-8C5B-4BE83CEC42E5}">
   <ds:schemaRefs>
@@ -11834,6 +17353,14 @@
 </file>
 
 <file path=customXml/itemProps2.xml><?xml version="1.0" encoding="utf-8"?>
+<ds:datastoreItem xmlns:ds="http://schemas.openxmlformats.org/officeDocument/2006/customXml" ds:itemID="{00F351C5-3C6A-482F-BB25-1EA498FD4753}">
+  <ds:schemaRefs>
+    <ds:schemaRef ds:uri="http://schemas.microsoft.com/sharepoint/v3/contenttype/forms"/>
+  </ds:schemaRefs>
+</ds:datastoreItem>
+</file>
+
+<file path=customXml/itemProps3.xml><?xml version="1.0" encoding="utf-8"?>
 <ds:datastoreItem xmlns:ds="http://schemas.openxmlformats.org/officeDocument/2006/customXml" ds:itemID="{93D67912-E908-485C-BEBD-6517B6DEE35D}">
   <ds:schemaRefs>
     <ds:schemaRef ds:uri="http://schemas.microsoft.com/office/2006/metadata/contentType"/>
@@ -11850,12 +17377,4 @@
     <ds:schemaRef ds:uri="http://schemas.microsoft.com/internal/obd"/>
   </ds:schemaRefs>
 </ds:datastoreItem>
-</file>
-
-<file path=customXml/itemProps3.xml><?xml version="1.0" encoding="utf-8"?>
-<ds:datastoreItem xmlns:ds="http://schemas.openxmlformats.org/officeDocument/2006/customXml" ds:itemID="{00F351C5-3C6A-482F-BB25-1EA498FD4753}">
-  <ds:schemaRefs>
-    <ds:schemaRef ds:uri="http://schemas.microsoft.com/sharepoint/v3/contenttype/forms"/>
-  </ds:schemaRefs>
-</ds:datastoreItem>
 </file>
--- a/book/some_content/HR/Hiring/PhDPostDocs/Appendices/OverviewImage.pptx
+++ b/book/some_content/HR/Hiring/PhDPostDocs/Appendices/OverviewImage.pptx
@@ -11303,7 +11303,7 @@
           <p:nvPr>
             <p:extLst>
               <p:ext uri="{D42A27DB-BD31-4B8C-83A1-F6EECF244321}">
-                <p14:modId xmlns:p14="http://schemas.microsoft.com/office/powerpoint/2010/main" val="743318368"/>
+                <p14:modId xmlns:p14="http://schemas.microsoft.com/office/powerpoint/2010/main" val="4293796230"/>
               </p:ext>
             </p:extLst>
           </p:nvPr>
@@ -14665,18 +14665,7 @@
                             </a:schemeClr>
                           </a:solidFill>
                         </a:rPr>
-                        <a:t>See checklist first workday</a:t>
-                      </a:r>
-                      <a:r>
-                        <a:rPr lang="en-GB" sz="1200" baseline="30000" dirty="0">
-                          <a:solidFill>
-                            <a:schemeClr val="tx1">
-                              <a:lumMod val="75000"/>
-                              <a:lumOff val="25000"/>
-                            </a:schemeClr>
-                          </a:solidFill>
-                        </a:rPr>
-                        <a:t>4</a:t>
+                        <a:t>See checklist first workday in step 4.2</a:t>
                       </a:r>
                       <a:endParaRPr lang="en-NL" sz="1200" dirty="0">
                         <a:solidFill>
@@ -17099,26 +17088,6 @@
 </file>
 
 <file path=customXml/item1.xml><?xml version="1.0" encoding="utf-8"?>
-<p:properties xmlns:p="http://schemas.microsoft.com/office/2006/metadata/properties" xmlns:xsi="http://www.w3.org/2001/XMLSchema-instance" xmlns:pc="http://schemas.microsoft.com/office/infopath/2007/PartnerControls">
-  <documentManagement>
-    <lcf76f155ced4ddcb4097134ff3c332f xmlns="955c2ef9-e3fb-4d4b-8470-fb567c871aae">
-      <Terms xmlns="http://schemas.microsoft.com/office/infopath/2007/PartnerControls"/>
-    </lcf76f155ced4ddcb4097134ff3c332f>
-    <TaxCatchAll xmlns="0fb6041c-3b17-4400-a9d6-ff6e89203659" xsi:nil="true"/>
-  </documentManagement>
-</p:properties>
-</file>
-
-<file path=customXml/item2.xml><?xml version="1.0" encoding="utf-8"?>
-<?mso-contentType ?>
-<FormTemplates xmlns="http://schemas.microsoft.com/sharepoint/v3/contenttype/forms">
-  <Display>DocumentLibraryForm</Display>
-  <Edit>DocumentLibraryForm</Edit>
-  <New>DocumentLibraryForm</New>
-</FormTemplates>
-</file>
-
-<file path=customXml/item3.xml><?xml version="1.0" encoding="utf-8"?>
 <ct:contentTypeSchema xmlns:ct="http://schemas.microsoft.com/office/2006/metadata/contentType" xmlns:ma="http://schemas.microsoft.com/office/2006/metadata/properties/metaAttributes" ct:_="" ma:_="" ma:contentTypeName="Document" ma:contentTypeID="0x010100E5356C4E2CAF444A88BBC36C63A2A282" ma:contentTypeVersion="13" ma:contentTypeDescription="Create a new document." ma:contentTypeScope="" ma:versionID="1024606420dd1c907fe67ef48e2601a2">
   <xsd:schema xmlns:xsd="http://www.w3.org/2001/XMLSchema" xmlns:xs="http://www.w3.org/2001/XMLSchema" xmlns:p="http://schemas.microsoft.com/office/2006/metadata/properties" xmlns:ns2="955c2ef9-e3fb-4d4b-8470-fb567c871aae" xmlns:ns3="0fb6041c-3b17-4400-a9d6-ff6e89203659" targetNamespace="http://schemas.microsoft.com/office/2006/metadata/properties" ma:root="true" ma:fieldsID="d144fcb58d56967691e3ce2c3957191a" ns2:_="" ns3:_="">
     <xsd:import namespace="955c2ef9-e3fb-4d4b-8470-fb567c871aae"/>
@@ -17341,26 +17310,27 @@
 </ct:contentTypeSchema>
 </file>
 
-<file path=customXml/itemProps1.xml><?xml version="1.0" encoding="utf-8"?>
-<ds:datastoreItem xmlns:ds="http://schemas.openxmlformats.org/officeDocument/2006/customXml" ds:itemID="{6E8B63B3-C738-43B6-8C5B-4BE83CEC42E5}">
-  <ds:schemaRefs>
-    <ds:schemaRef ds:uri="http://schemas.microsoft.com/office/2006/metadata/properties"/>
-    <ds:schemaRef ds:uri="http://schemas.microsoft.com/office/infopath/2007/PartnerControls"/>
-    <ds:schemaRef ds:uri="955c2ef9-e3fb-4d4b-8470-fb567c871aae"/>
-    <ds:schemaRef ds:uri="0fb6041c-3b17-4400-a9d6-ff6e89203659"/>
-  </ds:schemaRefs>
-</ds:datastoreItem>
+<file path=customXml/item2.xml><?xml version="1.0" encoding="utf-8"?>
+<?mso-contentType ?>
+<FormTemplates xmlns="http://schemas.microsoft.com/sharepoint/v3/contenttype/forms">
+  <Display>DocumentLibraryForm</Display>
+  <Edit>DocumentLibraryForm</Edit>
+  <New>DocumentLibraryForm</New>
+</FormTemplates>
 </file>
 
-<file path=customXml/itemProps2.xml><?xml version="1.0" encoding="utf-8"?>
-<ds:datastoreItem xmlns:ds="http://schemas.openxmlformats.org/officeDocument/2006/customXml" ds:itemID="{00F351C5-3C6A-482F-BB25-1EA498FD4753}">
-  <ds:schemaRefs>
-    <ds:schemaRef ds:uri="http://schemas.microsoft.com/sharepoint/v3/contenttype/forms"/>
-  </ds:schemaRefs>
-</ds:datastoreItem>
+<file path=customXml/item3.xml><?xml version="1.0" encoding="utf-8"?>
+<p:properties xmlns:p="http://schemas.microsoft.com/office/2006/metadata/properties" xmlns:xsi="http://www.w3.org/2001/XMLSchema-instance" xmlns:pc="http://schemas.microsoft.com/office/infopath/2007/PartnerControls">
+  <documentManagement>
+    <lcf76f155ced4ddcb4097134ff3c332f xmlns="955c2ef9-e3fb-4d4b-8470-fb567c871aae">
+      <Terms xmlns="http://schemas.microsoft.com/office/infopath/2007/PartnerControls"/>
+    </lcf76f155ced4ddcb4097134ff3c332f>
+    <TaxCatchAll xmlns="0fb6041c-3b17-4400-a9d6-ff6e89203659" xsi:nil="true"/>
+  </documentManagement>
+</p:properties>
 </file>
 
-<file path=customXml/itemProps3.xml><?xml version="1.0" encoding="utf-8"?>
+<file path=customXml/itemProps1.xml><?xml version="1.0" encoding="utf-8"?>
 <ds:datastoreItem xmlns:ds="http://schemas.openxmlformats.org/officeDocument/2006/customXml" ds:itemID="{93D67912-E908-485C-BEBD-6517B6DEE35D}">
   <ds:schemaRefs>
     <ds:schemaRef ds:uri="http://schemas.microsoft.com/office/2006/metadata/contentType"/>
@@ -17377,4 +17347,23 @@
     <ds:schemaRef ds:uri="http://schemas.microsoft.com/internal/obd"/>
   </ds:schemaRefs>
 </ds:datastoreItem>
+</file>
+
+<file path=customXml/itemProps2.xml><?xml version="1.0" encoding="utf-8"?>
+<ds:datastoreItem xmlns:ds="http://schemas.openxmlformats.org/officeDocument/2006/customXml" ds:itemID="{00F351C5-3C6A-482F-BB25-1EA498FD4753}">
+  <ds:schemaRefs>
+    <ds:schemaRef ds:uri="http://schemas.microsoft.com/sharepoint/v3/contenttype/forms"/>
+  </ds:schemaRefs>
+</ds:datastoreItem>
+</file>
+
+<file path=customXml/itemProps3.xml><?xml version="1.0" encoding="utf-8"?>
+<ds:datastoreItem xmlns:ds="http://schemas.openxmlformats.org/officeDocument/2006/customXml" ds:itemID="{6E8B63B3-C738-43B6-8C5B-4BE83CEC42E5}">
+  <ds:schemaRefs>
+    <ds:schemaRef ds:uri="http://schemas.microsoft.com/office/2006/metadata/properties"/>
+    <ds:schemaRef ds:uri="http://schemas.microsoft.com/office/infopath/2007/PartnerControls"/>
+    <ds:schemaRef ds:uri="955c2ef9-e3fb-4d4b-8470-fb567c871aae"/>
+    <ds:schemaRef ds:uri="0fb6041c-3b17-4400-a9d6-ff6e89203659"/>
+  </ds:schemaRefs>
+</ds:datastoreItem>
 </file>